--- a/slides/第2讲.pptx
+++ b/slides/第2讲.pptx
@@ -1504,7 +1504,7 @@
           <a:p>
             <a:fld id="{59493D29-A96E-4F02-A4FF-00609BBA5A4F}" type="datetimeFigureOut">
               <a:rPr lang="zh-CN" altLang="en-US" smtClean="0"/>
-              <a:t>2019/9/9</a:t>
+              <a:t>2020/9/16</a:t>
             </a:fld>
             <a:endParaRPr lang="zh-CN" altLang="en-US"/>
           </a:p>
@@ -1942,7 +1942,7 @@
           <a:p>
             <a:r>
               <a:rPr lang="en-US" altLang="zh-CN" dirty="0" smtClean="0"/>
-              <a:t>2019</a:t>
+              <a:t>2020</a:t>
             </a:r>
             <a:r>
               <a:rPr lang="zh-CN" altLang="en-US" dirty="0" smtClean="0"/>
@@ -1957,11 +1957,11 @@
               <a:t>月</a:t>
             </a:r>
             <a:r>
-              <a:rPr lang="en-US" altLang="zh-CN" smtClean="0"/>
-              <a:t>12</a:t>
-            </a:r>
-            <a:r>
-              <a:rPr lang="zh-CN" altLang="en-US" smtClean="0"/>
+              <a:rPr lang="en-US" altLang="zh-CN" dirty="0" smtClean="0"/>
+              <a:t>10</a:t>
+            </a:r>
+            <a:r>
+              <a:rPr lang="zh-CN" altLang="en-US" dirty="0" smtClean="0"/>
               <a:t>日</a:t>
             </a:r>
             <a:endParaRPr lang="zh-CN" altLang="en-US" dirty="0"/>
@@ -2471,7 +2471,15 @@
           <a:p>
             <a:r>
               <a:rPr lang="zh-CN" altLang="en-US" dirty="0" smtClean="0"/>
-              <a:t>多用组合少用集成原则：使父类包含子类而不是子类集成父类，从而降低代码的耦合性</a:t>
+              <a:t>多用组合少用集成原则：使父类包含子类而不是</a:t>
+            </a:r>
+            <a:r>
+              <a:rPr lang="zh-CN" altLang="en-US" smtClean="0"/>
+              <a:t>子类继承父</a:t>
+            </a:r>
+            <a:r>
+              <a:rPr lang="zh-CN" altLang="en-US" dirty="0" smtClean="0"/>
+              <a:t>类，从而降低代码的耦合性</a:t>
             </a:r>
             <a:endParaRPr lang="en-US" altLang="zh-CN" dirty="0" smtClean="0"/>
           </a:p>

--- a/slides/第2讲.pptx
+++ b/slides/第2讲.pptx
@@ -35,6 +35,9 @@
     <p:sldId id="277" r:id="rId29"/>
     <p:sldId id="279" r:id="rId30"/>
     <p:sldId id="282" r:id="rId31"/>
+    <p:sldId id="286" r:id="rId32"/>
+    <p:sldId id="287" r:id="rId33"/>
+    <p:sldId id="288" r:id="rId34"/>
   </p:sldIdLst>
   <p:sldSz cx="9144000" cy="6858000" type="screen4x3"/>
   <p:notesSz cx="6858000" cy="9144000"/>
@@ -230,7 +233,7 @@
           <a:p>
             <a:pPr algn="r"/>
             <a:r>
-              <a:rPr lang="en-US" altLang="zh-CN" sz="6000" spc="500" baseline="0" dirty="0" smtClean="0">
+              <a:rPr lang="en-US" altLang="zh-CN" sz="6000" spc="500" baseline="0" dirty="0">
                 <a:solidFill>
                   <a:schemeClr val="bg1"/>
                 </a:solidFill>
@@ -240,7 +243,7 @@
               <a:t>MATLAB</a:t>
             </a:r>
             <a:r>
-              <a:rPr lang="zh-CN" altLang="en-US" sz="6000" spc="500" baseline="0" dirty="0" smtClean="0">
+              <a:rPr lang="zh-CN" altLang="en-US" sz="6000" spc="500" baseline="0" dirty="0">
                 <a:solidFill>
                   <a:schemeClr val="bg1"/>
                 </a:solidFill>
@@ -249,13 +252,6 @@
               </a:rPr>
               <a:t>编程</a:t>
             </a:r>
-            <a:endParaRPr lang="zh-CN" altLang="en-US" sz="6000" spc="500" baseline="0" dirty="0">
-              <a:solidFill>
-                <a:schemeClr val="bg1"/>
-              </a:solidFill>
-              <a:latin typeface="微软雅黑" panose="020B0503020204020204" pitchFamily="34" charset="-122"/>
-              <a:ea typeface="微软雅黑" panose="020B0503020204020204" pitchFamily="34" charset="-122"/>
-            </a:endParaRPr>
           </a:p>
         </p:txBody>
       </p:sp>
@@ -296,10 +292,9 @@
           <a:p>
             <a:pPr lvl="0"/>
             <a:r>
-              <a:rPr lang="zh-CN" altLang="en-US" dirty="0" smtClean="0"/>
+              <a:rPr lang="zh-CN" altLang="en-US" dirty="0"/>
               <a:t>标题</a:t>
             </a:r>
-            <a:endParaRPr lang="zh-CN" altLang="en-US" dirty="0"/>
           </a:p>
         </p:txBody>
       </p:sp>
@@ -327,16 +322,12 @@
           <a:p>
             <a:pPr algn="ctr"/>
             <a:r>
-              <a:rPr lang="zh-CN" altLang="en-US" sz="2000" dirty="0" smtClean="0">
+              <a:rPr lang="zh-CN" altLang="en-US" sz="2000" dirty="0">
                 <a:latin typeface="楷体" panose="02010609060101010101" pitchFamily="49" charset="-122"/>
                 <a:ea typeface="楷体" panose="02010609060101010101" pitchFamily="49" charset="-122"/>
               </a:rPr>
-              <a:t>安徽大学物质科学与信息技术研究院 田野</a:t>
-            </a:r>
-            <a:endParaRPr lang="zh-CN" altLang="en-US" sz="2000" dirty="0">
-              <a:latin typeface="楷体" panose="02010609060101010101" pitchFamily="49" charset="-122"/>
-              <a:ea typeface="楷体" panose="02010609060101010101" pitchFamily="49" charset="-122"/>
-            </a:endParaRPr>
+              <a:t>安徽大学计算机科学与技术学院 田野</a:t>
+            </a:r>
           </a:p>
         </p:txBody>
       </p:sp>
@@ -364,7 +355,7 @@
           <a:p>
             <a:pPr algn="ctr"/>
             <a:r>
-              <a:rPr lang="en-US" altLang="zh-CN" dirty="0" smtClean="0">
+              <a:rPr lang="en-US" altLang="zh-CN" dirty="0">
                 <a:latin typeface="Times New Roman" panose="02020603050405020304" pitchFamily="18" charset="0"/>
                 <a:cs typeface="Times New Roman" panose="02020603050405020304" pitchFamily="18" charset="0"/>
               </a:rPr>
@@ -374,46 +365,6 @@
               <a:latin typeface="Times New Roman" panose="02020603050405020304" pitchFamily="18" charset="0"/>
               <a:cs typeface="Times New Roman" panose="02020603050405020304" pitchFamily="18" charset="0"/>
             </a:endParaRPr>
-          </a:p>
-        </p:txBody>
-      </p:sp>
-      <p:sp>
-        <p:nvSpPr>
-          <p:cNvPr id="14" name="文本占位符 13"/>
-          <p:cNvSpPr>
-            <a:spLocks noGrp="1"/>
-          </p:cNvSpPr>
-          <p:nvPr>
-            <p:ph type="body" sz="quarter" idx="11" hasCustomPrompt="1"/>
-          </p:nvPr>
-        </p:nvSpPr>
-        <p:spPr>
-          <a:xfrm>
-            <a:off x="2772569" y="6206259"/>
-            <a:ext cx="3598863" cy="401638"/>
-          </a:xfrm>
-        </p:spPr>
-        <p:txBody>
-          <a:bodyPr>
-            <a:normAutofit/>
-          </a:bodyPr>
-          <a:lstStyle>
-            <a:lvl1pPr marL="0" indent="0" algn="ctr">
-              <a:buNone/>
-              <a:defRPr sz="1800" baseline="0">
-                <a:latin typeface="Times New Roman" panose="02020603050405020304" pitchFamily="18" charset="0"/>
-                <a:ea typeface="微软雅黑" panose="020B0503020204020204" pitchFamily="34" charset="-122"/>
-                <a:cs typeface="Times New Roman" panose="02020603050405020304" pitchFamily="18" charset="0"/>
-              </a:defRPr>
-            </a:lvl1pPr>
-          </a:lstStyle>
-          <a:p>
-            <a:pPr lvl="0"/>
-            <a:r>
-              <a:rPr lang="zh-CN" altLang="en-US" dirty="0" smtClean="0"/>
-              <a:t>日期</a:t>
-            </a:r>
-            <a:endParaRPr lang="zh-CN" altLang="en-US" dirty="0"/>
           </a:p>
         </p:txBody>
       </p:sp>
@@ -440,7 +391,7 @@
           <a:lstStyle/>
           <a:p>
             <a:r>
-              <a:rPr lang="en-US" altLang="zh-CN" sz="1400" dirty="0" smtClean="0">
+              <a:rPr lang="en-US" altLang="zh-CN" sz="1400" dirty="0">
                 <a:solidFill>
                   <a:schemeClr val="bg1"/>
                 </a:solidFill>
@@ -489,6 +440,49 @@
           </a:prstGeom>
         </p:spPr>
       </p:pic>
+      <p:sp>
+        <p:nvSpPr>
+          <p:cNvPr id="16" name="文本框 15">
+            <a:extLst>
+              <a:ext uri="{FF2B5EF4-FFF2-40B4-BE49-F238E27FC236}">
+                <a16:creationId xmlns:a16="http://schemas.microsoft.com/office/drawing/2014/main" id="{F228521A-2ED6-4B46-8EF0-29D9B9E29F5F}"/>
+              </a:ext>
+            </a:extLst>
+          </p:cNvPr>
+          <p:cNvSpPr txBox="1"/>
+          <p:nvPr userDrawn="1"/>
+        </p:nvSpPr>
+        <p:spPr>
+          <a:xfrm>
+            <a:off x="3373396" y="6334626"/>
+            <a:ext cx="2397209" cy="369332"/>
+          </a:xfrm>
+          <a:prstGeom prst="rect">
+            <a:avLst/>
+          </a:prstGeom>
+          <a:noFill/>
+        </p:spPr>
+        <p:txBody>
+          <a:bodyPr wrap="square" rtlCol="0">
+            <a:spAutoFit/>
+          </a:bodyPr>
+          <a:lstStyle/>
+          <a:p>
+            <a:pPr algn="ctr"/>
+            <a:fld id="{B8F75A0F-A932-4331-A0F8-1C56B5BA9198}" type="datetime2">
+              <a:rPr lang="zh-CN" altLang="en-US" smtClean="0">
+                <a:latin typeface="微软雅黑 Light" panose="020B0502040204020203" pitchFamily="34" charset="-122"/>
+                <a:ea typeface="微软雅黑 Light" panose="020B0502040204020203" pitchFamily="34" charset="-122"/>
+              </a:rPr>
+              <a:t>2024年3月4日</a:t>
+            </a:fld>
+            <a:endParaRPr lang="zh-CN" altLang="en-US" dirty="0">
+              <a:latin typeface="微软雅黑 Light" panose="020B0502040204020203" pitchFamily="34" charset="-122"/>
+              <a:ea typeface="微软雅黑 Light" panose="020B0502040204020203" pitchFamily="34" charset="-122"/>
+            </a:endParaRPr>
+          </a:p>
+        </p:txBody>
+      </p:sp>
     </p:spTree>
     <p:extLst>
       <p:ext uri="{BB962C8B-B14F-4D97-AF65-F5344CB8AC3E}">
@@ -499,13 +493,6 @@
   <p:clrMapOvr>
     <a:masterClrMapping/>
   </p:clrMapOvr>
-  <p:timing>
-    <p:tnLst>
-      <p:par>
-        <p:cTn id="1" dur="indefinite" restart="never" nodeType="tmRoot"/>
-      </p:par>
-    </p:tnLst>
-  </p:timing>
 </p:sldLayout>
 </file>
 
@@ -579,7 +566,7 @@
           <a:p>
             <a:pPr algn="ctr"/>
             <a:r>
-              <a:rPr lang="en-US" altLang="zh-CN" sz="4000" b="0" dirty="0" smtClean="0">
+              <a:rPr lang="en-US" altLang="zh-CN" sz="4000" b="0" dirty="0">
                 <a:solidFill>
                   <a:schemeClr val="accent5">
                     <a:lumMod val="75000"/>
@@ -639,10 +626,9 @@
           <a:p>
             <a:pPr lvl="0"/>
             <a:r>
-              <a:rPr lang="zh-CN" altLang="en-US" dirty="0" smtClean="0"/>
+              <a:rPr lang="zh-CN" altLang="en-US" dirty="0"/>
               <a:t>章节标题</a:t>
             </a:r>
-            <a:endParaRPr lang="zh-CN" altLang="en-US" dirty="0"/>
           </a:p>
         </p:txBody>
       </p:sp>
@@ -689,7 +675,7 @@
           <a:p>
             <a:pPr algn="ctr"/>
             <a:r>
-              <a:rPr lang="en-US" altLang="zh-CN" sz="4000" b="0" dirty="0" smtClean="0">
+              <a:rPr lang="en-US" altLang="zh-CN" sz="4000" b="0" dirty="0">
                 <a:solidFill>
                   <a:schemeClr val="accent5">
                     <a:lumMod val="75000"/>
@@ -749,10 +735,9 @@
           <a:p>
             <a:pPr lvl="0"/>
             <a:r>
-              <a:rPr lang="zh-CN" altLang="en-US" dirty="0" smtClean="0"/>
+              <a:rPr lang="zh-CN" altLang="en-US" dirty="0"/>
               <a:t>章节标题</a:t>
             </a:r>
-            <a:endParaRPr lang="zh-CN" altLang="en-US" dirty="0"/>
           </a:p>
         </p:txBody>
       </p:sp>
@@ -799,7 +784,7 @@
           <a:p>
             <a:pPr algn="ctr"/>
             <a:r>
-              <a:rPr lang="en-US" altLang="zh-CN" sz="4000" b="0" dirty="0" smtClean="0">
+              <a:rPr lang="en-US" altLang="zh-CN" sz="4000" b="0" dirty="0">
                 <a:solidFill>
                   <a:schemeClr val="accent5">
                     <a:lumMod val="75000"/>
@@ -859,10 +844,9 @@
           <a:p>
             <a:pPr lvl="0"/>
             <a:r>
-              <a:rPr lang="zh-CN" altLang="en-US" dirty="0" smtClean="0"/>
+              <a:rPr lang="zh-CN" altLang="en-US" dirty="0"/>
               <a:t>章节标题</a:t>
             </a:r>
-            <a:endParaRPr lang="zh-CN" altLang="en-US" dirty="0"/>
           </a:p>
         </p:txBody>
       </p:sp>
@@ -876,13 +860,6 @@
   <p:clrMapOvr>
     <a:masterClrMapping/>
   </p:clrMapOvr>
-  <p:timing>
-    <p:tnLst>
-      <p:par>
-        <p:cTn id="1" dur="indefinite" restart="never" nodeType="tmRoot"/>
-      </p:par>
-    </p:tnLst>
-  </p:timing>
 </p:sldLayout>
 </file>
 
@@ -1003,10 +980,9 @@
           <a:p>
             <a:pPr lvl="0"/>
             <a:r>
-              <a:rPr lang="zh-CN" altLang="en-US" dirty="0" smtClean="0"/>
+              <a:rPr lang="zh-CN" altLang="en-US" dirty="0"/>
               <a:t>章节标题</a:t>
             </a:r>
-            <a:endParaRPr lang="zh-CN" altLang="en-US" dirty="0"/>
           </a:p>
         </p:txBody>
       </p:sp>
@@ -1053,7 +1029,7 @@
           <a:p>
             <a:pPr lvl="0"/>
             <a:r>
-              <a:rPr lang="en-US" altLang="zh-CN" dirty="0" smtClean="0"/>
+              <a:rPr lang="en-US" altLang="zh-CN" dirty="0"/>
               <a:t>1</a:t>
             </a:r>
             <a:endParaRPr lang="zh-CN" altLang="en-US" dirty="0"/>
@@ -1070,13 +1046,6 @@
   <p:clrMapOvr>
     <a:masterClrMapping/>
   </p:clrMapOvr>
-  <p:timing>
-    <p:tnLst>
-      <p:par>
-        <p:cTn id="1" dur="indefinite" restart="never" nodeType="tmRoot"/>
-      </p:par>
-    </p:tnLst>
-  </p:timing>
 </p:sldLayout>
 </file>
 
@@ -1234,10 +1203,9 @@
           <a:p>
             <a:pPr lvl="0"/>
             <a:r>
-              <a:rPr lang="zh-CN" altLang="en-US" dirty="0" smtClean="0"/>
+              <a:rPr lang="zh-CN" altLang="en-US" dirty="0"/>
               <a:t>标题</a:t>
             </a:r>
-            <a:endParaRPr lang="zh-CN" altLang="en-US" dirty="0"/>
           </a:p>
         </p:txBody>
       </p:sp>
@@ -1281,10 +1249,9 @@
           <a:p>
             <a:pPr lvl="0"/>
             <a:r>
-              <a:rPr lang="zh-CN" altLang="en-US" dirty="0" smtClean="0"/>
+              <a:rPr lang="zh-CN" altLang="en-US" dirty="0"/>
               <a:t>内容</a:t>
             </a:r>
-            <a:endParaRPr lang="zh-CN" altLang="en-US" dirty="0"/>
           </a:p>
         </p:txBody>
       </p:sp>
@@ -1342,13 +1309,36 @@
   <p:clrMapOvr>
     <a:masterClrMapping/>
   </p:clrMapOvr>
-  <p:timing>
-    <p:tnLst>
-      <p:par>
-        <p:cTn id="1" dur="indefinite" restart="never" nodeType="tmRoot"/>
-      </p:par>
-    </p:tnLst>
-  </p:timing>
+</p:sldLayout>
+</file>
+
+<file path=ppt/slideLayouts/slideLayout5.xml><?xml version="1.0" encoding="utf-8"?>
+<p:sldLayout xmlns:a="http://schemas.openxmlformats.org/drawingml/2006/main" xmlns:r="http://schemas.openxmlformats.org/officeDocument/2006/relationships" xmlns:p="http://schemas.openxmlformats.org/presentationml/2006/main" userDrawn="1">
+  <p:cSld name="任务">
+    <p:spTree>
+      <p:nvGrpSpPr>
+        <p:cNvPr id="1" name=""/>
+        <p:cNvGrpSpPr/>
+        <p:nvPr/>
+      </p:nvGrpSpPr>
+      <p:grpSpPr>
+        <a:xfrm>
+          <a:off x="0" y="0"/>
+          <a:ext cx="0" cy="0"/>
+          <a:chOff x="0" y="0"/>
+          <a:chExt cx="0" cy="0"/>
+        </a:xfrm>
+      </p:grpSpPr>
+    </p:spTree>
+    <p:extLst>
+      <p:ext uri="{BB962C8B-B14F-4D97-AF65-F5344CB8AC3E}">
+        <p14:creationId xmlns:p14="http://schemas.microsoft.com/office/powerpoint/2010/main" val="2392668510"/>
+      </p:ext>
+    </p:extLst>
+  </p:cSld>
+  <p:clrMapOvr>
+    <a:masterClrMapping/>
+  </p:clrMapOvr>
 </p:sldLayout>
 </file>
 
@@ -1400,10 +1390,9 @@
           <a:lstStyle/>
           <a:p>
             <a:r>
-              <a:rPr lang="zh-CN" altLang="en-US" smtClean="0"/>
+              <a:rPr lang="zh-CN" altLang="en-US"/>
               <a:t>单击此处编辑母版标题样式</a:t>
             </a:r>
-            <a:endParaRPr lang="zh-CN" altLang="en-US"/>
           </a:p>
         </p:txBody>
       </p:sp>
@@ -1434,38 +1423,37 @@
           <a:p>
             <a:pPr lvl="0"/>
             <a:r>
-              <a:rPr lang="zh-CN" altLang="en-US" smtClean="0"/>
+              <a:rPr lang="zh-CN" altLang="en-US"/>
               <a:t>单击此处编辑母版文本样式</a:t>
             </a:r>
           </a:p>
           <a:p>
             <a:pPr lvl="1"/>
             <a:r>
-              <a:rPr lang="zh-CN" altLang="en-US" smtClean="0"/>
+              <a:rPr lang="zh-CN" altLang="en-US"/>
               <a:t>第二级</a:t>
             </a:r>
           </a:p>
           <a:p>
             <a:pPr lvl="2"/>
             <a:r>
-              <a:rPr lang="zh-CN" altLang="en-US" smtClean="0"/>
+              <a:rPr lang="zh-CN" altLang="en-US"/>
               <a:t>第三级</a:t>
             </a:r>
           </a:p>
           <a:p>
             <a:pPr lvl="3"/>
             <a:r>
-              <a:rPr lang="zh-CN" altLang="en-US" smtClean="0"/>
+              <a:rPr lang="zh-CN" altLang="en-US"/>
               <a:t>第四级</a:t>
             </a:r>
           </a:p>
           <a:p>
             <a:pPr lvl="4"/>
             <a:r>
-              <a:rPr lang="zh-CN" altLang="en-US" smtClean="0"/>
+              <a:rPr lang="zh-CN" altLang="en-US"/>
               <a:t>第五级</a:t>
             </a:r>
-            <a:endParaRPr lang="zh-CN" altLang="en-US"/>
           </a:p>
         </p:txBody>
       </p:sp>
@@ -1504,7 +1492,7 @@
           <a:p>
             <a:fld id="{59493D29-A96E-4F02-A4FF-00609BBA5A4F}" type="datetimeFigureOut">
               <a:rPr lang="zh-CN" altLang="en-US" smtClean="0"/>
-              <a:t>2020/9/16</a:t>
+              <a:t>2024/3/4</a:t>
             </a:fld>
             <a:endParaRPr lang="zh-CN" altLang="en-US"/>
           </a:p>
@@ -1601,6 +1589,7 @@
     <p:sldLayoutId id="2147483665" r:id="rId2"/>
     <p:sldLayoutId id="2147483666" r:id="rId3"/>
     <p:sldLayoutId id="2147483667" r:id="rId4"/>
+    <p:sldLayoutId id="2147483668" r:id="rId5"/>
   </p:sldLayoutIdLst>
   <p:txStyles>
     <p:titleStyle>
@@ -1918,53 +1907,9 @@
           <a:lstStyle/>
           <a:p>
             <a:r>
-              <a:rPr lang="zh-CN" altLang="en-US" dirty="0" smtClean="0"/>
-              <a:t>第二讲：代码优化</a:t>
-            </a:r>
-            <a:endParaRPr lang="zh-CN" altLang="en-US" dirty="0"/>
-          </a:p>
-        </p:txBody>
-      </p:sp>
-      <p:sp>
-        <p:nvSpPr>
-          <p:cNvPr id="3" name="文本占位符 2"/>
-          <p:cNvSpPr>
-            <a:spLocks noGrp="1"/>
-          </p:cNvSpPr>
-          <p:nvPr>
-            <p:ph type="body" sz="quarter" idx="11"/>
-          </p:nvPr>
-        </p:nvSpPr>
-        <p:spPr/>
-        <p:txBody>
-          <a:bodyPr/>
-          <a:lstStyle/>
-          <a:p>
-            <a:r>
-              <a:rPr lang="en-US" altLang="zh-CN" dirty="0" smtClean="0"/>
-              <a:t>2020</a:t>
-            </a:r>
-            <a:r>
-              <a:rPr lang="zh-CN" altLang="en-US" dirty="0" smtClean="0"/>
-              <a:t>年</a:t>
-            </a:r>
-            <a:r>
-              <a:rPr lang="en-US" altLang="zh-CN" dirty="0" smtClean="0"/>
-              <a:t>9</a:t>
-            </a:r>
-            <a:r>
-              <a:rPr lang="zh-CN" altLang="en-US" dirty="0" smtClean="0"/>
-              <a:t>月</a:t>
-            </a:r>
-            <a:r>
-              <a:rPr lang="en-US" altLang="zh-CN" dirty="0" smtClean="0"/>
-              <a:t>10</a:t>
-            </a:r>
-            <a:r>
-              <a:rPr lang="zh-CN" altLang="en-US" dirty="0" smtClean="0"/>
-              <a:t>日</a:t>
-            </a:r>
-            <a:endParaRPr lang="zh-CN" altLang="en-US" dirty="0"/>
+              <a:rPr lang="zh-CN" altLang="en-US" dirty="0"/>
+              <a:t>第二讲：矩阵编程</a:t>
+            </a:r>
           </a:p>
         </p:txBody>
       </p:sp>
@@ -1978,13 +1923,6 @@
   <p:clrMapOvr>
     <a:masterClrMapping/>
   </p:clrMapOvr>
-  <p:timing>
-    <p:tnLst>
-      <p:par>
-        <p:cTn id="1" dur="indefinite" restart="never" nodeType="tmRoot"/>
-      </p:par>
-    </p:tnLst>
-  </p:timing>
 </p:sld>
 </file>
 
@@ -2021,10 +1959,9 @@
           <a:lstStyle/>
           <a:p>
             <a:r>
-              <a:rPr lang="zh-CN" altLang="en-US" dirty="0" smtClean="0"/>
+              <a:rPr lang="zh-CN" altLang="en-US" dirty="0"/>
               <a:t>为矩阵预分配内存</a:t>
             </a:r>
-            <a:endParaRPr lang="zh-CN" altLang="en-US" dirty="0"/>
           </a:p>
         </p:txBody>
       </p:sp>
@@ -2044,10 +1981,9 @@
           <a:lstStyle/>
           <a:p>
             <a:r>
-              <a:rPr lang="zh-CN" altLang="en-US" dirty="0" smtClean="0"/>
+              <a:rPr lang="zh-CN" altLang="en-US" dirty="0"/>
               <a:t>改变矩阵大小极为耗时，尽量预定义矩阵的大小</a:t>
             </a:r>
-            <a:endParaRPr lang="zh-CN" altLang="en-US" dirty="0"/>
           </a:p>
         </p:txBody>
       </p:sp>
@@ -2104,7 +2040,7 @@
           <a:p>
             <a:pPr algn="ctr"/>
             <a:r>
-              <a:rPr lang="zh-CN" altLang="en-US" sz="2000" dirty="0" smtClean="0">
+              <a:rPr lang="zh-CN" altLang="en-US" sz="2000" dirty="0">
                 <a:solidFill>
                   <a:schemeClr val="accent5">
                     <a:lumMod val="75000"/>
@@ -2115,15 +2051,6 @@
               </a:rPr>
               <a:t>代码</a:t>
             </a:r>
-            <a:endParaRPr lang="zh-CN" altLang="en-US" sz="2000" dirty="0">
-              <a:solidFill>
-                <a:schemeClr val="accent5">
-                  <a:lumMod val="75000"/>
-                </a:schemeClr>
-              </a:solidFill>
-              <a:latin typeface="幼圆" panose="02010509060101010101" pitchFamily="49" charset="-122"/>
-              <a:ea typeface="幼圆" panose="02010509060101010101" pitchFamily="49" charset="-122"/>
-            </a:endParaRPr>
           </a:p>
         </p:txBody>
       </p:sp>
@@ -2151,7 +2078,7 @@
           <a:p>
             <a:pPr algn="ctr"/>
             <a:r>
-              <a:rPr lang="zh-CN" altLang="en-US" sz="2000" dirty="0" smtClean="0">
+              <a:rPr lang="zh-CN" altLang="en-US" sz="2000" dirty="0">
                 <a:solidFill>
                   <a:schemeClr val="accent5">
                     <a:lumMod val="75000"/>
@@ -2162,15 +2089,6 @@
               </a:rPr>
               <a:t>输出</a:t>
             </a:r>
-            <a:endParaRPr lang="zh-CN" altLang="en-US" sz="2000" dirty="0">
-              <a:solidFill>
-                <a:schemeClr val="accent5">
-                  <a:lumMod val="75000"/>
-                </a:schemeClr>
-              </a:solidFill>
-              <a:latin typeface="幼圆" panose="02010509060101010101" pitchFamily="49" charset="-122"/>
-              <a:ea typeface="幼圆" panose="02010509060101010101" pitchFamily="49" charset="-122"/>
-            </a:endParaRPr>
           </a:p>
         </p:txBody>
       </p:sp>
@@ -2213,13 +2131,6 @@
   <p:clrMapOvr>
     <a:masterClrMapping/>
   </p:clrMapOvr>
-  <p:timing>
-    <p:tnLst>
-      <p:par>
-        <p:cTn id="1" dur="indefinite" restart="never" nodeType="tmRoot"/>
-      </p:par>
-    </p:tnLst>
-  </p:timing>
 </p:sld>
 </file>
 
@@ -2256,10 +2167,9 @@
           <a:lstStyle/>
           <a:p>
             <a:r>
-              <a:rPr lang="zh-CN" altLang="en-US" dirty="0" smtClean="0"/>
+              <a:rPr lang="zh-CN" altLang="en-US" dirty="0"/>
               <a:t>注意编辑器的提示</a:t>
             </a:r>
-            <a:endParaRPr lang="zh-CN" altLang="en-US" dirty="0"/>
           </a:p>
         </p:txBody>
       </p:sp>
@@ -2279,18 +2189,9 @@
           <a:lstStyle/>
           <a:p>
             <a:r>
-              <a:rPr lang="zh-CN" altLang="en-US" dirty="0" smtClean="0"/>
-              <a:t>编辑器会自动</a:t>
-            </a:r>
-            <a:r>
               <a:rPr lang="zh-CN" altLang="en-US" dirty="0"/>
-              <a:t>将</a:t>
-            </a:r>
-            <a:r>
-              <a:rPr lang="zh-CN" altLang="en-US" dirty="0" smtClean="0"/>
-              <a:t>不合理的代码加上波浪线，根据提示修改代码以消除警告</a:t>
-            </a:r>
-            <a:endParaRPr lang="zh-CN" altLang="en-US" dirty="0"/>
+              <a:t>编辑器会自动将不合理的代码加上波浪线，根据提示修改代码以消除警告</a:t>
+            </a:r>
           </a:p>
         </p:txBody>
       </p:sp>
@@ -2391,13 +2292,6 @@
   <p:clrMapOvr>
     <a:masterClrMapping/>
   </p:clrMapOvr>
-  <p:timing>
-    <p:tnLst>
-      <p:par>
-        <p:cTn id="1" dur="indefinite" restart="never" nodeType="tmRoot"/>
-      </p:par>
-    </p:tnLst>
-  </p:timing>
 </p:sld>
 </file>
 
@@ -2434,10 +2328,9 @@
           <a:lstStyle/>
           <a:p>
             <a:r>
-              <a:rPr lang="zh-CN" altLang="en-US" dirty="0" smtClean="0"/>
+              <a:rPr lang="zh-CN" altLang="en-US" dirty="0"/>
               <a:t>面向对象编程原则</a:t>
             </a:r>
-            <a:endParaRPr lang="zh-CN" altLang="en-US" dirty="0"/>
           </a:p>
         </p:txBody>
       </p:sp>
@@ -2457,46 +2350,42 @@
           <a:lstStyle/>
           <a:p>
             <a:r>
-              <a:rPr lang="zh-CN" altLang="en-US" dirty="0" smtClean="0"/>
+              <a:rPr lang="zh-CN" altLang="en-US" dirty="0"/>
               <a:t>开放封闭原则：程序扩展时，无需修改现有的类，而是添加新的类</a:t>
             </a:r>
-            <a:endParaRPr lang="en-US" altLang="zh-CN" dirty="0" smtClean="0"/>
-          </a:p>
-          <a:p>
-            <a:endParaRPr lang="en-US" altLang="zh-CN" dirty="0" smtClean="0"/>
-          </a:p>
-          <a:p>
             <a:endParaRPr lang="en-US" altLang="zh-CN" dirty="0"/>
           </a:p>
           <a:p>
-            <a:r>
-              <a:rPr lang="zh-CN" altLang="en-US" dirty="0" smtClean="0"/>
-              <a:t>多用组合少用集成原则：使父类包含子类而不是</a:t>
-            </a:r>
-            <a:r>
-              <a:rPr lang="zh-CN" altLang="en-US" smtClean="0"/>
-              <a:t>子类继承父</a:t>
-            </a:r>
-            <a:r>
-              <a:rPr lang="zh-CN" altLang="en-US" dirty="0" smtClean="0"/>
-              <a:t>类，从而降低代码的耦合性</a:t>
-            </a:r>
-            <a:endParaRPr lang="en-US" altLang="zh-CN" dirty="0" smtClean="0"/>
-          </a:p>
-          <a:p>
-            <a:endParaRPr lang="en-US" altLang="zh-CN" dirty="0" smtClean="0"/>
-          </a:p>
-          <a:p>
             <a:endParaRPr lang="en-US" altLang="zh-CN" dirty="0"/>
           </a:p>
           <a:p>
+            <a:endParaRPr lang="en-US" altLang="zh-CN" dirty="0"/>
+          </a:p>
+          <a:p>
             <a:r>
               <a:rPr lang="zh-CN" altLang="en-US" dirty="0"/>
-              <a:t>单一职责原则：将问题分解成独立的小问题解决，每个类负责一个小问题且互不</a:t>
-            </a:r>
-            <a:r>
-              <a:rPr lang="zh-CN" altLang="en-US" dirty="0" smtClean="0"/>
-              <a:t>干扰</a:t>
+              <a:t>多用组合</a:t>
+            </a:r>
+            <a:r>
+              <a:rPr lang="zh-CN" altLang="en-US"/>
+              <a:t>少用继承原则</a:t>
+            </a:r>
+            <a:r>
+              <a:rPr lang="zh-CN" altLang="en-US" dirty="0"/>
+              <a:t>：使父类包含子类而不是子类继承父类，从而降低代码的耦合性</a:t>
+            </a:r>
+            <a:endParaRPr lang="en-US" altLang="zh-CN" dirty="0"/>
+          </a:p>
+          <a:p>
+            <a:endParaRPr lang="en-US" altLang="zh-CN" dirty="0"/>
+          </a:p>
+          <a:p>
+            <a:endParaRPr lang="en-US" altLang="zh-CN" dirty="0"/>
+          </a:p>
+          <a:p>
+            <a:r>
+              <a:rPr lang="zh-CN" altLang="en-US" dirty="0"/>
+              <a:t>单一职责原则：将问题分解成独立的小问题解决，每个类负责一个小问题且互不干扰</a:t>
             </a:r>
             <a:endParaRPr lang="en-US" altLang="zh-CN" dirty="0"/>
           </a:p>
@@ -2512,13 +2401,6 @@
   <p:clrMapOvr>
     <a:masterClrMapping/>
   </p:clrMapOvr>
-  <p:timing>
-    <p:tnLst>
-      <p:par>
-        <p:cTn id="1" dur="indefinite" restart="never" nodeType="tmRoot"/>
-      </p:par>
-    </p:tnLst>
-  </p:timing>
 </p:sld>
 </file>
 
@@ -2555,10 +2437,9 @@
           <a:lstStyle/>
           <a:p>
             <a:r>
-              <a:rPr lang="zh-CN" altLang="en-US" dirty="0" smtClean="0"/>
+              <a:rPr lang="zh-CN" altLang="en-US" dirty="0"/>
               <a:t>矩阵函数</a:t>
             </a:r>
-            <a:endParaRPr lang="zh-CN" altLang="en-US" dirty="0"/>
           </a:p>
         </p:txBody>
       </p:sp>
@@ -2578,7 +2459,7 @@
           <a:lstStyle/>
           <a:p>
             <a:r>
-              <a:rPr lang="en-US" altLang="zh-CN" dirty="0" smtClean="0"/>
+              <a:rPr lang="en-US" altLang="zh-CN" dirty="0"/>
               <a:t>2</a:t>
             </a:r>
             <a:endParaRPr lang="zh-CN" altLang="en-US" dirty="0"/>
@@ -2595,13 +2476,6 @@
   <p:clrMapOvr>
     <a:masterClrMapping/>
   </p:clrMapOvr>
-  <p:timing>
-    <p:tnLst>
-      <p:par>
-        <p:cTn id="1" dur="indefinite" restart="never" nodeType="tmRoot"/>
-      </p:par>
-    </p:tnLst>
-  </p:timing>
 </p:sld>
 </file>
 
@@ -2638,10 +2512,10 @@
           <a:lstStyle/>
           <a:p>
             <a:r>
-              <a:rPr lang="zh-CN" altLang="en-US" dirty="0" smtClean="0"/>
+              <a:rPr lang="zh-CN" altLang="en-US" dirty="0"/>
               <a:t>按元素计算的函数</a:t>
             </a:r>
-            <a:endParaRPr lang="en-US" altLang="zh-CN" dirty="0" smtClean="0"/>
+            <a:endParaRPr lang="en-US" altLang="zh-CN" dirty="0"/>
           </a:p>
         </p:txBody>
       </p:sp>
@@ -2661,37 +2535,37 @@
           <a:lstStyle/>
           <a:p>
             <a:r>
-              <a:rPr lang="en-US" altLang="zh-CN" dirty="0" smtClean="0"/>
+              <a:rPr lang="en-US" altLang="zh-CN" dirty="0"/>
               <a:t>MATLAB</a:t>
             </a:r>
             <a:r>
-              <a:rPr lang="zh-CN" altLang="en-US" dirty="0" smtClean="0"/>
+              <a:rPr lang="zh-CN" altLang="en-US" dirty="0"/>
               <a:t>的运算符均可作用于矩阵上</a:t>
             </a:r>
             <a:endParaRPr lang="en-US" altLang="zh-CN" dirty="0"/>
           </a:p>
           <a:p>
-            <a:endParaRPr lang="en-US" altLang="zh-CN" dirty="0" smtClean="0"/>
-          </a:p>
-          <a:p>
-            <a:endParaRPr lang="en-US" altLang="zh-CN" dirty="0" smtClean="0"/>
-          </a:p>
-          <a:p>
             <a:endParaRPr lang="en-US" altLang="zh-CN" dirty="0"/>
           </a:p>
           <a:p>
-            <a:endParaRPr lang="en-US" altLang="zh-CN" dirty="0" smtClean="0"/>
-          </a:p>
-          <a:p>
-            <a:endParaRPr lang="en-US" altLang="zh-CN" sz="1000" dirty="0" smtClean="0"/>
-          </a:p>
-          <a:p>
-            <a:r>
-              <a:rPr lang="en-US" altLang="zh-CN" dirty="0" smtClean="0"/>
+            <a:endParaRPr lang="en-US" altLang="zh-CN" dirty="0"/>
+          </a:p>
+          <a:p>
+            <a:endParaRPr lang="en-US" altLang="zh-CN" dirty="0"/>
+          </a:p>
+          <a:p>
+            <a:endParaRPr lang="en-US" altLang="zh-CN" dirty="0"/>
+          </a:p>
+          <a:p>
+            <a:endParaRPr lang="en-US" altLang="zh-CN" sz="1000" dirty="0"/>
+          </a:p>
+          <a:p>
+            <a:r>
+              <a:rPr lang="en-US" altLang="zh-CN" dirty="0"/>
               <a:t>MATLAB</a:t>
             </a:r>
             <a:r>
-              <a:rPr lang="zh-CN" altLang="en-US" dirty="0" smtClean="0"/>
+              <a:rPr lang="zh-CN" altLang="en-US" dirty="0"/>
               <a:t>的数学函数也可作用于矩阵上</a:t>
             </a:r>
             <a:r>
@@ -2699,7 +2573,7 @@
               <a:t>(</a:t>
             </a:r>
             <a:r>
-              <a:rPr lang="zh-CN" altLang="en-US" dirty="0" smtClean="0"/>
+              <a:rPr lang="zh-CN" altLang="en-US" dirty="0"/>
               <a:t>按元素操作</a:t>
             </a:r>
             <a:r>
@@ -2925,13 +2799,6 @@
   <p:clrMapOvr>
     <a:masterClrMapping/>
   </p:clrMapOvr>
-  <p:timing>
-    <p:tnLst>
-      <p:par>
-        <p:cTn id="1" dur="indefinite" restart="never" nodeType="tmRoot"/>
-      </p:par>
-    </p:tnLst>
-  </p:timing>
 </p:sld>
 </file>
 
@@ -2991,10 +2858,9 @@
           <a:lstStyle/>
           <a:p>
             <a:r>
-              <a:rPr lang="zh-CN" altLang="en-US" dirty="0" smtClean="0"/>
+              <a:rPr lang="zh-CN" altLang="en-US" dirty="0"/>
               <a:t>对矩阵进行批量操作可以大幅提升效率</a:t>
             </a:r>
-            <a:endParaRPr lang="zh-CN" altLang="en-US" dirty="0"/>
           </a:p>
         </p:txBody>
       </p:sp>
@@ -3051,7 +2917,7 @@
           <a:p>
             <a:pPr algn="ctr"/>
             <a:r>
-              <a:rPr lang="zh-CN" altLang="en-US" sz="2000" dirty="0" smtClean="0">
+              <a:rPr lang="zh-CN" altLang="en-US" sz="2000" dirty="0">
                 <a:solidFill>
                   <a:schemeClr val="accent5">
                     <a:lumMod val="75000"/>
@@ -3062,15 +2928,6 @@
               </a:rPr>
               <a:t>代码</a:t>
             </a:r>
-            <a:endParaRPr lang="zh-CN" altLang="en-US" sz="2000" dirty="0">
-              <a:solidFill>
-                <a:schemeClr val="accent5">
-                  <a:lumMod val="75000"/>
-                </a:schemeClr>
-              </a:solidFill>
-              <a:latin typeface="幼圆" panose="02010509060101010101" pitchFamily="49" charset="-122"/>
-              <a:ea typeface="幼圆" panose="02010509060101010101" pitchFamily="49" charset="-122"/>
-            </a:endParaRPr>
           </a:p>
         </p:txBody>
       </p:sp>
@@ -3098,7 +2955,7 @@
           <a:p>
             <a:pPr algn="ctr"/>
             <a:r>
-              <a:rPr lang="zh-CN" altLang="en-US" sz="2000" dirty="0" smtClean="0">
+              <a:rPr lang="zh-CN" altLang="en-US" sz="2000" dirty="0">
                 <a:solidFill>
                   <a:schemeClr val="accent5">
                     <a:lumMod val="75000"/>
@@ -3109,15 +2966,6 @@
               </a:rPr>
               <a:t>输出</a:t>
             </a:r>
-            <a:endParaRPr lang="zh-CN" altLang="en-US" sz="2000" dirty="0">
-              <a:solidFill>
-                <a:schemeClr val="accent5">
-                  <a:lumMod val="75000"/>
-                </a:schemeClr>
-              </a:solidFill>
-              <a:latin typeface="幼圆" panose="02010509060101010101" pitchFamily="49" charset="-122"/>
-              <a:ea typeface="幼圆" panose="02010509060101010101" pitchFamily="49" charset="-122"/>
-            </a:endParaRPr>
           </a:p>
         </p:txBody>
       </p:sp>
@@ -3232,7 +3080,7 @@
           <a:p>
             <a:pPr algn="ctr"/>
             <a:r>
-              <a:rPr lang="zh-CN" altLang="en-US" sz="2000" dirty="0" smtClean="0">
+              <a:rPr lang="zh-CN" altLang="en-US" sz="2000" dirty="0">
                 <a:solidFill>
                   <a:schemeClr val="accent5">
                     <a:lumMod val="75000"/>
@@ -3243,15 +3091,6 @@
               </a:rPr>
               <a:t>代码</a:t>
             </a:r>
-            <a:endParaRPr lang="zh-CN" altLang="en-US" sz="2000" dirty="0">
-              <a:solidFill>
-                <a:schemeClr val="accent5">
-                  <a:lumMod val="75000"/>
-                </a:schemeClr>
-              </a:solidFill>
-              <a:latin typeface="幼圆" panose="02010509060101010101" pitchFamily="49" charset="-122"/>
-              <a:ea typeface="幼圆" panose="02010509060101010101" pitchFamily="49" charset="-122"/>
-            </a:endParaRPr>
           </a:p>
         </p:txBody>
       </p:sp>
@@ -3279,7 +3118,7 @@
           <a:p>
             <a:pPr algn="ctr"/>
             <a:r>
-              <a:rPr lang="zh-CN" altLang="en-US" sz="2000" dirty="0" smtClean="0">
+              <a:rPr lang="zh-CN" altLang="en-US" sz="2000" dirty="0">
                 <a:solidFill>
                   <a:schemeClr val="accent5">
                     <a:lumMod val="75000"/>
@@ -3290,15 +3129,6 @@
               </a:rPr>
               <a:t>输出</a:t>
             </a:r>
-            <a:endParaRPr lang="zh-CN" altLang="en-US" sz="2000" dirty="0">
-              <a:solidFill>
-                <a:schemeClr val="accent5">
-                  <a:lumMod val="75000"/>
-                </a:schemeClr>
-              </a:solidFill>
-              <a:latin typeface="幼圆" panose="02010509060101010101" pitchFamily="49" charset="-122"/>
-              <a:ea typeface="幼圆" panose="02010509060101010101" pitchFamily="49" charset="-122"/>
-            </a:endParaRPr>
           </a:p>
         </p:txBody>
       </p:sp>
@@ -3312,13 +3142,6 @@
   <p:clrMapOvr>
     <a:masterClrMapping/>
   </p:clrMapOvr>
-  <p:timing>
-    <p:tnLst>
-      <p:par>
-        <p:cTn id="1" dur="indefinite" restart="never" nodeType="tmRoot"/>
-      </p:par>
-    </p:tnLst>
-  </p:timing>
 </p:sld>
 </file>
 
@@ -3355,17 +3178,16 @@
           <a:lstStyle/>
           <a:p>
             <a:r>
-              <a:rPr lang="zh-CN" altLang="en-US" dirty="0" smtClean="0"/>
+              <a:rPr lang="zh-CN" altLang="en-US" dirty="0"/>
               <a:t>强行将</a:t>
             </a:r>
-            <a:endParaRPr lang="en-US" altLang="zh-CN" dirty="0" smtClean="0"/>
-          </a:p>
-          <a:p>
-            <a:r>
-              <a:rPr lang="zh-CN" altLang="en-US" dirty="0" smtClean="0"/>
+            <a:endParaRPr lang="en-US" altLang="zh-CN" dirty="0"/>
+          </a:p>
+          <a:p>
+            <a:r>
+              <a:rPr lang="zh-CN" altLang="en-US" dirty="0"/>
               <a:t>矩阵作为输入</a:t>
             </a:r>
-            <a:endParaRPr lang="zh-CN" altLang="en-US" dirty="0"/>
           </a:p>
         </p:txBody>
       </p:sp>
@@ -3385,18 +3207,17 @@
           <a:lstStyle/>
           <a:p>
             <a:r>
-              <a:rPr lang="zh-CN" altLang="en-US" dirty="0" smtClean="0"/>
+              <a:rPr lang="zh-CN" altLang="en-US" dirty="0"/>
               <a:t>一些操作无法对矩阵批量化进行，仍然可以利用</a:t>
             </a:r>
             <a:r>
-              <a:rPr lang="en-US" altLang="zh-CN" dirty="0" err="1" smtClean="0"/>
+              <a:rPr lang="en-US" altLang="zh-CN" dirty="0" err="1"/>
               <a:t>arrayfun</a:t>
             </a:r>
             <a:r>
-              <a:rPr lang="zh-CN" altLang="en-US" dirty="0" smtClean="0"/>
+              <a:rPr lang="zh-CN" altLang="en-US" dirty="0"/>
               <a:t>函数强行批量化调用</a:t>
             </a:r>
-            <a:endParaRPr lang="zh-CN" altLang="en-US" dirty="0"/>
           </a:p>
         </p:txBody>
       </p:sp>
@@ -3424,7 +3245,7 @@
           <a:p>
             <a:pPr algn="ctr"/>
             <a:r>
-              <a:rPr lang="zh-CN" altLang="en-US" sz="2000" dirty="0" smtClean="0">
+              <a:rPr lang="zh-CN" altLang="en-US" sz="2000" dirty="0">
                 <a:solidFill>
                   <a:schemeClr val="accent5">
                     <a:lumMod val="75000"/>
@@ -3435,15 +3256,6 @@
               </a:rPr>
               <a:t>代码</a:t>
             </a:r>
-            <a:endParaRPr lang="zh-CN" altLang="en-US" sz="2000" dirty="0">
-              <a:solidFill>
-                <a:schemeClr val="accent5">
-                  <a:lumMod val="75000"/>
-                </a:schemeClr>
-              </a:solidFill>
-              <a:latin typeface="幼圆" panose="02010509060101010101" pitchFamily="49" charset="-122"/>
-              <a:ea typeface="幼圆" panose="02010509060101010101" pitchFamily="49" charset="-122"/>
-            </a:endParaRPr>
           </a:p>
         </p:txBody>
       </p:sp>
@@ -3471,7 +3283,7 @@
           <a:p>
             <a:pPr algn="ctr"/>
             <a:r>
-              <a:rPr lang="zh-CN" altLang="en-US" sz="2000" dirty="0" smtClean="0">
+              <a:rPr lang="zh-CN" altLang="en-US" sz="2000" dirty="0">
                 <a:solidFill>
                   <a:schemeClr val="accent5">
                     <a:lumMod val="75000"/>
@@ -3482,15 +3294,6 @@
               </a:rPr>
               <a:t>输出</a:t>
             </a:r>
-            <a:endParaRPr lang="zh-CN" altLang="en-US" sz="2000" dirty="0">
-              <a:solidFill>
-                <a:schemeClr val="accent5">
-                  <a:lumMod val="75000"/>
-                </a:schemeClr>
-              </a:solidFill>
-              <a:latin typeface="幼圆" panose="02010509060101010101" pitchFamily="49" charset="-122"/>
-              <a:ea typeface="幼圆" panose="02010509060101010101" pitchFamily="49" charset="-122"/>
-            </a:endParaRPr>
           </a:p>
         </p:txBody>
       </p:sp>
@@ -3634,7 +3437,7 @@
           <a:p>
             <a:pPr algn="just"/>
             <a:r>
-              <a:rPr lang="zh-CN" altLang="en-US" sz="1600" dirty="0" smtClean="0">
+              <a:rPr lang="zh-CN" altLang="en-US" sz="1600" dirty="0">
                 <a:solidFill>
                   <a:srgbClr val="FF0000"/>
                 </a:solidFill>
@@ -3643,13 +3446,6 @@
               </a:rPr>
               <a:t>强行批量能精简代码，但并不能提升运行效率</a:t>
             </a:r>
-            <a:endParaRPr lang="zh-CN" altLang="en-US" sz="1600" dirty="0">
-              <a:solidFill>
-                <a:srgbClr val="FF0000"/>
-              </a:solidFill>
-              <a:latin typeface="幼圆" panose="02010509060101010101" pitchFamily="49" charset="-122"/>
-              <a:ea typeface="幼圆" panose="02010509060101010101" pitchFamily="49" charset="-122"/>
-            </a:endParaRPr>
           </a:p>
         </p:txBody>
       </p:sp>
@@ -3677,7 +3473,7 @@
           <a:p>
             <a:pPr algn="ctr"/>
             <a:r>
-              <a:rPr lang="zh-CN" altLang="en-US" sz="2000" dirty="0" smtClean="0">
+              <a:rPr lang="zh-CN" altLang="en-US" sz="2000" dirty="0">
                 <a:solidFill>
                   <a:schemeClr val="accent5">
                     <a:lumMod val="75000"/>
@@ -3688,15 +3484,6 @@
               </a:rPr>
               <a:t>代码</a:t>
             </a:r>
-            <a:endParaRPr lang="zh-CN" altLang="en-US" sz="2000" dirty="0">
-              <a:solidFill>
-                <a:schemeClr val="accent5">
-                  <a:lumMod val="75000"/>
-                </a:schemeClr>
-              </a:solidFill>
-              <a:latin typeface="幼圆" panose="02010509060101010101" pitchFamily="49" charset="-122"/>
-              <a:ea typeface="幼圆" panose="02010509060101010101" pitchFamily="49" charset="-122"/>
-            </a:endParaRPr>
           </a:p>
         </p:txBody>
       </p:sp>
@@ -3724,7 +3511,7 @@
           <a:p>
             <a:pPr algn="ctr"/>
             <a:r>
-              <a:rPr lang="zh-CN" altLang="en-US" sz="2000" dirty="0" smtClean="0">
+              <a:rPr lang="zh-CN" altLang="en-US" sz="2000" dirty="0">
                 <a:solidFill>
                   <a:schemeClr val="accent5">
                     <a:lumMod val="75000"/>
@@ -3735,15 +3522,6 @@
               </a:rPr>
               <a:t>输出</a:t>
             </a:r>
-            <a:endParaRPr lang="zh-CN" altLang="en-US" sz="2000" dirty="0">
-              <a:solidFill>
-                <a:schemeClr val="accent5">
-                  <a:lumMod val="75000"/>
-                </a:schemeClr>
-              </a:solidFill>
-              <a:latin typeface="幼圆" panose="02010509060101010101" pitchFamily="49" charset="-122"/>
-              <a:ea typeface="幼圆" panose="02010509060101010101" pitchFamily="49" charset="-122"/>
-            </a:endParaRPr>
           </a:p>
         </p:txBody>
       </p:sp>
@@ -3757,13 +3535,6 @@
   <p:clrMapOvr>
     <a:masterClrMapping/>
   </p:clrMapOvr>
-  <p:timing>
-    <p:tnLst>
-      <p:par>
-        <p:cTn id="1" dur="indefinite" restart="never" nodeType="tmRoot"/>
-      </p:par>
-    </p:tnLst>
-  </p:timing>
 </p:sld>
 </file>
 
@@ -3800,17 +3571,16 @@
           <a:lstStyle/>
           <a:p>
             <a:r>
-              <a:rPr lang="zh-CN" altLang="en-US" dirty="0" smtClean="0"/>
+              <a:rPr lang="zh-CN" altLang="en-US" dirty="0"/>
               <a:t>强行将</a:t>
             </a:r>
-            <a:endParaRPr lang="en-US" altLang="zh-CN" dirty="0" smtClean="0"/>
-          </a:p>
-          <a:p>
-            <a:r>
-              <a:rPr lang="zh-CN" altLang="en-US" dirty="0" smtClean="0"/>
+            <a:endParaRPr lang="en-US" altLang="zh-CN" dirty="0"/>
+          </a:p>
+          <a:p>
+            <a:r>
+              <a:rPr lang="zh-CN" altLang="en-US" dirty="0"/>
               <a:t>单元数组作为输入</a:t>
             </a:r>
-            <a:endParaRPr lang="zh-CN" altLang="en-US" dirty="0"/>
           </a:p>
         </p:txBody>
       </p:sp>
@@ -3830,11 +3600,11 @@
           <a:lstStyle/>
           <a:p>
             <a:r>
-              <a:rPr lang="zh-CN" altLang="en-US" dirty="0" smtClean="0"/>
+              <a:rPr lang="zh-CN" altLang="en-US" dirty="0"/>
               <a:t>很多函数不支持单元数组的批量化调用，可以利用</a:t>
             </a:r>
             <a:r>
-              <a:rPr lang="en-US" altLang="zh-CN" dirty="0" err="1" smtClean="0"/>
+              <a:rPr lang="en-US" altLang="zh-CN" dirty="0" err="1"/>
               <a:t>cellfun</a:t>
             </a:r>
             <a:r>
@@ -3984,7 +3754,7 @@
           <a:p>
             <a:pPr algn="ctr"/>
             <a:r>
-              <a:rPr lang="zh-CN" altLang="en-US" sz="2000" dirty="0" smtClean="0">
+              <a:rPr lang="zh-CN" altLang="en-US" sz="2000" dirty="0">
                 <a:solidFill>
                   <a:schemeClr val="accent5">
                     <a:lumMod val="75000"/>
@@ -3995,15 +3765,6 @@
               </a:rPr>
               <a:t>代码</a:t>
             </a:r>
-            <a:endParaRPr lang="zh-CN" altLang="en-US" sz="2000" dirty="0">
-              <a:solidFill>
-                <a:schemeClr val="accent5">
-                  <a:lumMod val="75000"/>
-                </a:schemeClr>
-              </a:solidFill>
-              <a:latin typeface="幼圆" panose="02010509060101010101" pitchFamily="49" charset="-122"/>
-              <a:ea typeface="幼圆" panose="02010509060101010101" pitchFamily="49" charset="-122"/>
-            </a:endParaRPr>
           </a:p>
         </p:txBody>
       </p:sp>
@@ -4031,7 +3792,7 @@
           <a:p>
             <a:pPr algn="ctr"/>
             <a:r>
-              <a:rPr lang="zh-CN" altLang="en-US" sz="2000" dirty="0" smtClean="0">
+              <a:rPr lang="zh-CN" altLang="en-US" sz="2000" dirty="0">
                 <a:solidFill>
                   <a:schemeClr val="accent5">
                     <a:lumMod val="75000"/>
@@ -4042,15 +3803,6 @@
               </a:rPr>
               <a:t>输出</a:t>
             </a:r>
-            <a:endParaRPr lang="zh-CN" altLang="en-US" sz="2000" dirty="0">
-              <a:solidFill>
-                <a:schemeClr val="accent5">
-                  <a:lumMod val="75000"/>
-                </a:schemeClr>
-              </a:solidFill>
-              <a:latin typeface="幼圆" panose="02010509060101010101" pitchFamily="49" charset="-122"/>
-              <a:ea typeface="幼圆" panose="02010509060101010101" pitchFamily="49" charset="-122"/>
-            </a:endParaRPr>
           </a:p>
         </p:txBody>
       </p:sp>
@@ -4078,7 +3830,7 @@
           <a:p>
             <a:pPr algn="ctr"/>
             <a:r>
-              <a:rPr lang="zh-CN" altLang="en-US" sz="2000" dirty="0" smtClean="0">
+              <a:rPr lang="zh-CN" altLang="en-US" sz="2000" dirty="0">
                 <a:solidFill>
                   <a:schemeClr val="accent5">
                     <a:lumMod val="75000"/>
@@ -4089,15 +3841,6 @@
               </a:rPr>
               <a:t>代码</a:t>
             </a:r>
-            <a:endParaRPr lang="zh-CN" altLang="en-US" sz="2000" dirty="0">
-              <a:solidFill>
-                <a:schemeClr val="accent5">
-                  <a:lumMod val="75000"/>
-                </a:schemeClr>
-              </a:solidFill>
-              <a:latin typeface="幼圆" panose="02010509060101010101" pitchFamily="49" charset="-122"/>
-              <a:ea typeface="幼圆" panose="02010509060101010101" pitchFamily="49" charset="-122"/>
-            </a:endParaRPr>
           </a:p>
         </p:txBody>
       </p:sp>
@@ -4125,7 +3868,7 @@
           <a:p>
             <a:pPr algn="ctr"/>
             <a:r>
-              <a:rPr lang="zh-CN" altLang="en-US" sz="2000" dirty="0" smtClean="0">
+              <a:rPr lang="zh-CN" altLang="en-US" sz="2000" dirty="0">
                 <a:solidFill>
                   <a:schemeClr val="accent5">
                     <a:lumMod val="75000"/>
@@ -4136,15 +3879,6 @@
               </a:rPr>
               <a:t>输出</a:t>
             </a:r>
-            <a:endParaRPr lang="zh-CN" altLang="en-US" sz="2000" dirty="0">
-              <a:solidFill>
-                <a:schemeClr val="accent5">
-                  <a:lumMod val="75000"/>
-                </a:schemeClr>
-              </a:solidFill>
-              <a:latin typeface="幼圆" panose="02010509060101010101" pitchFamily="49" charset="-122"/>
-              <a:ea typeface="幼圆" panose="02010509060101010101" pitchFamily="49" charset="-122"/>
-            </a:endParaRPr>
           </a:p>
         </p:txBody>
       </p:sp>
@@ -4158,13 +3892,6 @@
   <p:clrMapOvr>
     <a:masterClrMapping/>
   </p:clrMapOvr>
-  <p:timing>
-    <p:tnLst>
-      <p:par>
-        <p:cTn id="1" dur="indefinite" restart="never" nodeType="tmRoot"/>
-      </p:par>
-    </p:tnLst>
-  </p:timing>
 </p:sld>
 </file>
 
@@ -4201,10 +3928,9 @@
           <a:lstStyle/>
           <a:p>
             <a:r>
-              <a:rPr lang="zh-CN" altLang="en-US" dirty="0" smtClean="0"/>
+              <a:rPr lang="zh-CN" altLang="en-US" dirty="0"/>
               <a:t>按维度计算的函数</a:t>
             </a:r>
-            <a:endParaRPr lang="zh-CN" altLang="en-US" dirty="0"/>
           </a:p>
         </p:txBody>
       </p:sp>
@@ -4335,13 +4061,6 @@
   <p:clrMapOvr>
     <a:masterClrMapping/>
   </p:clrMapOvr>
-  <p:timing>
-    <p:tnLst>
-      <p:par>
-        <p:cTn id="1" dur="indefinite" restart="never" nodeType="tmRoot"/>
-      </p:par>
-    </p:tnLst>
-  </p:timing>
 </p:sld>
 </file>
 
@@ -4378,10 +4097,9 @@
           <a:lstStyle/>
           <a:p>
             <a:r>
-              <a:rPr lang="zh-CN" altLang="en-US" dirty="0" smtClean="0"/>
+              <a:rPr lang="zh-CN" altLang="en-US" dirty="0"/>
               <a:t>按维度计算的函数</a:t>
             </a:r>
-            <a:endParaRPr lang="zh-CN" altLang="en-US" dirty="0"/>
           </a:p>
         </p:txBody>
       </p:sp>
@@ -4569,13 +4287,6 @@
   <p:clrMapOvr>
     <a:masterClrMapping/>
   </p:clrMapOvr>
-  <p:timing>
-    <p:tnLst>
-      <p:par>
-        <p:cTn id="1" dur="indefinite" restart="never" nodeType="tmRoot"/>
-      </p:par>
-    </p:tnLst>
-  </p:timing>
 </p:sld>
 </file>
 
@@ -4612,10 +4323,9 @@
           <a:lstStyle/>
           <a:p>
             <a:r>
-              <a:rPr lang="zh-CN" altLang="en-US" dirty="0" smtClean="0"/>
+              <a:rPr lang="zh-CN" altLang="en-US" dirty="0"/>
               <a:t>编程规范</a:t>
             </a:r>
-            <a:endParaRPr lang="zh-CN" altLang="en-US" dirty="0"/>
           </a:p>
         </p:txBody>
       </p:sp>
@@ -4635,10 +4345,9 @@
           <a:lstStyle/>
           <a:p>
             <a:r>
-              <a:rPr lang="zh-CN" altLang="en-US" dirty="0" smtClean="0"/>
+              <a:rPr lang="zh-CN" altLang="en-US" dirty="0"/>
               <a:t>矩阵函数</a:t>
             </a:r>
-            <a:endParaRPr lang="zh-CN" altLang="en-US" dirty="0"/>
           </a:p>
         </p:txBody>
       </p:sp>
@@ -4658,10 +4367,9 @@
           <a:lstStyle/>
           <a:p>
             <a:r>
-              <a:rPr lang="zh-CN" altLang="en-US" dirty="0" smtClean="0"/>
+              <a:rPr lang="zh-CN" altLang="en-US" dirty="0"/>
               <a:t>基于矩阵操作的编程</a:t>
             </a:r>
-            <a:endParaRPr lang="zh-CN" altLang="en-US" dirty="0"/>
           </a:p>
         </p:txBody>
       </p:sp>
@@ -4675,13 +4383,6 @@
   <p:clrMapOvr>
     <a:masterClrMapping/>
   </p:clrMapOvr>
-  <p:timing>
-    <p:tnLst>
-      <p:par>
-        <p:cTn id="1" dur="indefinite" restart="never" nodeType="tmRoot"/>
-      </p:par>
-    </p:tnLst>
-  </p:timing>
 </p:sld>
 </file>
 
@@ -4718,10 +4419,9 @@
           <a:lstStyle/>
           <a:p>
             <a:r>
-              <a:rPr lang="zh-CN" altLang="en-US" dirty="0" smtClean="0"/>
+              <a:rPr lang="zh-CN" altLang="en-US" dirty="0"/>
               <a:t>按维度计算的函数</a:t>
             </a:r>
-            <a:endParaRPr lang="zh-CN" altLang="en-US" dirty="0"/>
           </a:p>
         </p:txBody>
       </p:sp>
@@ -4881,13 +4581,6 @@
   <p:clrMapOvr>
     <a:masterClrMapping/>
   </p:clrMapOvr>
-  <p:timing>
-    <p:tnLst>
-      <p:par>
-        <p:cTn id="1" dur="indefinite" restart="never" nodeType="tmRoot"/>
-      </p:par>
-    </p:tnLst>
-  </p:timing>
 </p:sld>
 </file>
 
@@ -4946,34 +4639,33 @@
           <a:lstStyle/>
           <a:p>
             <a:r>
-              <a:rPr lang="zh-CN" altLang="en-US" dirty="0" smtClean="0"/>
+              <a:rPr lang="zh-CN" altLang="en-US" dirty="0"/>
               <a:t>大部分按维度计算的函数都形如</a:t>
             </a:r>
             <a:r>
-              <a:rPr lang="en-US" altLang="zh-CN" dirty="0" smtClean="0"/>
+              <a:rPr lang="en-US" altLang="zh-CN" dirty="0"/>
               <a:t>fun(</a:t>
             </a:r>
             <a:r>
-              <a:rPr lang="en-US" altLang="zh-CN" dirty="0" err="1" smtClean="0"/>
+              <a:rPr lang="en-US" altLang="zh-CN" dirty="0" err="1"/>
               <a:t>a,dim</a:t>
             </a:r>
             <a:r>
-              <a:rPr lang="en-US" altLang="zh-CN" dirty="0" smtClean="0"/>
+              <a:rPr lang="en-US" altLang="zh-CN" dirty="0"/>
               <a:t>)</a:t>
             </a:r>
             <a:r>
-              <a:rPr lang="zh-CN" altLang="en-US" dirty="0" smtClean="0"/>
+              <a:rPr lang="zh-CN" altLang="en-US" dirty="0"/>
               <a:t>，可以通过</a:t>
             </a:r>
             <a:r>
-              <a:rPr lang="en-US" altLang="zh-CN" dirty="0" smtClean="0"/>
+              <a:rPr lang="en-US" altLang="zh-CN" dirty="0"/>
               <a:t>dim</a:t>
             </a:r>
             <a:r>
-              <a:rPr lang="zh-CN" altLang="en-US" dirty="0" smtClean="0"/>
+              <a:rPr lang="zh-CN" altLang="en-US" dirty="0"/>
               <a:t>来指定按哪一维进行操作</a:t>
             </a:r>
-            <a:endParaRPr lang="zh-CN" altLang="en-US" dirty="0"/>
           </a:p>
         </p:txBody>
       </p:sp>
@@ -5478,13 +5170,6 @@
   <p:clrMapOvr>
     <a:masterClrMapping/>
   </p:clrMapOvr>
-  <p:timing>
-    <p:tnLst>
-      <p:par>
-        <p:cTn id="1" dur="indefinite" restart="never" nodeType="tmRoot"/>
-      </p:par>
-    </p:tnLst>
-  </p:timing>
 </p:sld>
 </file>
 
@@ -5521,17 +5206,16 @@
           <a:lstStyle/>
           <a:p>
             <a:r>
-              <a:rPr lang="zh-CN" altLang="en-US" dirty="0" smtClean="0"/>
+              <a:rPr lang="zh-CN" altLang="en-US" dirty="0"/>
               <a:t>矩阵整体计算的</a:t>
             </a:r>
-            <a:endParaRPr lang="en-US" altLang="zh-CN" dirty="0" smtClean="0"/>
-          </a:p>
-          <a:p>
-            <a:r>
-              <a:rPr lang="zh-CN" altLang="en-US" dirty="0" smtClean="0"/>
+            <a:endParaRPr lang="en-US" altLang="zh-CN" dirty="0"/>
+          </a:p>
+          <a:p>
+            <a:r>
+              <a:rPr lang="zh-CN" altLang="en-US" dirty="0"/>
               <a:t>函数</a:t>
             </a:r>
-            <a:endParaRPr lang="zh-CN" altLang="en-US" dirty="0"/>
           </a:p>
         </p:txBody>
       </p:sp>
@@ -5873,7 +5557,7 @@
               <a:buNone/>
             </a:pPr>
             <a:r>
-              <a:rPr lang="en-US" altLang="zh-CN" sz="1600" dirty="0" smtClean="0">
+              <a:rPr lang="en-US" altLang="zh-CN" sz="1600" dirty="0">
                 <a:solidFill>
                   <a:srgbClr val="FF0000"/>
                 </a:solidFill>
@@ -5882,7 +5566,7 @@
               <a:t>a</a:t>
             </a:r>
             <a:r>
-              <a:rPr lang="zh-CN" altLang="en-US" sz="1600" dirty="0" smtClean="0">
+              <a:rPr lang="zh-CN" altLang="en-US" sz="1600" dirty="0">
                 <a:solidFill>
                   <a:srgbClr val="FF0000"/>
                 </a:solidFill>
@@ -5890,12 +5574,6 @@
               </a:rPr>
               <a:t>的每行视为一个点的坐标</a:t>
             </a:r>
-            <a:endParaRPr lang="zh-CN" altLang="en-US" sz="1600" dirty="0">
-              <a:solidFill>
-                <a:srgbClr val="FF0000"/>
-              </a:solidFill>
-              <a:latin typeface="幼圆" panose="02010509060101010101" pitchFamily="49" charset="-122"/>
-            </a:endParaRPr>
           </a:p>
         </p:txBody>
       </p:sp>
@@ -5909,13 +5587,6 @@
   <p:clrMapOvr>
     <a:masterClrMapping/>
   </p:clrMapOvr>
-  <p:timing>
-    <p:tnLst>
-      <p:par>
-        <p:cTn id="1" dur="indefinite" restart="never" nodeType="tmRoot"/>
-      </p:par>
-    </p:tnLst>
-  </p:timing>
 </p:sld>
 </file>
 
@@ -6091,13 +5762,6 @@
   <p:clrMapOvr>
     <a:masterClrMapping/>
   </p:clrMapOvr>
-  <p:timing>
-    <p:tnLst>
-      <p:par>
-        <p:cTn id="1" dur="indefinite" restart="never" nodeType="tmRoot"/>
-      </p:par>
-    </p:tnLst>
-  </p:timing>
 </p:sld>
 </file>
 
@@ -6134,10 +5798,9 @@
           <a:lstStyle/>
           <a:p>
             <a:r>
-              <a:rPr lang="zh-CN" altLang="en-US" dirty="0" smtClean="0"/>
+              <a:rPr lang="zh-CN" altLang="en-US" dirty="0"/>
               <a:t>基于矩阵操作的编程</a:t>
             </a:r>
-            <a:endParaRPr lang="zh-CN" altLang="en-US" dirty="0"/>
           </a:p>
         </p:txBody>
       </p:sp>
@@ -6157,7 +5820,7 @@
           <a:lstStyle/>
           <a:p>
             <a:r>
-              <a:rPr lang="en-US" altLang="zh-CN" dirty="0" smtClean="0"/>
+              <a:rPr lang="en-US" altLang="zh-CN" dirty="0"/>
               <a:t>3</a:t>
             </a:r>
             <a:endParaRPr lang="zh-CN" altLang="en-US" dirty="0"/>
@@ -6174,13 +5837,6 @@
   <p:clrMapOvr>
     <a:masterClrMapping/>
   </p:clrMapOvr>
-  <p:timing>
-    <p:tnLst>
-      <p:par>
-        <p:cTn id="1" dur="indefinite" restart="never" nodeType="tmRoot"/>
-      </p:par>
-    </p:tnLst>
-  </p:timing>
 </p:sld>
 </file>
 
@@ -6218,13 +5874,8 @@
           <a:p>
             <a:r>
               <a:rPr lang="zh-CN" altLang="en-US" dirty="0"/>
-              <a:t>更改矩阵</a:t>
-            </a:r>
-            <a:r>
-              <a:rPr lang="zh-CN" altLang="en-US" dirty="0" smtClean="0"/>
-              <a:t>元素</a:t>
-            </a:r>
-            <a:endParaRPr lang="zh-CN" altLang="en-US" dirty="0"/>
+              <a:t>更改矩阵元素</a:t>
+            </a:r>
           </a:p>
         </p:txBody>
       </p:sp>
@@ -6245,22 +5896,18 @@
           <a:p>
             <a:r>
               <a:rPr lang="zh-CN" altLang="en-US" dirty="0"/>
-              <a:t>矩阵中每个元素，若它</a:t>
-            </a:r>
-            <a:r>
-              <a:rPr lang="zh-CN" altLang="en-US" dirty="0" smtClean="0"/>
-              <a:t>小于</a:t>
-            </a:r>
-            <a:r>
-              <a:rPr lang="en-US" altLang="zh-CN" dirty="0" smtClean="0"/>
+              <a:t>矩阵中每个元素，若它小于</a:t>
+            </a:r>
+            <a:r>
+              <a:rPr lang="en-US" altLang="zh-CN" dirty="0"/>
               <a:t>0.5</a:t>
             </a:r>
             <a:r>
-              <a:rPr lang="zh-CN" altLang="en-US" dirty="0" smtClean="0"/>
+              <a:rPr lang="zh-CN" altLang="en-US" dirty="0"/>
               <a:t>，则改为</a:t>
             </a:r>
             <a:r>
-              <a:rPr lang="en-US" altLang="zh-CN" dirty="0" smtClean="0"/>
+              <a:rPr lang="en-US" altLang="zh-CN" dirty="0"/>
               <a:t>0.6</a:t>
             </a:r>
             <a:endParaRPr lang="zh-CN" altLang="en-US" dirty="0"/>
@@ -6378,7 +6025,7 @@
           <a:p>
             <a:pPr algn="ctr"/>
             <a:r>
-              <a:rPr lang="zh-CN" altLang="en-US" sz="2000" dirty="0" smtClean="0">
+              <a:rPr lang="zh-CN" altLang="en-US" sz="2000" dirty="0">
                 <a:solidFill>
                   <a:schemeClr val="accent5">
                     <a:lumMod val="75000"/>
@@ -6389,15 +6036,6 @@
               </a:rPr>
               <a:t>代码</a:t>
             </a:r>
-            <a:endParaRPr lang="zh-CN" altLang="en-US" sz="2000" dirty="0">
-              <a:solidFill>
-                <a:schemeClr val="accent5">
-                  <a:lumMod val="75000"/>
-                </a:schemeClr>
-              </a:solidFill>
-              <a:latin typeface="幼圆" panose="02010509060101010101" pitchFamily="49" charset="-122"/>
-              <a:ea typeface="幼圆" panose="02010509060101010101" pitchFamily="49" charset="-122"/>
-            </a:endParaRPr>
           </a:p>
         </p:txBody>
       </p:sp>
@@ -6425,7 +6063,7 @@
           <a:p>
             <a:pPr algn="ctr"/>
             <a:r>
-              <a:rPr lang="zh-CN" altLang="en-US" sz="2000" dirty="0" smtClean="0">
+              <a:rPr lang="zh-CN" altLang="en-US" sz="2000" dirty="0">
                 <a:solidFill>
                   <a:schemeClr val="accent5">
                     <a:lumMod val="75000"/>
@@ -6436,15 +6074,6 @@
               </a:rPr>
               <a:t>输出</a:t>
             </a:r>
-            <a:endParaRPr lang="zh-CN" altLang="en-US" sz="2000" dirty="0">
-              <a:solidFill>
-                <a:schemeClr val="accent5">
-                  <a:lumMod val="75000"/>
-                </a:schemeClr>
-              </a:solidFill>
-              <a:latin typeface="幼圆" panose="02010509060101010101" pitchFamily="49" charset="-122"/>
-              <a:ea typeface="幼圆" panose="02010509060101010101" pitchFamily="49" charset="-122"/>
-            </a:endParaRPr>
           </a:p>
         </p:txBody>
       </p:sp>
@@ -6472,7 +6101,7 @@
           <a:p>
             <a:pPr algn="ctr"/>
             <a:r>
-              <a:rPr lang="zh-CN" altLang="en-US" sz="2000" dirty="0" smtClean="0">
+              <a:rPr lang="zh-CN" altLang="en-US" sz="2000" dirty="0">
                 <a:solidFill>
                   <a:schemeClr val="accent5">
                     <a:lumMod val="75000"/>
@@ -6483,15 +6112,6 @@
               </a:rPr>
               <a:t>代码</a:t>
             </a:r>
-            <a:endParaRPr lang="zh-CN" altLang="en-US" sz="2000" dirty="0">
-              <a:solidFill>
-                <a:schemeClr val="accent5">
-                  <a:lumMod val="75000"/>
-                </a:schemeClr>
-              </a:solidFill>
-              <a:latin typeface="幼圆" panose="02010509060101010101" pitchFamily="49" charset="-122"/>
-              <a:ea typeface="幼圆" panose="02010509060101010101" pitchFamily="49" charset="-122"/>
-            </a:endParaRPr>
           </a:p>
         </p:txBody>
       </p:sp>
@@ -6519,7 +6139,7 @@
           <a:p>
             <a:pPr algn="ctr"/>
             <a:r>
-              <a:rPr lang="zh-CN" altLang="en-US" sz="2000" dirty="0" smtClean="0">
+              <a:rPr lang="zh-CN" altLang="en-US" sz="2000" dirty="0">
                 <a:solidFill>
                   <a:schemeClr val="accent5">
                     <a:lumMod val="75000"/>
@@ -6530,15 +6150,6 @@
               </a:rPr>
               <a:t>输出</a:t>
             </a:r>
-            <a:endParaRPr lang="zh-CN" altLang="en-US" sz="2000" dirty="0">
-              <a:solidFill>
-                <a:schemeClr val="accent5">
-                  <a:lumMod val="75000"/>
-                </a:schemeClr>
-              </a:solidFill>
-              <a:latin typeface="幼圆" panose="02010509060101010101" pitchFamily="49" charset="-122"/>
-              <a:ea typeface="幼圆" panose="02010509060101010101" pitchFamily="49" charset="-122"/>
-            </a:endParaRPr>
           </a:p>
         </p:txBody>
       </p:sp>
@@ -6581,13 +6192,6 @@
   <p:clrMapOvr>
     <a:masterClrMapping/>
   </p:clrMapOvr>
-  <p:timing>
-    <p:tnLst>
-      <p:par>
-        <p:cTn id="1" dur="indefinite" restart="never" nodeType="tmRoot"/>
-      </p:par>
-    </p:tnLst>
-  </p:timing>
 </p:sld>
 </file>
 
@@ -6624,10 +6228,9 @@
           <a:lstStyle/>
           <a:p>
             <a:r>
-              <a:rPr lang="zh-CN" altLang="en-US" dirty="0" smtClean="0"/>
+              <a:rPr lang="zh-CN" altLang="en-US" dirty="0"/>
               <a:t>更改矩阵元素</a:t>
             </a:r>
-            <a:endParaRPr lang="zh-CN" altLang="en-US" dirty="0"/>
           </a:p>
         </p:txBody>
       </p:sp>
@@ -6652,12 +6255,8 @@
           <a:lstStyle/>
           <a:p>
             <a:r>
-              <a:rPr lang="zh-CN" altLang="en-US" dirty="0" smtClean="0"/>
-              <a:t>矩阵中每个元素，若它小于其所在行最大元素的一半，则将它</a:t>
-            </a:r>
-            <a:r>
               <a:rPr lang="zh-CN" altLang="en-US" dirty="0"/>
-              <a:t>更改为其所在行最大元素的一半</a:t>
+              <a:t>矩阵中每个元素，若它小于其所在行最大元素的一半，则将它更改为其所在行最大元素的一半</a:t>
             </a:r>
           </a:p>
         </p:txBody>
@@ -6744,7 +6343,7 @@
           <a:p>
             <a:pPr algn="ctr"/>
             <a:r>
-              <a:rPr lang="zh-CN" altLang="en-US" sz="2000" dirty="0" smtClean="0">
+              <a:rPr lang="zh-CN" altLang="en-US" sz="2000" dirty="0">
                 <a:solidFill>
                   <a:schemeClr val="accent5">
                     <a:lumMod val="75000"/>
@@ -6755,15 +6354,6 @@
               </a:rPr>
               <a:t>代码</a:t>
             </a:r>
-            <a:endParaRPr lang="zh-CN" altLang="en-US" sz="2000" dirty="0">
-              <a:solidFill>
-                <a:schemeClr val="accent5">
-                  <a:lumMod val="75000"/>
-                </a:schemeClr>
-              </a:solidFill>
-              <a:latin typeface="幼圆" panose="02010509060101010101" pitchFamily="49" charset="-122"/>
-              <a:ea typeface="幼圆" panose="02010509060101010101" pitchFamily="49" charset="-122"/>
-            </a:endParaRPr>
           </a:p>
         </p:txBody>
       </p:sp>
@@ -6791,7 +6381,7 @@
           <a:p>
             <a:pPr algn="ctr"/>
             <a:r>
-              <a:rPr lang="zh-CN" altLang="en-US" sz="2000" dirty="0" smtClean="0">
+              <a:rPr lang="zh-CN" altLang="en-US" sz="2000" dirty="0">
                 <a:solidFill>
                   <a:schemeClr val="accent5">
                     <a:lumMod val="75000"/>
@@ -6802,15 +6392,6 @@
               </a:rPr>
               <a:t>输出</a:t>
             </a:r>
-            <a:endParaRPr lang="zh-CN" altLang="en-US" sz="2000" dirty="0">
-              <a:solidFill>
-                <a:schemeClr val="accent5">
-                  <a:lumMod val="75000"/>
-                </a:schemeClr>
-              </a:solidFill>
-              <a:latin typeface="幼圆" panose="02010509060101010101" pitchFamily="49" charset="-122"/>
-              <a:ea typeface="幼圆" panose="02010509060101010101" pitchFamily="49" charset="-122"/>
-            </a:endParaRPr>
           </a:p>
         </p:txBody>
       </p:sp>
@@ -6838,7 +6419,7 @@
           <a:p>
             <a:pPr algn="ctr"/>
             <a:r>
-              <a:rPr lang="zh-CN" altLang="en-US" sz="2000" dirty="0" smtClean="0">
+              <a:rPr lang="zh-CN" altLang="en-US" sz="2000" dirty="0">
                 <a:solidFill>
                   <a:schemeClr val="accent5">
                     <a:lumMod val="75000"/>
@@ -6849,15 +6430,6 @@
               </a:rPr>
               <a:t>代码</a:t>
             </a:r>
-            <a:endParaRPr lang="zh-CN" altLang="en-US" sz="2000" dirty="0">
-              <a:solidFill>
-                <a:schemeClr val="accent5">
-                  <a:lumMod val="75000"/>
-                </a:schemeClr>
-              </a:solidFill>
-              <a:latin typeface="幼圆" panose="02010509060101010101" pitchFamily="49" charset="-122"/>
-              <a:ea typeface="幼圆" panose="02010509060101010101" pitchFamily="49" charset="-122"/>
-            </a:endParaRPr>
           </a:p>
         </p:txBody>
       </p:sp>
@@ -6885,7 +6457,7 @@
           <a:p>
             <a:pPr algn="ctr"/>
             <a:r>
-              <a:rPr lang="zh-CN" altLang="en-US" sz="2000" dirty="0" smtClean="0">
+              <a:rPr lang="zh-CN" altLang="en-US" sz="2000" dirty="0">
                 <a:solidFill>
                   <a:schemeClr val="accent5">
                     <a:lumMod val="75000"/>
@@ -6896,15 +6468,6 @@
               </a:rPr>
               <a:t>输出</a:t>
             </a:r>
-            <a:endParaRPr lang="zh-CN" altLang="en-US" sz="2000" dirty="0">
-              <a:solidFill>
-                <a:schemeClr val="accent5">
-                  <a:lumMod val="75000"/>
-                </a:schemeClr>
-              </a:solidFill>
-              <a:latin typeface="幼圆" panose="02010509060101010101" pitchFamily="49" charset="-122"/>
-              <a:ea typeface="幼圆" panose="02010509060101010101" pitchFamily="49" charset="-122"/>
-            </a:endParaRPr>
           </a:p>
         </p:txBody>
       </p:sp>
@@ -7101,7 +6664,7 @@
               <a:buNone/>
             </a:pPr>
             <a:r>
-              <a:rPr lang="en-US" altLang="zh-CN" sz="1600" dirty="0" smtClean="0">
+              <a:rPr lang="en-US" altLang="zh-CN" sz="1600" dirty="0">
                 <a:solidFill>
                   <a:srgbClr val="FF0000"/>
                 </a:solidFill>
@@ -7110,7 +6673,7 @@
               <a:t>max(a,[],2) </a:t>
             </a:r>
             <a:r>
-              <a:rPr lang="zh-CN" altLang="en-US" sz="1600" dirty="0" smtClean="0">
+              <a:rPr lang="zh-CN" altLang="en-US" sz="1600" dirty="0">
                 <a:solidFill>
                   <a:srgbClr val="FF0000"/>
                 </a:solidFill>
@@ -7118,7 +6681,7 @@
               </a:rPr>
               <a:t>获取每行最大值</a:t>
             </a:r>
-            <a:endParaRPr lang="en-US" altLang="zh-CN" sz="1600" dirty="0" smtClean="0">
+            <a:endParaRPr lang="en-US" altLang="zh-CN" sz="1600" dirty="0">
               <a:solidFill>
                 <a:srgbClr val="FF0000"/>
               </a:solidFill>
@@ -7130,7 +6693,7 @@
               <a:buNone/>
             </a:pPr>
             <a:r>
-              <a:rPr lang="en-US" altLang="zh-CN" sz="1600" dirty="0" smtClean="0">
+              <a:rPr lang="en-US" altLang="zh-CN" sz="1600" dirty="0">
                 <a:solidFill>
                   <a:srgbClr val="FF0000"/>
                 </a:solidFill>
@@ -7139,7 +6702,7 @@
               <a:t>max(a,2)  </a:t>
             </a:r>
             <a:r>
-              <a:rPr lang="zh-CN" altLang="en-US" sz="1600" dirty="0" smtClean="0">
+              <a:rPr lang="zh-CN" altLang="en-US" sz="1600" dirty="0">
                 <a:solidFill>
                   <a:srgbClr val="FF0000"/>
                 </a:solidFill>
@@ -7148,7 +6711,7 @@
               <a:t>取</a:t>
             </a:r>
             <a:r>
-              <a:rPr lang="en-US" altLang="zh-CN" sz="1600" dirty="0" smtClean="0">
+              <a:rPr lang="en-US" altLang="zh-CN" sz="1600" dirty="0">
                 <a:solidFill>
                   <a:srgbClr val="FF0000"/>
                 </a:solidFill>
@@ -7157,7 +6720,7 @@
               <a:t>a</a:t>
             </a:r>
             <a:r>
-              <a:rPr lang="zh-CN" altLang="en-US" sz="1600" dirty="0" smtClean="0">
+              <a:rPr lang="zh-CN" altLang="en-US" sz="1600" dirty="0">
                 <a:solidFill>
                   <a:srgbClr val="FF0000"/>
                 </a:solidFill>
@@ -7166,7 +6729,7 @@
               <a:t>和</a:t>
             </a:r>
             <a:r>
-              <a:rPr lang="en-US" altLang="zh-CN" sz="1600" dirty="0" smtClean="0">
+              <a:rPr lang="en-US" altLang="zh-CN" sz="1600" dirty="0">
                 <a:solidFill>
                   <a:srgbClr val="FF0000"/>
                 </a:solidFill>
@@ -7175,7 +6738,7 @@
               <a:t>2</a:t>
             </a:r>
             <a:r>
-              <a:rPr lang="zh-CN" altLang="en-US" sz="1600" dirty="0" smtClean="0">
+              <a:rPr lang="zh-CN" altLang="en-US" sz="1600" dirty="0">
                 <a:solidFill>
                   <a:srgbClr val="FF0000"/>
                 </a:solidFill>
@@ -7183,12 +6746,6 @@
               </a:rPr>
               <a:t>中的最大值</a:t>
             </a:r>
-            <a:endParaRPr lang="zh-CN" altLang="en-US" sz="1600" dirty="0">
-              <a:solidFill>
-                <a:srgbClr val="FF0000"/>
-              </a:solidFill>
-              <a:latin typeface="幼圆" panose="02010509060101010101" pitchFamily="49" charset="-122"/>
-            </a:endParaRPr>
           </a:p>
         </p:txBody>
       </p:sp>
@@ -7260,13 +6817,6 @@
   <p:clrMapOvr>
     <a:masterClrMapping/>
   </p:clrMapOvr>
-  <p:timing>
-    <p:tnLst>
-      <p:par>
-        <p:cTn id="1" dur="indefinite" restart="never" nodeType="tmRoot"/>
-      </p:par>
-    </p:tnLst>
-  </p:timing>
 </p:sld>
 </file>
 
@@ -7303,10 +6853,9 @@
           <a:lstStyle/>
           <a:p>
             <a:r>
-              <a:rPr lang="zh-CN" altLang="en-US" dirty="0" smtClean="0"/>
+              <a:rPr lang="zh-CN" altLang="en-US" dirty="0"/>
               <a:t>更改结构体数组的字段</a:t>
             </a:r>
-            <a:endParaRPr lang="zh-CN" altLang="en-US" dirty="0"/>
           </a:p>
         </p:txBody>
       </p:sp>
@@ -7326,11 +6875,11 @@
           <a:lstStyle/>
           <a:p>
             <a:r>
-              <a:rPr lang="zh-CN" altLang="en-US" dirty="0" smtClean="0"/>
+              <a:rPr lang="zh-CN" altLang="en-US" dirty="0"/>
               <a:t>将结构体数组某一字段的值加</a:t>
             </a:r>
             <a:r>
-              <a:rPr lang="en-US" altLang="zh-CN" dirty="0" smtClean="0"/>
+              <a:rPr lang="en-US" altLang="zh-CN" dirty="0"/>
               <a:t>1</a:t>
             </a:r>
             <a:endParaRPr lang="zh-CN" altLang="en-US" dirty="0"/>
@@ -7419,7 +6968,7 @@
           <a:p>
             <a:pPr algn="ctr"/>
             <a:r>
-              <a:rPr lang="zh-CN" altLang="en-US" sz="2000" dirty="0" smtClean="0">
+              <a:rPr lang="zh-CN" altLang="en-US" sz="2000" dirty="0">
                 <a:solidFill>
                   <a:schemeClr val="accent5">
                     <a:lumMod val="75000"/>
@@ -7430,15 +6979,6 @@
               </a:rPr>
               <a:t>代码</a:t>
             </a:r>
-            <a:endParaRPr lang="zh-CN" altLang="en-US" sz="2000" dirty="0">
-              <a:solidFill>
-                <a:schemeClr val="accent5">
-                  <a:lumMod val="75000"/>
-                </a:schemeClr>
-              </a:solidFill>
-              <a:latin typeface="幼圆" panose="02010509060101010101" pitchFamily="49" charset="-122"/>
-              <a:ea typeface="幼圆" panose="02010509060101010101" pitchFamily="49" charset="-122"/>
-            </a:endParaRPr>
           </a:p>
         </p:txBody>
       </p:sp>
@@ -7466,7 +7006,7 @@
           <a:p>
             <a:pPr algn="ctr"/>
             <a:r>
-              <a:rPr lang="zh-CN" altLang="en-US" sz="2000" dirty="0" smtClean="0">
+              <a:rPr lang="zh-CN" altLang="en-US" sz="2000" dirty="0">
                 <a:solidFill>
                   <a:schemeClr val="accent5">
                     <a:lumMod val="75000"/>
@@ -7477,15 +7017,6 @@
               </a:rPr>
               <a:t>输出</a:t>
             </a:r>
-            <a:endParaRPr lang="zh-CN" altLang="en-US" sz="2000" dirty="0">
-              <a:solidFill>
-                <a:schemeClr val="accent5">
-                  <a:lumMod val="75000"/>
-                </a:schemeClr>
-              </a:solidFill>
-              <a:latin typeface="幼圆" panose="02010509060101010101" pitchFamily="49" charset="-122"/>
-              <a:ea typeface="幼圆" panose="02010509060101010101" pitchFamily="49" charset="-122"/>
-            </a:endParaRPr>
           </a:p>
         </p:txBody>
       </p:sp>
@@ -7682,7 +7213,7 @@
               <a:buNone/>
             </a:pPr>
             <a:r>
-              <a:rPr lang="en-US" altLang="zh-CN" sz="1600" dirty="0" smtClean="0">
+              <a:rPr lang="en-US" altLang="zh-CN" sz="1600" dirty="0">
                 <a:solidFill>
                   <a:srgbClr val="FF0000"/>
                 </a:solidFill>
@@ -7691,7 +7222,7 @@
               <a:t>num2cell() </a:t>
             </a:r>
             <a:r>
-              <a:rPr lang="zh-CN" altLang="en-US" sz="1600" dirty="0" smtClean="0">
+              <a:rPr lang="zh-CN" altLang="en-US" sz="1600" dirty="0">
                 <a:solidFill>
                   <a:srgbClr val="FF0000"/>
                 </a:solidFill>
@@ -7700,7 +7231,7 @@
               <a:t>矩阵每个元素作为</a:t>
             </a:r>
             <a:r>
-              <a:rPr lang="en-US" altLang="zh-CN" sz="1600" dirty="0" smtClean="0">
+              <a:rPr lang="en-US" altLang="zh-CN" sz="1600" dirty="0">
                 <a:solidFill>
                   <a:srgbClr val="FF0000"/>
                 </a:solidFill>
@@ -7709,7 +7240,7 @@
               <a:t>1</a:t>
             </a:r>
             <a:r>
-              <a:rPr lang="zh-CN" altLang="en-US" sz="1600" dirty="0" smtClean="0">
+              <a:rPr lang="zh-CN" altLang="en-US" sz="1600" dirty="0">
                 <a:solidFill>
                   <a:srgbClr val="FF0000"/>
                 </a:solidFill>
@@ -7718,7 +7249,7 @@
               <a:t>*</a:t>
             </a:r>
             <a:r>
-              <a:rPr lang="en-US" altLang="zh-CN" sz="1600" dirty="0" smtClean="0">
+              <a:rPr lang="en-US" altLang="zh-CN" sz="1600" dirty="0">
                 <a:solidFill>
                   <a:srgbClr val="FF0000"/>
                 </a:solidFill>
@@ -7727,7 +7258,7 @@
               <a:t>1</a:t>
             </a:r>
             <a:r>
-              <a:rPr lang="zh-CN" altLang="en-US" sz="1600" dirty="0" smtClean="0">
+              <a:rPr lang="zh-CN" altLang="en-US" sz="1600" dirty="0">
                 <a:solidFill>
                   <a:srgbClr val="FF0000"/>
                 </a:solidFill>
@@ -7735,7 +7266,7 @@
               </a:rPr>
               <a:t>矩阵构成单元数组</a:t>
             </a:r>
-            <a:endParaRPr lang="en-US" altLang="zh-CN" sz="1600" dirty="0" smtClean="0">
+            <a:endParaRPr lang="en-US" altLang="zh-CN" sz="1600" dirty="0">
               <a:solidFill>
                 <a:srgbClr val="FF0000"/>
               </a:solidFill>
@@ -7747,7 +7278,7 @@
               <a:buNone/>
             </a:pPr>
             <a:r>
-              <a:rPr lang="en-US" altLang="zh-CN" sz="1600" dirty="0" err="1" smtClean="0">
+              <a:rPr lang="en-US" altLang="zh-CN" sz="1600" dirty="0" err="1">
                 <a:solidFill>
                   <a:srgbClr val="FF0000"/>
                 </a:solidFill>
@@ -7756,7 +7287,7 @@
               <a:t>struct</a:t>
             </a:r>
             <a:r>
-              <a:rPr lang="en-US" altLang="zh-CN" sz="1600" dirty="0" smtClean="0">
+              <a:rPr lang="en-US" altLang="zh-CN" sz="1600" dirty="0">
                 <a:solidFill>
                   <a:srgbClr val="FF0000"/>
                 </a:solidFill>
@@ -7765,7 +7296,7 @@
               <a:t>(</a:t>
             </a:r>
             <a:r>
-              <a:rPr lang="en-US" altLang="zh-CN" sz="1600" dirty="0" err="1" smtClean="0">
+              <a:rPr lang="en-US" altLang="zh-CN" sz="1600" dirty="0" err="1">
                 <a:solidFill>
                   <a:srgbClr val="FF0000"/>
                 </a:solidFill>
@@ -7774,7 +7305,7 @@
               <a:t>field,value</a:t>
             </a:r>
             <a:r>
-              <a:rPr lang="en-US" altLang="zh-CN" sz="1600" dirty="0" smtClean="0">
+              <a:rPr lang="en-US" altLang="zh-CN" sz="1600" dirty="0">
                 <a:solidFill>
                   <a:srgbClr val="FF0000"/>
                 </a:solidFill>
@@ -7783,7 +7314,7 @@
               <a:t>,...) </a:t>
             </a:r>
             <a:r>
-              <a:rPr lang="zh-CN" altLang="en-US" sz="1600" dirty="0" smtClean="0">
+              <a:rPr lang="zh-CN" altLang="en-US" sz="1600" dirty="0">
                 <a:solidFill>
                   <a:srgbClr val="FF0000"/>
                 </a:solidFill>
@@ -7792,7 +7323,7 @@
               <a:t>若</a:t>
             </a:r>
             <a:r>
-              <a:rPr lang="en-US" altLang="zh-CN" sz="1600" dirty="0" smtClean="0">
+              <a:rPr lang="en-US" altLang="zh-CN" sz="1600" dirty="0">
                 <a:solidFill>
                   <a:srgbClr val="FF0000"/>
                 </a:solidFill>
@@ -7801,7 +7332,7 @@
               <a:t>value</a:t>
             </a:r>
             <a:r>
-              <a:rPr lang="zh-CN" altLang="en-US" sz="1600" dirty="0" smtClean="0">
+              <a:rPr lang="zh-CN" altLang="en-US" sz="1600" dirty="0">
                 <a:solidFill>
                   <a:srgbClr val="FF0000"/>
                 </a:solidFill>
@@ -7809,7 +7340,7 @@
               </a:rPr>
               <a:t>是单元数组，则生成结构体数组</a:t>
             </a:r>
-            <a:endParaRPr lang="en-US" altLang="zh-CN" sz="1600" dirty="0" smtClean="0">
+            <a:endParaRPr lang="en-US" altLang="zh-CN" sz="1600" dirty="0">
               <a:solidFill>
                 <a:srgbClr val="FF0000"/>
               </a:solidFill>
@@ -7821,7 +7352,7 @@
               <a:buNone/>
             </a:pPr>
             <a:r>
-              <a:rPr lang="en-US" altLang="zh-CN" sz="1600" dirty="0" smtClean="0">
+              <a:rPr lang="en-US" altLang="zh-CN" sz="1600" dirty="0">
                 <a:solidFill>
                   <a:srgbClr val="FF0000"/>
                 </a:solidFill>
@@ -7830,7 +7361,7 @@
               <a:t>Values{:} </a:t>
             </a:r>
             <a:r>
-              <a:rPr lang="zh-CN" altLang="en-US" sz="1600" dirty="0" smtClean="0">
+              <a:rPr lang="zh-CN" altLang="en-US" sz="1600" dirty="0">
                 <a:solidFill>
                   <a:srgbClr val="FF0000"/>
                 </a:solidFill>
@@ -7838,7 +7369,7 @@
               </a:rPr>
               <a:t>输出该单元数组的所有元素，以逗号分隔</a:t>
             </a:r>
-            <a:endParaRPr lang="en-US" altLang="zh-CN" sz="1600" dirty="0" smtClean="0">
+            <a:endParaRPr lang="en-US" altLang="zh-CN" sz="1600" dirty="0">
               <a:solidFill>
                 <a:srgbClr val="FF0000"/>
               </a:solidFill>
@@ -7850,7 +7381,7 @@
               <a:buNone/>
             </a:pPr>
             <a:r>
-              <a:rPr lang="en-US" altLang="zh-CN" sz="1600" dirty="0" smtClean="0">
+              <a:rPr lang="en-US" altLang="zh-CN" sz="1600" dirty="0">
                 <a:solidFill>
                   <a:srgbClr val="FF0000"/>
                 </a:solidFill>
@@ -7859,7 +7390,7 @@
               <a:t>deal() </a:t>
             </a:r>
             <a:r>
-              <a:rPr lang="zh-CN" altLang="en-US" sz="1600" dirty="0" smtClean="0">
+              <a:rPr lang="zh-CN" altLang="en-US" sz="1600" dirty="0">
                 <a:solidFill>
                   <a:srgbClr val="FF0000"/>
                 </a:solidFill>
@@ -7867,12 +7398,6 @@
               </a:rPr>
               <a:t>将所有输入一一对应输出</a:t>
             </a:r>
-            <a:endParaRPr lang="zh-CN" altLang="en-US" sz="1600" dirty="0">
-              <a:solidFill>
-                <a:srgbClr val="FF0000"/>
-              </a:solidFill>
-              <a:latin typeface="幼圆" panose="02010509060101010101" pitchFamily="49" charset="-122"/>
-            </a:endParaRPr>
           </a:p>
         </p:txBody>
       </p:sp>
@@ -7915,13 +7440,6 @@
   <p:clrMapOvr>
     <a:masterClrMapping/>
   </p:clrMapOvr>
-  <p:timing>
-    <p:tnLst>
-      <p:par>
-        <p:cTn id="1" dur="indefinite" restart="never" nodeType="tmRoot"/>
-      </p:par>
-    </p:tnLst>
-  </p:timing>
 </p:sld>
 </file>
 
@@ -7958,10 +7476,9 @@
           <a:lstStyle/>
           <a:p>
             <a:r>
-              <a:rPr lang="zh-CN" altLang="en-US" dirty="0" smtClean="0"/>
+              <a:rPr lang="zh-CN" altLang="en-US" dirty="0"/>
               <a:t>排名</a:t>
             </a:r>
-            <a:endParaRPr lang="zh-CN" altLang="en-US" dirty="0"/>
           </a:p>
         </p:txBody>
       </p:sp>
@@ -7981,10 +7498,9 @@
           <a:lstStyle/>
           <a:p>
             <a:r>
-              <a:rPr lang="zh-CN" altLang="en-US" dirty="0" smtClean="0"/>
+              <a:rPr lang="zh-CN" altLang="en-US" dirty="0"/>
               <a:t>令一个向量作为学生的成绩，求每位学生的排名</a:t>
             </a:r>
-            <a:endParaRPr lang="zh-CN" altLang="en-US" dirty="0"/>
           </a:p>
         </p:txBody>
       </p:sp>
@@ -8012,7 +7528,7 @@
           <a:p>
             <a:pPr algn="ctr"/>
             <a:r>
-              <a:rPr lang="zh-CN" altLang="en-US" sz="2000" dirty="0" smtClean="0">
+              <a:rPr lang="zh-CN" altLang="en-US" sz="2000" dirty="0">
                 <a:solidFill>
                   <a:schemeClr val="accent5">
                     <a:lumMod val="75000"/>
@@ -8023,15 +7539,6 @@
               </a:rPr>
               <a:t>代码</a:t>
             </a:r>
-            <a:endParaRPr lang="zh-CN" altLang="en-US" sz="2000" dirty="0">
-              <a:solidFill>
-                <a:schemeClr val="accent5">
-                  <a:lumMod val="75000"/>
-                </a:schemeClr>
-              </a:solidFill>
-              <a:latin typeface="幼圆" panose="02010509060101010101" pitchFamily="49" charset="-122"/>
-              <a:ea typeface="幼圆" panose="02010509060101010101" pitchFamily="49" charset="-122"/>
-            </a:endParaRPr>
           </a:p>
         </p:txBody>
       </p:sp>
@@ -8059,7 +7566,7 @@
           <a:p>
             <a:pPr algn="ctr"/>
             <a:r>
-              <a:rPr lang="zh-CN" altLang="en-US" sz="2000" dirty="0" smtClean="0">
+              <a:rPr lang="zh-CN" altLang="en-US" sz="2000" dirty="0">
                 <a:solidFill>
                   <a:schemeClr val="accent5">
                     <a:lumMod val="75000"/>
@@ -8070,15 +7577,6 @@
               </a:rPr>
               <a:t>输出</a:t>
             </a:r>
-            <a:endParaRPr lang="zh-CN" altLang="en-US" sz="2000" dirty="0">
-              <a:solidFill>
-                <a:schemeClr val="accent5">
-                  <a:lumMod val="75000"/>
-                </a:schemeClr>
-              </a:solidFill>
-              <a:latin typeface="幼圆" panose="02010509060101010101" pitchFamily="49" charset="-122"/>
-              <a:ea typeface="幼圆" panose="02010509060101010101" pitchFamily="49" charset="-122"/>
-            </a:endParaRPr>
           </a:p>
         </p:txBody>
       </p:sp>
@@ -8150,13 +7648,6 @@
   <p:clrMapOvr>
     <a:masterClrMapping/>
   </p:clrMapOvr>
-  <p:timing>
-    <p:tnLst>
-      <p:par>
-        <p:cTn id="1" dur="indefinite" restart="never" nodeType="tmRoot"/>
-      </p:par>
-    </p:tnLst>
-  </p:timing>
 </p:sld>
 </file>
 
@@ -8193,78 +7684,198 @@
           <a:lstStyle/>
           <a:p>
             <a:r>
-              <a:rPr lang="zh-CN" altLang="en-US" dirty="0" smtClean="0"/>
+              <a:rPr lang="zh-CN" altLang="en-US" dirty="0"/>
               <a:t>计算点的拥挤度</a:t>
             </a:r>
-            <a:endParaRPr lang="zh-CN" altLang="en-US" dirty="0"/>
           </a:p>
         </p:txBody>
       </p:sp>
-      <p:sp>
-        <p:nvSpPr>
-          <p:cNvPr id="3" name="文本占位符 2"/>
-          <p:cNvSpPr>
-            <a:spLocks noGrp="1"/>
-          </p:cNvSpPr>
-          <p:nvPr>
-            <p:ph type="body" sz="quarter" idx="11"/>
-          </p:nvPr>
-        </p:nvSpPr>
-        <p:spPr>
-          <a:xfrm>
-            <a:off x="2137483" y="15628"/>
-            <a:ext cx="6835067" cy="6057900"/>
-          </a:xfrm>
-        </p:spPr>
-        <p:txBody>
-          <a:bodyPr>
-            <a:normAutofit/>
-          </a:bodyPr>
-          <a:lstStyle/>
-          <a:p>
-            <a:r>
-              <a:rPr lang="en-US" altLang="zh-CN" sz="2200" dirty="0" smtClean="0"/>
-              <a:t>M</a:t>
-            </a:r>
-            <a:r>
-              <a:rPr lang="zh-CN" altLang="en-US" sz="2200" dirty="0" smtClean="0"/>
-              <a:t>个</a:t>
-            </a:r>
-            <a:r>
-              <a:rPr lang="en-US" altLang="zh-CN" sz="2200" dirty="0" smtClean="0"/>
-              <a:t>N</a:t>
-            </a:r>
-            <a:r>
-              <a:rPr lang="zh-CN" altLang="en-US" sz="2200" dirty="0" smtClean="0"/>
-              <a:t>维空间中的点构成一个</a:t>
-            </a:r>
-            <a:r>
-              <a:rPr lang="en-US" altLang="zh-CN" sz="2200" dirty="0" smtClean="0"/>
-              <a:t>M*N</a:t>
-            </a:r>
-            <a:r>
-              <a:rPr lang="zh-CN" altLang="en-US" sz="2200" dirty="0" smtClean="0"/>
-              <a:t>矩阵，其中每行代表一个点在</a:t>
-            </a:r>
-            <a:r>
-              <a:rPr lang="en-US" altLang="zh-CN" sz="2200" dirty="0" smtClean="0"/>
-              <a:t>N</a:t>
-            </a:r>
-            <a:r>
-              <a:rPr lang="zh-CN" altLang="en-US" sz="2200" dirty="0" smtClean="0"/>
-              <a:t>维空间中的坐标</a:t>
-            </a:r>
-            <a:endParaRPr lang="en-US" altLang="zh-CN" sz="2200" dirty="0" smtClean="0"/>
-          </a:p>
-          <a:p>
-            <a:r>
-              <a:rPr lang="zh-CN" altLang="en-US" sz="2200" dirty="0" smtClean="0"/>
-              <a:t>存在许多点有相同坐标的情况，求和每个点有相同坐标的点的数量</a:t>
-            </a:r>
-            <a:endParaRPr lang="zh-CN" altLang="en-US" sz="2200" dirty="0"/>
-          </a:p>
-        </p:txBody>
-      </p:sp>
+      <mc:AlternateContent xmlns:mc="http://schemas.openxmlformats.org/markup-compatibility/2006" xmlns:a14="http://schemas.microsoft.com/office/drawing/2010/main">
+        <mc:Choice Requires="a14">
+          <p:sp>
+            <p:nvSpPr>
+              <p:cNvPr id="3" name="文本占位符 2"/>
+              <p:cNvSpPr>
+                <a:spLocks noGrp="1"/>
+              </p:cNvSpPr>
+              <p:nvPr>
+                <p:ph type="body" sz="quarter" idx="11"/>
+              </p:nvPr>
+            </p:nvSpPr>
+            <p:spPr>
+              <a:xfrm>
+                <a:off x="2137483" y="15628"/>
+                <a:ext cx="6835067" cy="6057900"/>
+              </a:xfrm>
+            </p:spPr>
+            <p:txBody>
+              <a:bodyPr>
+                <a:normAutofit/>
+              </a:bodyPr>
+              <a:lstStyle/>
+              <a:p>
+                <a14:m>
+                  <m:oMath xmlns:m="http://schemas.openxmlformats.org/officeDocument/2006/math">
+                    <m:r>
+                      <a:rPr lang="en-US" altLang="zh-CN" sz="2200" b="0" i="1" smtClean="0">
+                        <a:latin typeface="Cambria Math" panose="02040503050406030204" pitchFamily="18" charset="0"/>
+                      </a:rPr>
+                      <m:t>𝑀</m:t>
+                    </m:r>
+                    <m:r>
+                      <a:rPr lang="en-US" altLang="zh-CN" sz="2200" b="0" i="1" smtClean="0">
+                        <a:latin typeface="Cambria Math" panose="02040503050406030204" pitchFamily="18" charset="0"/>
+                      </a:rPr>
+                      <m:t> </m:t>
+                    </m:r>
+                  </m:oMath>
+                </a14:m>
+                <a:r>
+                  <a:rPr lang="zh-CN" altLang="en-US" sz="2200" dirty="0"/>
+                  <a:t>个</a:t>
+                </a:r>
+                <a14:m>
+                  <m:oMath xmlns:m="http://schemas.openxmlformats.org/officeDocument/2006/math">
+                    <m:r>
+                      <a:rPr lang="en-US" altLang="zh-CN" sz="2200" b="0" i="0" smtClean="0">
+                        <a:latin typeface="Cambria Math" panose="02040503050406030204" pitchFamily="18" charset="0"/>
+                      </a:rPr>
+                      <m:t> </m:t>
+                    </m:r>
+                    <m:r>
+                      <a:rPr lang="en-US" altLang="zh-CN" sz="2200" b="0" i="1" smtClean="0">
+                        <a:latin typeface="Cambria Math" panose="02040503050406030204" pitchFamily="18" charset="0"/>
+                      </a:rPr>
+                      <m:t>𝑁</m:t>
+                    </m:r>
+                    <m:r>
+                      <a:rPr lang="en-US" altLang="zh-CN" sz="2200" b="0" i="1" smtClean="0">
+                        <a:latin typeface="Cambria Math" panose="02040503050406030204" pitchFamily="18" charset="0"/>
+                      </a:rPr>
+                      <m:t> </m:t>
+                    </m:r>
+                  </m:oMath>
+                </a14:m>
+                <a:r>
+                  <a:rPr lang="zh-CN" altLang="en-US" sz="2200" dirty="0"/>
+                  <a:t>维空间中的点构成一个</a:t>
+                </a:r>
+                <a14:m>
+                  <m:oMath xmlns:m="http://schemas.openxmlformats.org/officeDocument/2006/math">
+                    <m:r>
+                      <a:rPr lang="en-US" altLang="zh-CN" sz="2200" b="0" i="0" smtClean="0">
+                        <a:latin typeface="Cambria Math" panose="02040503050406030204" pitchFamily="18" charset="0"/>
+                      </a:rPr>
+                      <m:t> </m:t>
+                    </m:r>
+                    <m:r>
+                      <a:rPr lang="en-US" altLang="zh-CN" sz="2200" i="1">
+                        <a:latin typeface="Cambria Math" panose="02040503050406030204" pitchFamily="18" charset="0"/>
+                      </a:rPr>
+                      <m:t>𝑀</m:t>
+                    </m:r>
+                    <m:r>
+                      <a:rPr lang="en-US" altLang="zh-CN" sz="2200" i="1" smtClean="0">
+                        <a:latin typeface="Cambria Math" panose="02040503050406030204" pitchFamily="18" charset="0"/>
+                        <a:ea typeface="Cambria Math" panose="02040503050406030204" pitchFamily="18" charset="0"/>
+                      </a:rPr>
+                      <m:t>×</m:t>
+                    </m:r>
+                    <m:r>
+                      <a:rPr lang="en-US" altLang="zh-CN" sz="2200" b="0" i="1" smtClean="0">
+                        <a:latin typeface="Cambria Math" panose="02040503050406030204" pitchFamily="18" charset="0"/>
+                        <a:ea typeface="Cambria Math" panose="02040503050406030204" pitchFamily="18" charset="0"/>
+                      </a:rPr>
+                      <m:t>𝑁</m:t>
+                    </m:r>
+                    <m:r>
+                      <a:rPr lang="en-US" altLang="zh-CN" sz="2200" b="0" i="1" smtClean="0">
+                        <a:latin typeface="Cambria Math" panose="02040503050406030204" pitchFamily="18" charset="0"/>
+                        <a:ea typeface="Cambria Math" panose="02040503050406030204" pitchFamily="18" charset="0"/>
+                      </a:rPr>
+                      <m:t> </m:t>
+                    </m:r>
+                  </m:oMath>
+                </a14:m>
+                <a:r>
+                  <a:rPr lang="zh-CN" altLang="en-US" sz="2200" dirty="0"/>
+                  <a:t>矩阵，其中每行代表一个点在</a:t>
+                </a:r>
+                <a14:m>
+                  <m:oMath xmlns:m="http://schemas.openxmlformats.org/officeDocument/2006/math">
+                    <m:r>
+                      <a:rPr lang="en-US" altLang="zh-CN" sz="2200" b="0" i="0" smtClean="0">
+                        <a:latin typeface="Cambria Math" panose="02040503050406030204" pitchFamily="18" charset="0"/>
+                      </a:rPr>
+                      <m:t> </m:t>
+                    </m:r>
+                    <m:r>
+                      <a:rPr lang="en-US" altLang="zh-CN" sz="2200" i="1">
+                        <a:latin typeface="Cambria Math" panose="02040503050406030204" pitchFamily="18" charset="0"/>
+                      </a:rPr>
+                      <m:t>𝑁</m:t>
+                    </m:r>
+                    <m:r>
+                      <a:rPr lang="en-US" altLang="zh-CN" sz="2200" b="0" i="1" smtClean="0">
+                        <a:latin typeface="Cambria Math" panose="02040503050406030204" pitchFamily="18" charset="0"/>
+                      </a:rPr>
+                      <m:t> </m:t>
+                    </m:r>
+                  </m:oMath>
+                </a14:m>
+                <a:r>
+                  <a:rPr lang="zh-CN" altLang="en-US" sz="2200" dirty="0"/>
+                  <a:t>维空间中的坐标</a:t>
+                </a:r>
+                <a:endParaRPr lang="en-US" altLang="zh-CN" sz="2200" dirty="0"/>
+              </a:p>
+              <a:p>
+                <a:r>
+                  <a:rPr lang="zh-CN" altLang="en-US" sz="2200" dirty="0"/>
+                  <a:t>存在许多点有相同坐标的情况，求和每个点有相同坐标的点的数量</a:t>
+                </a:r>
+              </a:p>
+            </p:txBody>
+          </p:sp>
+        </mc:Choice>
+        <mc:Fallback xmlns="">
+          <p:sp>
+            <p:nvSpPr>
+              <p:cNvPr id="3" name="文本占位符 2"/>
+              <p:cNvSpPr>
+                <a:spLocks noGrp="1" noRot="1" noChangeAspect="1" noMove="1" noResize="1" noEditPoints="1" noAdjustHandles="1" noChangeArrowheads="1" noChangeShapeType="1" noTextEdit="1"/>
+              </p:cNvSpPr>
+              <p:nvPr>
+                <p:ph type="body" sz="quarter" idx="11"/>
+              </p:nvPr>
+            </p:nvSpPr>
+            <p:spPr>
+              <a:xfrm>
+                <a:off x="2137483" y="15628"/>
+                <a:ext cx="6835067" cy="6057900"/>
+              </a:xfrm>
+              <a:blipFill>
+                <a:blip r:embed="rId2"/>
+                <a:stretch>
+                  <a:fillRect l="-1070" t="-1007" r="-1160"/>
+                </a:stretch>
+              </a:blipFill>
+            </p:spPr>
+            <p:txBody>
+              <a:bodyPr/>
+              <a:lstStyle/>
+              <a:p>
+                <a:r>
+                  <a:rPr lang="zh-CN" altLang="en-US">
+                    <a:noFill/>
+                  </a:rPr>
+                  <a:t> </a:t>
+                </a:r>
+              </a:p>
+            </p:txBody>
+          </p:sp>
+        </mc:Fallback>
+      </mc:AlternateContent>
       <p:pic>
         <p:nvPicPr>
           <p:cNvPr id="4" name="图片 3"/>
@@ -8274,7 +7885,7 @@
           <p:nvPr/>
         </p:nvPicPr>
         <p:blipFill>
-          <a:blip r:embed="rId2"/>
+          <a:blip r:embed="rId3"/>
           <a:stretch>
             <a:fillRect/>
           </a:stretch>
@@ -8303,7 +7914,7 @@
           <p:nvPr/>
         </p:nvPicPr>
         <p:blipFill>
-          <a:blip r:embed="rId3"/>
+          <a:blip r:embed="rId4"/>
           <a:stretch>
             <a:fillRect/>
           </a:stretch>
@@ -8332,7 +7943,7 @@
           <p:nvPr/>
         </p:nvPicPr>
         <p:blipFill>
-          <a:blip r:embed="rId4"/>
+          <a:blip r:embed="rId5"/>
           <a:stretch>
             <a:fillRect/>
           </a:stretch>
@@ -8376,7 +7987,7 @@
           <a:p>
             <a:pPr algn="ctr"/>
             <a:r>
-              <a:rPr lang="zh-CN" altLang="en-US" sz="2000" dirty="0" smtClean="0">
+              <a:rPr lang="zh-CN" altLang="en-US" sz="2000" dirty="0">
                 <a:solidFill>
                   <a:schemeClr val="accent5">
                     <a:lumMod val="75000"/>
@@ -8387,15 +7998,6 @@
               </a:rPr>
               <a:t>代码</a:t>
             </a:r>
-            <a:endParaRPr lang="zh-CN" altLang="en-US" sz="2000" dirty="0">
-              <a:solidFill>
-                <a:schemeClr val="accent5">
-                  <a:lumMod val="75000"/>
-                </a:schemeClr>
-              </a:solidFill>
-              <a:latin typeface="幼圆" panose="02010509060101010101" pitchFamily="49" charset="-122"/>
-              <a:ea typeface="幼圆" panose="02010509060101010101" pitchFamily="49" charset="-122"/>
-            </a:endParaRPr>
           </a:p>
         </p:txBody>
       </p:sp>
@@ -8423,7 +8025,7 @@
           <a:p>
             <a:pPr algn="ctr"/>
             <a:r>
-              <a:rPr lang="zh-CN" altLang="en-US" sz="2000" dirty="0" smtClean="0">
+              <a:rPr lang="zh-CN" altLang="en-US" sz="2000" dirty="0">
                 <a:solidFill>
                   <a:schemeClr val="accent5">
                     <a:lumMod val="75000"/>
@@ -8434,15 +8036,6 @@
               </a:rPr>
               <a:t>输出</a:t>
             </a:r>
-            <a:endParaRPr lang="zh-CN" altLang="en-US" sz="2000" dirty="0">
-              <a:solidFill>
-                <a:schemeClr val="accent5">
-                  <a:lumMod val="75000"/>
-                </a:schemeClr>
-              </a:solidFill>
-              <a:latin typeface="幼圆" panose="02010509060101010101" pitchFamily="49" charset="-122"/>
-              <a:ea typeface="幼圆" panose="02010509060101010101" pitchFamily="49" charset="-122"/>
-            </a:endParaRPr>
           </a:p>
         </p:txBody>
       </p:sp>
@@ -8456,13 +8049,6 @@
   <p:clrMapOvr>
     <a:masterClrMapping/>
   </p:clrMapOvr>
-  <p:timing>
-    <p:tnLst>
-      <p:par>
-        <p:cTn id="1" dur="indefinite" restart="never" nodeType="tmRoot"/>
-      </p:par>
-    </p:tnLst>
-  </p:timing>
 </p:sld>
 </file>
 
@@ -8500,10 +8086,9 @@
           <a:p>
             <a:pPr algn="ctr"/>
             <a:r>
-              <a:rPr lang="zh-CN" altLang="en-US" dirty="0" smtClean="0"/>
+              <a:rPr lang="zh-CN" altLang="en-US" dirty="0"/>
               <a:t>编程规范</a:t>
             </a:r>
-            <a:endParaRPr lang="zh-CN" altLang="en-US" dirty="0"/>
           </a:p>
         </p:txBody>
       </p:sp>
@@ -8523,7 +8108,7 @@
           <a:lstStyle/>
           <a:p>
             <a:r>
-              <a:rPr lang="en-US" altLang="zh-CN" dirty="0" smtClean="0"/>
+              <a:rPr lang="en-US" altLang="zh-CN" dirty="0"/>
               <a:t>1</a:t>
             </a:r>
             <a:endParaRPr lang="zh-CN" altLang="en-US" dirty="0"/>
@@ -8540,13 +8125,6 @@
   <p:clrMapOvr>
     <a:masterClrMapping/>
   </p:clrMapOvr>
-  <p:timing>
-    <p:tnLst>
-      <p:par>
-        <p:cTn id="1" dur="indefinite" restart="never" nodeType="tmRoot"/>
-      </p:par>
-    </p:tnLst>
-  </p:timing>
 </p:sld>
 </file>
 
@@ -8583,103 +8161,270 @@
           <a:lstStyle/>
           <a:p>
             <a:r>
-              <a:rPr lang="zh-CN" altLang="en-US" dirty="0" smtClean="0"/>
+              <a:rPr lang="zh-CN" altLang="en-US" dirty="0"/>
               <a:t>计算点到平面距离</a:t>
             </a:r>
-            <a:endParaRPr lang="zh-CN" altLang="en-US" dirty="0"/>
           </a:p>
         </p:txBody>
       </p:sp>
-      <p:sp>
-        <p:nvSpPr>
-          <p:cNvPr id="3" name="文本占位符 2"/>
-          <p:cNvSpPr>
-            <a:spLocks noGrp="1"/>
-          </p:cNvSpPr>
-          <p:nvPr>
-            <p:ph type="body" sz="quarter" idx="11"/>
-          </p:nvPr>
-        </p:nvSpPr>
-        <p:spPr/>
-        <p:txBody>
-          <a:bodyPr/>
-          <a:lstStyle/>
-          <a:p>
-            <a:r>
-              <a:rPr lang="en-US" altLang="zh-CN" dirty="0" smtClean="0"/>
-              <a:t>N</a:t>
-            </a:r>
-            <a:r>
-              <a:rPr lang="zh-CN" altLang="en-US" dirty="0" smtClean="0"/>
-              <a:t>个</a:t>
-            </a:r>
-            <a:r>
-              <a:rPr lang="en-US" altLang="zh-CN" dirty="0"/>
-              <a:t>N</a:t>
-            </a:r>
-            <a:r>
-              <a:rPr lang="zh-CN" altLang="en-US" dirty="0"/>
-              <a:t>维空间中的点构成一</a:t>
-            </a:r>
-            <a:r>
-              <a:rPr lang="zh-CN" altLang="en-US" dirty="0" smtClean="0"/>
-              <a:t>个</a:t>
-            </a:r>
-            <a:r>
-              <a:rPr lang="en-US" altLang="zh-CN" dirty="0" smtClean="0"/>
-              <a:t>N*N</a:t>
-            </a:r>
-            <a:r>
-              <a:rPr lang="zh-CN" altLang="en-US" dirty="0" smtClean="0"/>
-              <a:t>矩阵，它们可唯一确定一个</a:t>
-            </a:r>
-            <a:r>
-              <a:rPr lang="en-US" altLang="zh-CN" dirty="0" smtClean="0"/>
-              <a:t>N</a:t>
-            </a:r>
-            <a:r>
-              <a:rPr lang="zh-CN" altLang="en-US" dirty="0" smtClean="0"/>
-              <a:t>维空间中的超平面</a:t>
-            </a:r>
-            <a:endParaRPr lang="en-US" altLang="zh-CN" dirty="0" smtClean="0"/>
-          </a:p>
-          <a:p>
-            <a:r>
-              <a:rPr lang="en-US" altLang="zh-CN" dirty="0" smtClean="0"/>
-              <a:t>M</a:t>
-            </a:r>
-            <a:r>
-              <a:rPr lang="zh-CN" altLang="en-US" dirty="0" smtClean="0"/>
-              <a:t>个</a:t>
-            </a:r>
-            <a:r>
-              <a:rPr lang="en-US" altLang="zh-CN" dirty="0" smtClean="0"/>
-              <a:t>N</a:t>
-            </a:r>
-            <a:r>
-              <a:rPr lang="zh-CN" altLang="en-US" dirty="0" smtClean="0"/>
-              <a:t>维空间中的点构成一个</a:t>
-            </a:r>
-            <a:r>
-              <a:rPr lang="en-US" altLang="zh-CN" dirty="0" smtClean="0"/>
-              <a:t>M*N</a:t>
-            </a:r>
-            <a:r>
-              <a:rPr lang="zh-CN" altLang="en-US" dirty="0" smtClean="0"/>
-              <a:t>矩阵，计算其中</a:t>
-            </a:r>
-            <a:r>
-              <a:rPr lang="zh-CN" altLang="en-US" smtClean="0"/>
-              <a:t>每个点到超平面</a:t>
-            </a:r>
-            <a:r>
-              <a:rPr lang="zh-CN" altLang="en-US" dirty="0" smtClean="0"/>
-              <a:t>的欧氏距离 </a:t>
-            </a:r>
-            <a:endParaRPr lang="zh-CN" altLang="en-US" dirty="0"/>
-          </a:p>
-        </p:txBody>
-      </p:sp>
+      <mc:AlternateContent xmlns:mc="http://schemas.openxmlformats.org/markup-compatibility/2006" xmlns:a14="http://schemas.microsoft.com/office/drawing/2010/main">
+        <mc:Choice Requires="a14">
+          <p:sp>
+            <p:nvSpPr>
+              <p:cNvPr id="3" name="文本占位符 2"/>
+              <p:cNvSpPr>
+                <a:spLocks noGrp="1"/>
+              </p:cNvSpPr>
+              <p:nvPr>
+                <p:ph type="body" sz="quarter" idx="11"/>
+              </p:nvPr>
+            </p:nvSpPr>
+            <p:spPr/>
+            <p:txBody>
+              <a:bodyPr/>
+              <a:lstStyle/>
+              <a:p>
+                <a14:m>
+                  <m:oMath xmlns:m="http://schemas.openxmlformats.org/officeDocument/2006/math">
+                    <m:r>
+                      <a:rPr lang="en-US" altLang="zh-CN" i="1" smtClean="0">
+                        <a:latin typeface="Cambria Math" panose="02040503050406030204" pitchFamily="18" charset="0"/>
+                      </a:rPr>
+                      <m:t>𝑁</m:t>
+                    </m:r>
+                    <m:r>
+                      <a:rPr lang="en-US" altLang="zh-CN" b="0" i="1" smtClean="0">
+                        <a:latin typeface="Cambria Math" panose="02040503050406030204" pitchFamily="18" charset="0"/>
+                      </a:rPr>
+                      <m:t> </m:t>
+                    </m:r>
+                  </m:oMath>
+                </a14:m>
+                <a:r>
+                  <a:rPr lang="zh-CN" altLang="en-US" dirty="0"/>
+                  <a:t>个</a:t>
+                </a:r>
+                <a14:m>
+                  <m:oMath xmlns:m="http://schemas.openxmlformats.org/officeDocument/2006/math">
+                    <m:r>
+                      <a:rPr lang="en-US" altLang="zh-CN" b="0" i="0" smtClean="0">
+                        <a:latin typeface="Cambria Math" panose="02040503050406030204" pitchFamily="18" charset="0"/>
+                      </a:rPr>
+                      <m:t> </m:t>
+                    </m:r>
+                    <m:r>
+                      <a:rPr lang="en-US" altLang="zh-CN" i="1">
+                        <a:latin typeface="Cambria Math" panose="02040503050406030204" pitchFamily="18" charset="0"/>
+                      </a:rPr>
+                      <m:t>𝑁</m:t>
+                    </m:r>
+                    <m:r>
+                      <a:rPr lang="en-US" altLang="zh-CN" b="0" i="1" smtClean="0">
+                        <a:latin typeface="Cambria Math" panose="02040503050406030204" pitchFamily="18" charset="0"/>
+                      </a:rPr>
+                      <m:t> </m:t>
+                    </m:r>
+                  </m:oMath>
+                </a14:m>
+                <a:r>
+                  <a:rPr lang="zh-CN" altLang="en-US" dirty="0"/>
+                  <a:t>维空间中的点构成一个</a:t>
+                </a:r>
+                <a14:m>
+                  <m:oMath xmlns:m="http://schemas.openxmlformats.org/officeDocument/2006/math">
+                    <m:r>
+                      <a:rPr lang="en-US" altLang="zh-CN" b="0" i="0" smtClean="0">
+                        <a:latin typeface="Cambria Math" panose="02040503050406030204" pitchFamily="18" charset="0"/>
+                      </a:rPr>
+                      <m:t> </m:t>
+                    </m:r>
+                    <m:r>
+                      <a:rPr lang="en-US" altLang="zh-CN" b="0" i="1" smtClean="0">
+                        <a:latin typeface="Cambria Math" panose="02040503050406030204" pitchFamily="18" charset="0"/>
+                      </a:rPr>
+                      <m:t>𝑁</m:t>
+                    </m:r>
+                    <m:r>
+                      <a:rPr lang="en-US" altLang="zh-CN" i="1">
+                        <a:latin typeface="Cambria Math" panose="02040503050406030204" pitchFamily="18" charset="0"/>
+                        <a:ea typeface="Cambria Math" panose="02040503050406030204" pitchFamily="18" charset="0"/>
+                      </a:rPr>
+                      <m:t>×</m:t>
+                    </m:r>
+                    <m:r>
+                      <a:rPr lang="en-US" altLang="zh-CN" i="1">
+                        <a:latin typeface="Cambria Math" panose="02040503050406030204" pitchFamily="18" charset="0"/>
+                        <a:ea typeface="Cambria Math" panose="02040503050406030204" pitchFamily="18" charset="0"/>
+                      </a:rPr>
+                      <m:t>𝑁</m:t>
+                    </m:r>
+                    <m:r>
+                      <a:rPr lang="en-US" altLang="zh-CN" b="0" i="1" smtClean="0">
+                        <a:latin typeface="Cambria Math" panose="02040503050406030204" pitchFamily="18" charset="0"/>
+                        <a:ea typeface="Cambria Math" panose="02040503050406030204" pitchFamily="18" charset="0"/>
+                      </a:rPr>
+                      <m:t> </m:t>
+                    </m:r>
+                  </m:oMath>
+                </a14:m>
+                <a:r>
+                  <a:rPr lang="zh-CN" altLang="en-US" dirty="0"/>
+                  <a:t>矩阵，它们可唯一确定一个</a:t>
+                </a:r>
+                <a14:m>
+                  <m:oMath xmlns:m="http://schemas.openxmlformats.org/officeDocument/2006/math">
+                    <m:r>
+                      <a:rPr lang="en-US" altLang="zh-CN" b="0" i="0" smtClean="0">
+                        <a:latin typeface="Cambria Math" panose="02040503050406030204" pitchFamily="18" charset="0"/>
+                      </a:rPr>
+                      <m:t> </m:t>
+                    </m:r>
+                    <m:r>
+                      <a:rPr lang="en-US" altLang="zh-CN" i="1">
+                        <a:latin typeface="Cambria Math" panose="02040503050406030204" pitchFamily="18" charset="0"/>
+                      </a:rPr>
+                      <m:t>𝑁</m:t>
+                    </m:r>
+                    <m:r>
+                      <a:rPr lang="en-US" altLang="zh-CN" b="0" i="1" smtClean="0">
+                        <a:latin typeface="Cambria Math" panose="02040503050406030204" pitchFamily="18" charset="0"/>
+                      </a:rPr>
+                      <m:t> </m:t>
+                    </m:r>
+                  </m:oMath>
+                </a14:m>
+                <a:r>
+                  <a:rPr lang="zh-CN" altLang="en-US" dirty="0"/>
+                  <a:t>维空间中的超平面</a:t>
+                </a:r>
+                <a:endParaRPr lang="en-US" altLang="zh-CN" dirty="0"/>
+              </a:p>
+              <a:p>
+                <a14:m>
+                  <m:oMath xmlns:m="http://schemas.openxmlformats.org/officeDocument/2006/math">
+                    <m:r>
+                      <a:rPr lang="en-US" altLang="zh-CN" b="0" i="1" smtClean="0">
+                        <a:latin typeface="Cambria Math" panose="02040503050406030204" pitchFamily="18" charset="0"/>
+                      </a:rPr>
+                      <m:t>𝑀</m:t>
+                    </m:r>
+                    <m:r>
+                      <a:rPr lang="en-US" altLang="zh-CN" b="0" i="1" smtClean="0">
+                        <a:latin typeface="Cambria Math" panose="02040503050406030204" pitchFamily="18" charset="0"/>
+                      </a:rPr>
+                      <m:t> </m:t>
+                    </m:r>
+                  </m:oMath>
+                </a14:m>
+                <a:r>
+                  <a:rPr lang="zh-CN" altLang="en-US" dirty="0"/>
+                  <a:t>个</a:t>
+                </a:r>
+                <a14:m>
+                  <m:oMath xmlns:m="http://schemas.openxmlformats.org/officeDocument/2006/math">
+                    <m:r>
+                      <a:rPr lang="en-US" altLang="zh-CN" b="0" i="0" smtClean="0">
+                        <a:latin typeface="Cambria Math" panose="02040503050406030204" pitchFamily="18" charset="0"/>
+                      </a:rPr>
+                      <m:t> </m:t>
+                    </m:r>
+                    <m:r>
+                      <a:rPr lang="en-US" altLang="zh-CN" i="1">
+                        <a:latin typeface="Cambria Math" panose="02040503050406030204" pitchFamily="18" charset="0"/>
+                      </a:rPr>
+                      <m:t>𝑁</m:t>
+                    </m:r>
+                    <m:r>
+                      <a:rPr lang="en-US" altLang="zh-CN" b="0" i="1" smtClean="0">
+                        <a:latin typeface="Cambria Math" panose="02040503050406030204" pitchFamily="18" charset="0"/>
+                      </a:rPr>
+                      <m:t> </m:t>
+                    </m:r>
+                  </m:oMath>
+                </a14:m>
+                <a:r>
+                  <a:rPr lang="zh-CN" altLang="en-US" dirty="0"/>
+                  <a:t>维空间中的点构成一个</a:t>
+                </a:r>
+                <a14:m>
+                  <m:oMath xmlns:m="http://schemas.openxmlformats.org/officeDocument/2006/math">
+                    <m:r>
+                      <a:rPr lang="en-US" altLang="zh-CN" b="0" i="0" smtClean="0">
+                        <a:latin typeface="Cambria Math" panose="02040503050406030204" pitchFamily="18" charset="0"/>
+                      </a:rPr>
+                      <m:t> </m:t>
+                    </m:r>
+                    <m:r>
+                      <a:rPr lang="en-US" altLang="zh-CN" b="0" i="1" smtClean="0">
+                        <a:latin typeface="Cambria Math" panose="02040503050406030204" pitchFamily="18" charset="0"/>
+                      </a:rPr>
+                      <m:t>𝑀</m:t>
+                    </m:r>
+                    <m:r>
+                      <a:rPr lang="en-US" altLang="zh-CN" i="1">
+                        <a:latin typeface="Cambria Math" panose="02040503050406030204" pitchFamily="18" charset="0"/>
+                        <a:ea typeface="Cambria Math" panose="02040503050406030204" pitchFamily="18" charset="0"/>
+                      </a:rPr>
+                      <m:t>×</m:t>
+                    </m:r>
+                    <m:r>
+                      <a:rPr lang="en-US" altLang="zh-CN" i="1">
+                        <a:latin typeface="Cambria Math" panose="02040503050406030204" pitchFamily="18" charset="0"/>
+                        <a:ea typeface="Cambria Math" panose="02040503050406030204" pitchFamily="18" charset="0"/>
+                      </a:rPr>
+                      <m:t>𝑁</m:t>
+                    </m:r>
+                    <m:r>
+                      <a:rPr lang="en-US" altLang="zh-CN" b="0" i="1" smtClean="0">
+                        <a:latin typeface="Cambria Math" panose="02040503050406030204" pitchFamily="18" charset="0"/>
+                        <a:ea typeface="Cambria Math" panose="02040503050406030204" pitchFamily="18" charset="0"/>
+                      </a:rPr>
+                      <m:t> </m:t>
+                    </m:r>
+                  </m:oMath>
+                </a14:m>
+                <a:r>
+                  <a:rPr lang="zh-CN" altLang="en-US" dirty="0"/>
+                  <a:t>矩阵，计算其中每个点到超平面的欧氏距离 </a:t>
+                </a:r>
+              </a:p>
+            </p:txBody>
+          </p:sp>
+        </mc:Choice>
+        <mc:Fallback xmlns="">
+          <p:sp>
+            <p:nvSpPr>
+              <p:cNvPr id="3" name="文本占位符 2"/>
+              <p:cNvSpPr>
+                <a:spLocks noGrp="1" noRot="1" noChangeAspect="1" noMove="1" noResize="1" noEditPoints="1" noAdjustHandles="1" noChangeArrowheads="1" noChangeShapeType="1" noTextEdit="1"/>
+              </p:cNvSpPr>
+              <p:nvPr>
+                <p:ph type="body" sz="quarter" idx="11"/>
+              </p:nvPr>
+            </p:nvSpPr>
+            <p:spPr>
+              <a:blipFill>
+                <a:blip r:embed="rId2"/>
+                <a:stretch>
+                  <a:fillRect l="-1249" t="-1107" r="-1338"/>
+                </a:stretch>
+              </a:blipFill>
+            </p:spPr>
+            <p:txBody>
+              <a:bodyPr/>
+              <a:lstStyle/>
+              <a:p>
+                <a:r>
+                  <a:rPr lang="zh-CN" altLang="en-US">
+                    <a:noFill/>
+                  </a:rPr>
+                  <a:t> </a:t>
+                </a:r>
+              </a:p>
+            </p:txBody>
+          </p:sp>
+        </mc:Fallback>
+      </mc:AlternateContent>
       <p:pic>
         <p:nvPicPr>
           <p:cNvPr id="4" name="图片 3"/>
@@ -8689,7 +8434,7 @@
           <p:nvPr/>
         </p:nvPicPr>
         <p:blipFill>
-          <a:blip r:embed="rId2"/>
+          <a:blip r:embed="rId3"/>
           <a:stretch>
             <a:fillRect/>
           </a:stretch>
@@ -8720,7 +8465,7 @@
             <p:spPr>
               <a:xfrm>
                 <a:off x="1941266" y="2040089"/>
-                <a:ext cx="7255488" cy="2181687"/>
+                <a:ext cx="7157759" cy="2174185"/>
               </a:xfrm>
               <a:prstGeom prst="rect">
                 <a:avLst/>
@@ -8739,7 +8484,7 @@
                   </a:lnSpc>
                 </a:pPr>
                 <a:r>
-                  <a:rPr lang="zh-CN" altLang="en-US" dirty="0" smtClean="0">
+                  <a:rPr lang="zh-CN" altLang="en-US" dirty="0">
                     <a:solidFill>
                       <a:srgbClr val="FF0000"/>
                     </a:solidFill>
@@ -8992,7 +8737,7 @@
                   </m:oMath>
                 </a14:m>
                 <a:r>
-                  <a:rPr lang="zh-CN" altLang="en-US" dirty="0" smtClean="0">
+                  <a:rPr lang="zh-CN" altLang="en-US" dirty="0">
                     <a:solidFill>
                       <a:srgbClr val="FF0000"/>
                     </a:solidFill>
@@ -9172,7 +8917,7 @@
                   </m:oMath>
                 </a14:m>
                 <a:r>
-                  <a:rPr lang="zh-CN" altLang="en-US" dirty="0" smtClean="0">
+                  <a:rPr lang="zh-CN" altLang="en-US" dirty="0">
                     <a:solidFill>
                       <a:srgbClr val="FF0000"/>
                     </a:solidFill>
@@ -9325,7 +9070,7 @@
                   </m:oMath>
                 </a14:m>
                 <a:r>
-                  <a:rPr lang="zh-CN" altLang="en-US" dirty="0" smtClean="0">
+                  <a:rPr lang="zh-CN" altLang="en-US" dirty="0">
                     <a:solidFill>
                       <a:srgbClr val="FF0000"/>
                     </a:solidFill>
@@ -9333,18 +9078,42 @@
                   </a:rPr>
                   <a:t>确定，即求解</a:t>
                 </a:r>
+                <a14:m>
+                  <m:oMath xmlns:m="http://schemas.openxmlformats.org/officeDocument/2006/math">
+                    <m:r>
+                      <a:rPr lang="en-US" altLang="zh-CN" b="0" i="0" smtClean="0">
+                        <a:solidFill>
+                          <a:srgbClr val="FF0000"/>
+                        </a:solidFill>
+                        <a:latin typeface="Cambria Math" panose="02040503050406030204" pitchFamily="18" charset="0"/>
+                        <a:ea typeface="幼圆" panose="02010509060101010101" pitchFamily="49" charset="-122"/>
+                      </a:rPr>
+                      <m:t> </m:t>
+                    </m:r>
+                    <m:r>
+                      <a:rPr lang="en-US" altLang="zh-CN" b="0" i="1" smtClean="0">
+                        <a:solidFill>
+                          <a:srgbClr val="FF0000"/>
+                        </a:solidFill>
+                        <a:latin typeface="Cambria Math" panose="02040503050406030204" pitchFamily="18" charset="0"/>
+                        <a:ea typeface="幼圆" panose="02010509060101010101" pitchFamily="49" charset="-122"/>
+                      </a:rPr>
+                      <m:t>𝑁</m:t>
+                    </m:r>
+                    <m:r>
+                      <a:rPr lang="en-US" altLang="zh-CN" b="0" i="1" smtClean="0">
+                        <a:solidFill>
+                          <a:srgbClr val="FF0000"/>
+                        </a:solidFill>
+                        <a:latin typeface="Cambria Math" panose="02040503050406030204" pitchFamily="18" charset="0"/>
+                        <a:ea typeface="幼圆" panose="02010509060101010101" pitchFamily="49" charset="-122"/>
+                      </a:rPr>
+                      <m:t> </m:t>
+                    </m:r>
+                  </m:oMath>
+                </a14:m>
                 <a:r>
-                  <a:rPr lang="en-US" altLang="zh-CN" dirty="0" smtClean="0">
-                    <a:solidFill>
-                      <a:srgbClr val="FF0000"/>
-                    </a:solidFill>
-                    <a:latin typeface="Times New Roman" panose="02020603050405020304" pitchFamily="18" charset="0"/>
-                    <a:ea typeface="幼圆" panose="02010509060101010101" pitchFamily="49" charset="-122"/>
-                  </a:rPr>
-                  <a:t>N</a:t>
-                </a:r>
-                <a:r>
-                  <a:rPr lang="zh-CN" altLang="en-US" dirty="0" smtClean="0">
+                  <a:rPr lang="zh-CN" altLang="en-US" dirty="0">
                     <a:solidFill>
                       <a:srgbClr val="FF0000"/>
                     </a:solidFill>
@@ -9352,19 +9121,42 @@
                   </a:rPr>
                   <a:t>个</a:t>
                 </a:r>
+                <a14:m>
+                  <m:oMath xmlns:m="http://schemas.openxmlformats.org/officeDocument/2006/math">
+                    <m:r>
+                      <a:rPr lang="en-US" altLang="zh-CN" b="0" i="0" dirty="0" smtClean="0">
+                        <a:solidFill>
+                          <a:srgbClr val="FF0000"/>
+                        </a:solidFill>
+                        <a:latin typeface="Cambria Math" panose="02040503050406030204" pitchFamily="18" charset="0"/>
+                        <a:ea typeface="幼圆" panose="02010509060101010101" pitchFamily="49" charset="-122"/>
+                      </a:rPr>
+                      <m:t> </m:t>
+                    </m:r>
+                    <m:r>
+                      <a:rPr lang="en-US" altLang="zh-CN" b="0" i="1" dirty="0" smtClean="0">
+                        <a:solidFill>
+                          <a:srgbClr val="FF0000"/>
+                        </a:solidFill>
+                        <a:latin typeface="Cambria Math" panose="02040503050406030204" pitchFamily="18" charset="0"/>
+                        <a:ea typeface="幼圆" panose="02010509060101010101" pitchFamily="49" charset="-122"/>
+                      </a:rPr>
+                      <m:t>𝑁</m:t>
+                    </m:r>
+                    <m:r>
+                      <a:rPr lang="en-US" altLang="zh-CN" b="0" i="1" dirty="0" smtClean="0">
+                        <a:solidFill>
+                          <a:srgbClr val="FF0000"/>
+                        </a:solidFill>
+                        <a:latin typeface="Cambria Math" panose="02040503050406030204" pitchFamily="18" charset="0"/>
+                        <a:ea typeface="幼圆" panose="02010509060101010101" pitchFamily="49" charset="-122"/>
+                      </a:rPr>
+                      <m:t> </m:t>
+                    </m:r>
+                  </m:oMath>
+                </a14:m>
                 <a:r>
-                  <a:rPr lang="en-US" altLang="zh-CN" dirty="0" smtClean="0">
-                    <a:solidFill>
-                      <a:srgbClr val="FF0000"/>
-                    </a:solidFill>
-                    <a:latin typeface="Times New Roman" panose="02020603050405020304" pitchFamily="18" charset="0"/>
-                    <a:ea typeface="幼圆" panose="02010509060101010101" pitchFamily="49" charset="-122"/>
-                    <a:cs typeface="Times New Roman" panose="02020603050405020304" pitchFamily="18" charset="0"/>
-                  </a:rPr>
-                  <a:t>N</a:t>
-                </a:r>
-                <a:r>
-                  <a:rPr lang="zh-CN" altLang="en-US" dirty="0" smtClean="0">
+                  <a:rPr lang="zh-CN" altLang="en-US" dirty="0">
                     <a:solidFill>
                       <a:srgbClr val="FF0000"/>
                     </a:solidFill>
@@ -9417,7 +9209,7 @@
                   </m:oMath>
                 </a14:m>
                 <a:r>
-                  <a:rPr lang="zh-CN" altLang="en-US" dirty="0" smtClean="0">
+                  <a:rPr lang="zh-CN" altLang="en-US" dirty="0">
                     <a:solidFill>
                       <a:srgbClr val="FF0000"/>
                     </a:solidFill>
@@ -9507,7 +9299,7 @@
                   </m:oMath>
                 </a14:m>
                 <a:r>
-                  <a:rPr lang="zh-CN" altLang="en-US" dirty="0" smtClean="0">
+                  <a:rPr lang="zh-CN" altLang="en-US" dirty="0">
                     <a:solidFill>
                       <a:srgbClr val="FF0000"/>
                     </a:solidFill>
@@ -9515,7 +9307,7 @@
                   </a:rPr>
                   <a:t>。</a:t>
                 </a:r>
-                <a:endParaRPr lang="en-US" altLang="zh-CN" dirty="0" smtClean="0">
+                <a:endParaRPr lang="en-US" altLang="zh-CN" dirty="0">
                   <a:solidFill>
                     <a:srgbClr val="FF0000"/>
                   </a:solidFill>
@@ -9529,7 +9321,7 @@
                   </a:lnSpc>
                 </a:pPr>
                 <a:r>
-                  <a:rPr lang="zh-CN" altLang="en-US" dirty="0" smtClean="0">
+                  <a:rPr lang="zh-CN" altLang="en-US" dirty="0">
                     <a:solidFill>
                       <a:srgbClr val="FF0000"/>
                     </a:solidFill>
@@ -9682,7 +9474,7 @@
                   </m:oMath>
                 </a14:m>
                 <a:r>
-                  <a:rPr lang="zh-CN" altLang="en-US" dirty="0" smtClean="0">
+                  <a:rPr lang="zh-CN" altLang="en-US" dirty="0">
                     <a:solidFill>
                       <a:srgbClr val="FF0000"/>
                     </a:solidFill>
@@ -10167,7 +9959,7 @@
                   </m:oMath>
                 </a14:m>
                 <a:r>
-                  <a:rPr lang="zh-CN" altLang="en-US" dirty="0" smtClean="0">
+                  <a:rPr lang="zh-CN" altLang="en-US" dirty="0">
                     <a:solidFill>
                       <a:srgbClr val="FF0000"/>
                     </a:solidFill>
@@ -10264,7 +10056,7 @@
                   </m:oMath>
                 </a14:m>
                 <a:r>
-                  <a:rPr lang="zh-CN" altLang="en-US" dirty="0" smtClean="0">
+                  <a:rPr lang="zh-CN" altLang="en-US" dirty="0">
                     <a:solidFill>
                       <a:srgbClr val="FF0000"/>
                     </a:solidFill>
@@ -10272,12 +10064,6 @@
                   </a:rPr>
                   <a:t>。</a:t>
                 </a:r>
-                <a:endParaRPr lang="zh-CN" altLang="en-US" dirty="0">
-                  <a:solidFill>
-                    <a:srgbClr val="FF0000"/>
-                  </a:solidFill>
-                  <a:ea typeface="幼圆" panose="02010509060101010101" pitchFamily="49" charset="-122"/>
-                </a:endParaRPr>
               </a:p>
             </p:txBody>
           </p:sp>
@@ -10294,15 +10080,15 @@
             <p:spPr>
               <a:xfrm>
                 <a:off x="1941266" y="2040089"/>
-                <a:ext cx="7255488" cy="2181687"/>
+                <a:ext cx="7157759" cy="2174185"/>
               </a:xfrm>
               <a:prstGeom prst="rect">
                 <a:avLst/>
               </a:prstGeom>
-              <a:blipFill rotWithShape="0">
-                <a:blip r:embed="rId3"/>
+              <a:blipFill>
+                <a:blip r:embed="rId4"/>
                 <a:stretch>
-                  <a:fillRect l="-672" t="-2235" r="-672"/>
+                  <a:fillRect l="-681" t="-2247" r="-681"/>
                 </a:stretch>
               </a:blipFill>
             </p:spPr>
@@ -10331,13 +10117,1381 @@
   <p:clrMapOvr>
     <a:masterClrMapping/>
   </p:clrMapOvr>
-  <p:timing>
-    <p:tnLst>
-      <p:par>
-        <p:cTn id="1" dur="indefinite" restart="never" nodeType="tmRoot"/>
-      </p:par>
-    </p:tnLst>
-  </p:timing>
+</p:sld>
+</file>
+
+<file path=ppt/slides/slide31.xml><?xml version="1.0" encoding="utf-8"?>
+<p:sld xmlns:a="http://schemas.openxmlformats.org/drawingml/2006/main" xmlns:r="http://schemas.openxmlformats.org/officeDocument/2006/relationships" xmlns:p="http://schemas.openxmlformats.org/presentationml/2006/main">
+  <p:cSld>
+    <p:spTree>
+      <p:nvGrpSpPr>
+        <p:cNvPr id="1" name=""/>
+        <p:cNvGrpSpPr/>
+        <p:nvPr/>
+      </p:nvGrpSpPr>
+      <p:grpSpPr>
+        <a:xfrm>
+          <a:off x="0" y="0"/>
+          <a:ext cx="0" cy="0"/>
+          <a:chOff x="0" y="0"/>
+          <a:chExt cx="0" cy="0"/>
+        </a:xfrm>
+      </p:grpSpPr>
+      <p:sp>
+        <p:nvSpPr>
+          <p:cNvPr id="2" name="文本占位符 1">
+            <a:extLst>
+              <a:ext uri="{FF2B5EF4-FFF2-40B4-BE49-F238E27FC236}">
+                <a16:creationId xmlns:a16="http://schemas.microsoft.com/office/drawing/2014/main" id="{69F96CA7-6235-4B56-AD51-962680C13EF9}"/>
+              </a:ext>
+            </a:extLst>
+          </p:cNvPr>
+          <p:cNvSpPr>
+            <a:spLocks noGrp="1"/>
+          </p:cNvSpPr>
+          <p:nvPr>
+            <p:ph type="body" sz="quarter" idx="10"/>
+          </p:nvPr>
+        </p:nvSpPr>
+        <p:spPr/>
+        <p:txBody>
+          <a:bodyPr/>
+          <a:lstStyle/>
+          <a:p>
+            <a:r>
+              <a:rPr lang="zh-CN" altLang="en-US" dirty="0"/>
+              <a:t>计算</a:t>
+            </a:r>
+            <a:endParaRPr lang="en-US" altLang="zh-CN" dirty="0"/>
+          </a:p>
+          <a:p>
+            <a:r>
+              <a:rPr lang="zh-CN" altLang="en-US" dirty="0"/>
+              <a:t>定积分</a:t>
+            </a:r>
+          </a:p>
+        </p:txBody>
+      </p:sp>
+      <mc:AlternateContent xmlns:mc="http://schemas.openxmlformats.org/markup-compatibility/2006" xmlns:a14="http://schemas.microsoft.com/office/drawing/2010/main">
+        <mc:Choice Requires="a14">
+          <p:sp>
+            <p:nvSpPr>
+              <p:cNvPr id="3" name="文本占位符 2">
+                <a:extLst>
+                  <a:ext uri="{FF2B5EF4-FFF2-40B4-BE49-F238E27FC236}">
+                    <a16:creationId xmlns:a16="http://schemas.microsoft.com/office/drawing/2014/main" id="{238C9A98-7600-4D72-8D0D-BBBC9E0A0353}"/>
+                  </a:ext>
+                </a:extLst>
+              </p:cNvPr>
+              <p:cNvSpPr>
+                <a:spLocks noGrp="1"/>
+              </p:cNvSpPr>
+              <p:nvPr>
+                <p:ph type="body" sz="quarter" idx="11"/>
+              </p:nvPr>
+            </p:nvSpPr>
+            <p:spPr>
+              <a:xfrm>
+                <a:off x="2171154" y="337189"/>
+                <a:ext cx="6835067" cy="6057900"/>
+              </a:xfrm>
+            </p:spPr>
+            <p:txBody>
+              <a:bodyPr/>
+              <a:lstStyle/>
+              <a:p>
+                <a:r>
+                  <a:rPr lang="zh-CN" altLang="en-US" dirty="0"/>
+                  <a:t>蒙特卡洛模拟法计算</a:t>
+                </a:r>
+                <a14:m>
+                  <m:oMath xmlns:m="http://schemas.openxmlformats.org/officeDocument/2006/math">
+                    <m:r>
+                      <a:rPr lang="en-US" altLang="zh-CN" b="0" i="0" smtClean="0">
+                        <a:latin typeface="Cambria Math" panose="02040503050406030204" pitchFamily="18" charset="0"/>
+                      </a:rPr>
+                      <m:t> </m:t>
+                    </m:r>
+                    <m:nary>
+                      <m:naryPr>
+                        <m:ctrlPr>
+                          <a:rPr lang="en-US" altLang="zh-CN" i="1">
+                            <a:latin typeface="Cambria Math" panose="02040503050406030204" pitchFamily="18" charset="0"/>
+                          </a:rPr>
+                        </m:ctrlPr>
+                      </m:naryPr>
+                      <m:sub>
+                        <m:r>
+                          <m:rPr>
+                            <m:brk m:alnAt="23"/>
+                          </m:rPr>
+                          <a:rPr lang="en-US" altLang="zh-CN" i="1">
+                            <a:latin typeface="Cambria Math" panose="02040503050406030204" pitchFamily="18" charset="0"/>
+                          </a:rPr>
+                          <m:t>0</m:t>
+                        </m:r>
+                      </m:sub>
+                      <m:sup>
+                        <m:r>
+                          <a:rPr lang="en-US" altLang="zh-CN" i="1">
+                            <a:latin typeface="Cambria Math" panose="02040503050406030204" pitchFamily="18" charset="0"/>
+                          </a:rPr>
+                          <m:t>2</m:t>
+                        </m:r>
+                      </m:sup>
+                      <m:e>
+                        <m:r>
+                          <a:rPr lang="en-US" altLang="zh-CN" i="1">
+                            <a:latin typeface="Cambria Math" panose="02040503050406030204" pitchFamily="18" charset="0"/>
+                          </a:rPr>
+                          <m:t>𝑥</m:t>
+                        </m:r>
+                        <m:sSup>
+                          <m:sSupPr>
+                            <m:ctrlPr>
+                              <a:rPr lang="en-US" altLang="zh-CN" i="1">
+                                <a:latin typeface="Cambria Math" panose="02040503050406030204" pitchFamily="18" charset="0"/>
+                              </a:rPr>
+                            </m:ctrlPr>
+                          </m:sSupPr>
+                          <m:e>
+                            <m:r>
+                              <a:rPr lang="en-US" altLang="zh-CN" i="1">
+                                <a:latin typeface="Cambria Math" panose="02040503050406030204" pitchFamily="18" charset="0"/>
+                              </a:rPr>
+                              <m:t>(</m:t>
+                            </m:r>
+                            <m:r>
+                              <a:rPr lang="en-US" altLang="zh-CN" i="1">
+                                <a:latin typeface="Cambria Math" panose="02040503050406030204" pitchFamily="18" charset="0"/>
+                              </a:rPr>
+                              <m:t>𝑥</m:t>
+                            </m:r>
+                            <m:r>
+                              <a:rPr lang="en-US" altLang="zh-CN" i="1">
+                                <a:latin typeface="Cambria Math" panose="02040503050406030204" pitchFamily="18" charset="0"/>
+                              </a:rPr>
+                              <m:t>−2)</m:t>
+                            </m:r>
+                          </m:e>
+                          <m:sup>
+                            <m:r>
+                              <a:rPr lang="en-US" altLang="zh-CN" i="1">
+                                <a:latin typeface="Cambria Math" panose="02040503050406030204" pitchFamily="18" charset="0"/>
+                              </a:rPr>
+                              <m:t>6</m:t>
+                            </m:r>
+                          </m:sup>
+                        </m:sSup>
+                        <m:r>
+                          <a:rPr lang="en-US" altLang="zh-CN">
+                            <a:latin typeface="Cambria Math" panose="02040503050406030204" pitchFamily="18" charset="0"/>
+                          </a:rPr>
+                          <m:t>ⅆ</m:t>
+                        </m:r>
+                        <m:r>
+                          <a:rPr lang="en-US" altLang="zh-CN" i="1">
+                            <a:latin typeface="Cambria Math" panose="02040503050406030204" pitchFamily="18" charset="0"/>
+                          </a:rPr>
+                          <m:t>𝑥</m:t>
+                        </m:r>
+                      </m:e>
+                    </m:nary>
+                  </m:oMath>
+                </a14:m>
+                <a:endParaRPr lang="zh-CN" altLang="en-US" dirty="0"/>
+              </a:p>
+            </p:txBody>
+          </p:sp>
+        </mc:Choice>
+        <mc:Fallback xmlns="">
+          <p:sp>
+            <p:nvSpPr>
+              <p:cNvPr id="3" name="文本占位符 2">
+                <a:extLst>
+                  <a:ext uri="{FF2B5EF4-FFF2-40B4-BE49-F238E27FC236}">
+                    <a16:creationId xmlns:a16="http://schemas.microsoft.com/office/drawing/2014/main" id="{238C9A98-7600-4D72-8D0D-BBBC9E0A0353}"/>
+                  </a:ext>
+                </a:extLst>
+              </p:cNvPr>
+              <p:cNvSpPr>
+                <a:spLocks noGrp="1" noRot="1" noChangeAspect="1" noMove="1" noResize="1" noEditPoints="1" noAdjustHandles="1" noChangeArrowheads="1" noChangeShapeType="1" noTextEdit="1"/>
+              </p:cNvSpPr>
+              <p:nvPr>
+                <p:ph type="body" sz="quarter" idx="11"/>
+              </p:nvPr>
+            </p:nvSpPr>
+            <p:spPr>
+              <a:xfrm>
+                <a:off x="2171154" y="337189"/>
+                <a:ext cx="6835067" cy="6057900"/>
+              </a:xfrm>
+              <a:blipFill>
+                <a:blip r:embed="rId2"/>
+                <a:stretch>
+                  <a:fillRect l="-1160"/>
+                </a:stretch>
+              </a:blipFill>
+            </p:spPr>
+            <p:txBody>
+              <a:bodyPr/>
+              <a:lstStyle/>
+              <a:p>
+                <a:r>
+                  <a:rPr lang="zh-CN" altLang="en-US">
+                    <a:noFill/>
+                  </a:rPr>
+                  <a:t> </a:t>
+                </a:r>
+              </a:p>
+            </p:txBody>
+          </p:sp>
+        </mc:Fallback>
+      </mc:AlternateContent>
+      <p:pic>
+        <p:nvPicPr>
+          <p:cNvPr id="4" name="图片 3">
+            <a:extLst>
+              <a:ext uri="{FF2B5EF4-FFF2-40B4-BE49-F238E27FC236}">
+                <a16:creationId xmlns:a16="http://schemas.microsoft.com/office/drawing/2014/main" id="{A8D15096-71C5-4700-8FBE-D520303429D3}"/>
+              </a:ext>
+            </a:extLst>
+          </p:cNvPr>
+          <p:cNvPicPr>
+            <a:picLocks noChangeAspect="1"/>
+          </p:cNvPicPr>
+          <p:nvPr/>
+        </p:nvPicPr>
+        <p:blipFill>
+          <a:blip r:embed="rId3">
+            <a:clrChange>
+              <a:clrFrom>
+                <a:srgbClr val="F0F0F0"/>
+              </a:clrFrom>
+              <a:clrTo>
+                <a:srgbClr val="F0F0F0">
+                  <a:alpha val="0"/>
+                </a:srgbClr>
+              </a:clrTo>
+            </a:clrChange>
+          </a:blip>
+          <a:stretch>
+            <a:fillRect/>
+          </a:stretch>
+        </p:blipFill>
+        <p:spPr>
+          <a:xfrm>
+            <a:off x="7273474" y="96792"/>
+            <a:ext cx="1805232" cy="1474622"/>
+          </a:xfrm>
+          <a:prstGeom prst="rect">
+            <a:avLst/>
+          </a:prstGeom>
+        </p:spPr>
+      </p:pic>
+      <p:sp>
+        <p:nvSpPr>
+          <p:cNvPr id="5" name="文本框 4">
+            <a:extLst>
+              <a:ext uri="{FF2B5EF4-FFF2-40B4-BE49-F238E27FC236}">
+                <a16:creationId xmlns:a16="http://schemas.microsoft.com/office/drawing/2014/main" id="{16F2A08A-7B31-45C2-943D-68C67C083CF7}"/>
+              </a:ext>
+            </a:extLst>
+          </p:cNvPr>
+          <p:cNvSpPr txBox="1"/>
+          <p:nvPr/>
+        </p:nvSpPr>
+        <p:spPr>
+          <a:xfrm>
+            <a:off x="2171154" y="1701061"/>
+            <a:ext cx="1063332" cy="400110"/>
+          </a:xfrm>
+          <a:prstGeom prst="rect">
+            <a:avLst/>
+          </a:prstGeom>
+          <a:noFill/>
+        </p:spPr>
+        <p:txBody>
+          <a:bodyPr wrap="square" rtlCol="0" anchor="ctr">
+            <a:spAutoFit/>
+          </a:bodyPr>
+          <a:lstStyle/>
+          <a:p>
+            <a:r>
+              <a:rPr lang="zh-CN" altLang="en-US" sz="2000" dirty="0">
+                <a:solidFill>
+                  <a:schemeClr val="accent5">
+                    <a:lumMod val="75000"/>
+                  </a:schemeClr>
+                </a:solidFill>
+                <a:latin typeface="幼圆" panose="02010509060101010101" pitchFamily="49" charset="-122"/>
+                <a:ea typeface="幼圆" panose="02010509060101010101" pitchFamily="49" charset="-122"/>
+              </a:rPr>
+              <a:t>代码</a:t>
+            </a:r>
+          </a:p>
+        </p:txBody>
+      </p:sp>
+      <p:sp>
+        <p:nvSpPr>
+          <p:cNvPr id="6" name="文本框 5">
+            <a:extLst>
+              <a:ext uri="{FF2B5EF4-FFF2-40B4-BE49-F238E27FC236}">
+                <a16:creationId xmlns:a16="http://schemas.microsoft.com/office/drawing/2014/main" id="{1FA86FE4-4969-4923-9C3F-0FEFB33B1DD8}"/>
+              </a:ext>
+            </a:extLst>
+          </p:cNvPr>
+          <p:cNvSpPr txBox="1"/>
+          <p:nvPr/>
+        </p:nvSpPr>
+        <p:spPr>
+          <a:xfrm>
+            <a:off x="2177275" y="5295898"/>
+            <a:ext cx="1063332" cy="400110"/>
+          </a:xfrm>
+          <a:prstGeom prst="rect">
+            <a:avLst/>
+          </a:prstGeom>
+          <a:noFill/>
+        </p:spPr>
+        <p:txBody>
+          <a:bodyPr wrap="square" rtlCol="0" anchor="ctr">
+            <a:spAutoFit/>
+          </a:bodyPr>
+          <a:lstStyle/>
+          <a:p>
+            <a:r>
+              <a:rPr lang="zh-CN" altLang="en-US" sz="2000" dirty="0">
+                <a:solidFill>
+                  <a:schemeClr val="accent5">
+                    <a:lumMod val="75000"/>
+                  </a:schemeClr>
+                </a:solidFill>
+                <a:latin typeface="幼圆" panose="02010509060101010101" pitchFamily="49" charset="-122"/>
+                <a:ea typeface="幼圆" panose="02010509060101010101" pitchFamily="49" charset="-122"/>
+              </a:rPr>
+              <a:t>输出</a:t>
+            </a:r>
+          </a:p>
+        </p:txBody>
+      </p:sp>
+      <p:pic>
+        <p:nvPicPr>
+          <p:cNvPr id="7" name="图片 6">
+            <a:extLst>
+              <a:ext uri="{FF2B5EF4-FFF2-40B4-BE49-F238E27FC236}">
+                <a16:creationId xmlns:a16="http://schemas.microsoft.com/office/drawing/2014/main" id="{D825B50B-F3A4-47CD-8224-B98E0C102342}"/>
+              </a:ext>
+            </a:extLst>
+          </p:cNvPr>
+          <p:cNvPicPr>
+            <a:picLocks noChangeAspect="1"/>
+          </p:cNvPicPr>
+          <p:nvPr/>
+        </p:nvPicPr>
+        <p:blipFill>
+          <a:blip r:embed="rId4"/>
+          <a:stretch>
+            <a:fillRect/>
+          </a:stretch>
+        </p:blipFill>
+        <p:spPr>
+          <a:xfrm>
+            <a:off x="2297526" y="5797673"/>
+            <a:ext cx="2235315" cy="241312"/>
+          </a:xfrm>
+          <a:prstGeom prst="rect">
+            <a:avLst/>
+          </a:prstGeom>
+          <a:ln>
+            <a:solidFill>
+              <a:schemeClr val="tx1"/>
+            </a:solidFill>
+          </a:ln>
+        </p:spPr>
+      </p:pic>
+      <p:pic>
+        <p:nvPicPr>
+          <p:cNvPr id="8" name="图片 7">
+            <a:extLst>
+              <a:ext uri="{FF2B5EF4-FFF2-40B4-BE49-F238E27FC236}">
+                <a16:creationId xmlns:a16="http://schemas.microsoft.com/office/drawing/2014/main" id="{CEA5D654-082B-449F-8AA3-AD226F471BDC}"/>
+              </a:ext>
+            </a:extLst>
+          </p:cNvPr>
+          <p:cNvPicPr>
+            <a:picLocks noChangeAspect="1"/>
+          </p:cNvPicPr>
+          <p:nvPr/>
+        </p:nvPicPr>
+        <p:blipFill>
+          <a:blip r:embed="rId5"/>
+          <a:stretch>
+            <a:fillRect/>
+          </a:stretch>
+        </p:blipFill>
+        <p:spPr>
+          <a:xfrm>
+            <a:off x="2297526" y="2202836"/>
+            <a:ext cx="3149762" cy="2952902"/>
+          </a:xfrm>
+          <a:prstGeom prst="rect">
+            <a:avLst/>
+          </a:prstGeom>
+          <a:ln>
+            <a:solidFill>
+              <a:schemeClr val="tx1"/>
+            </a:solidFill>
+          </a:ln>
+        </p:spPr>
+      </p:pic>
+      <p:sp>
+        <p:nvSpPr>
+          <p:cNvPr id="9" name="文本框 8">
+            <a:extLst>
+              <a:ext uri="{FF2B5EF4-FFF2-40B4-BE49-F238E27FC236}">
+                <a16:creationId xmlns:a16="http://schemas.microsoft.com/office/drawing/2014/main" id="{F3454DA0-7FF2-4EE4-BD68-3438C808F459}"/>
+              </a:ext>
+            </a:extLst>
+          </p:cNvPr>
+          <p:cNvSpPr txBox="1"/>
+          <p:nvPr/>
+        </p:nvSpPr>
+        <p:spPr>
+          <a:xfrm>
+            <a:off x="5766893" y="1701061"/>
+            <a:ext cx="1063332" cy="400110"/>
+          </a:xfrm>
+          <a:prstGeom prst="rect">
+            <a:avLst/>
+          </a:prstGeom>
+          <a:noFill/>
+        </p:spPr>
+        <p:txBody>
+          <a:bodyPr wrap="square" rtlCol="0" anchor="ctr">
+            <a:spAutoFit/>
+          </a:bodyPr>
+          <a:lstStyle/>
+          <a:p>
+            <a:r>
+              <a:rPr lang="zh-CN" altLang="en-US" sz="2000" dirty="0">
+                <a:solidFill>
+                  <a:schemeClr val="accent5">
+                    <a:lumMod val="75000"/>
+                  </a:schemeClr>
+                </a:solidFill>
+                <a:latin typeface="幼圆" panose="02010509060101010101" pitchFamily="49" charset="-122"/>
+                <a:ea typeface="幼圆" panose="02010509060101010101" pitchFamily="49" charset="-122"/>
+              </a:rPr>
+              <a:t>代码</a:t>
+            </a:r>
+          </a:p>
+        </p:txBody>
+      </p:sp>
+      <p:sp>
+        <p:nvSpPr>
+          <p:cNvPr id="10" name="文本框 9">
+            <a:extLst>
+              <a:ext uri="{FF2B5EF4-FFF2-40B4-BE49-F238E27FC236}">
+                <a16:creationId xmlns:a16="http://schemas.microsoft.com/office/drawing/2014/main" id="{9A1A72BC-43FC-4D6B-99F0-52ED601FB731}"/>
+              </a:ext>
+            </a:extLst>
+          </p:cNvPr>
+          <p:cNvSpPr txBox="1"/>
+          <p:nvPr/>
+        </p:nvSpPr>
+        <p:spPr>
+          <a:xfrm>
+            <a:off x="5766893" y="4385563"/>
+            <a:ext cx="1063332" cy="400110"/>
+          </a:xfrm>
+          <a:prstGeom prst="rect">
+            <a:avLst/>
+          </a:prstGeom>
+          <a:noFill/>
+        </p:spPr>
+        <p:txBody>
+          <a:bodyPr wrap="square" rtlCol="0" anchor="ctr">
+            <a:spAutoFit/>
+          </a:bodyPr>
+          <a:lstStyle/>
+          <a:p>
+            <a:r>
+              <a:rPr lang="zh-CN" altLang="en-US" sz="2000" dirty="0">
+                <a:solidFill>
+                  <a:schemeClr val="accent5">
+                    <a:lumMod val="75000"/>
+                  </a:schemeClr>
+                </a:solidFill>
+                <a:latin typeface="幼圆" panose="02010509060101010101" pitchFamily="49" charset="-122"/>
+                <a:ea typeface="幼圆" panose="02010509060101010101" pitchFamily="49" charset="-122"/>
+              </a:rPr>
+              <a:t>输出</a:t>
+            </a:r>
+          </a:p>
+        </p:txBody>
+      </p:sp>
+      <p:pic>
+        <p:nvPicPr>
+          <p:cNvPr id="11" name="图片 10">
+            <a:extLst>
+              <a:ext uri="{FF2B5EF4-FFF2-40B4-BE49-F238E27FC236}">
+                <a16:creationId xmlns:a16="http://schemas.microsoft.com/office/drawing/2014/main" id="{48DE9145-782F-4BAE-B3CE-75ED54A0BEA6}"/>
+              </a:ext>
+            </a:extLst>
+          </p:cNvPr>
+          <p:cNvPicPr>
+            <a:picLocks noChangeAspect="1"/>
+          </p:cNvPicPr>
+          <p:nvPr/>
+        </p:nvPicPr>
+        <p:blipFill>
+          <a:blip r:embed="rId6"/>
+          <a:stretch>
+            <a:fillRect/>
+          </a:stretch>
+        </p:blipFill>
+        <p:spPr>
+          <a:xfrm>
+            <a:off x="5877237" y="2202836"/>
+            <a:ext cx="2895749" cy="2057506"/>
+          </a:xfrm>
+          <a:prstGeom prst="rect">
+            <a:avLst/>
+          </a:prstGeom>
+          <a:ln>
+            <a:solidFill>
+              <a:schemeClr val="tx1"/>
+            </a:solidFill>
+          </a:ln>
+        </p:spPr>
+      </p:pic>
+      <p:pic>
+        <p:nvPicPr>
+          <p:cNvPr id="12" name="图片 11">
+            <a:extLst>
+              <a:ext uri="{FF2B5EF4-FFF2-40B4-BE49-F238E27FC236}">
+                <a16:creationId xmlns:a16="http://schemas.microsoft.com/office/drawing/2014/main" id="{74685317-4F9B-4D73-8F21-3904218E734E}"/>
+              </a:ext>
+            </a:extLst>
+          </p:cNvPr>
+          <p:cNvPicPr>
+            <a:picLocks noChangeAspect="1"/>
+          </p:cNvPicPr>
+          <p:nvPr/>
+        </p:nvPicPr>
+        <p:blipFill>
+          <a:blip r:embed="rId7"/>
+          <a:stretch>
+            <a:fillRect/>
+          </a:stretch>
+        </p:blipFill>
+        <p:spPr>
+          <a:xfrm>
+            <a:off x="5870673" y="4887338"/>
+            <a:ext cx="2279767" cy="266714"/>
+          </a:xfrm>
+          <a:prstGeom prst="rect">
+            <a:avLst/>
+          </a:prstGeom>
+          <a:ln>
+            <a:solidFill>
+              <a:schemeClr val="tx1"/>
+            </a:solidFill>
+          </a:ln>
+        </p:spPr>
+      </p:pic>
+    </p:spTree>
+    <p:extLst>
+      <p:ext uri="{BB962C8B-B14F-4D97-AF65-F5344CB8AC3E}">
+        <p14:creationId xmlns:p14="http://schemas.microsoft.com/office/powerpoint/2010/main" val="3076510158"/>
+      </p:ext>
+    </p:extLst>
+  </p:cSld>
+  <p:clrMapOvr>
+    <a:masterClrMapping/>
+  </p:clrMapOvr>
+</p:sld>
+</file>
+
+<file path=ppt/slides/slide32.xml><?xml version="1.0" encoding="utf-8"?>
+<p:sld xmlns:a="http://schemas.openxmlformats.org/drawingml/2006/main" xmlns:r="http://schemas.openxmlformats.org/officeDocument/2006/relationships" xmlns:p="http://schemas.openxmlformats.org/presentationml/2006/main">
+  <p:cSld>
+    <p:spTree>
+      <p:nvGrpSpPr>
+        <p:cNvPr id="1" name=""/>
+        <p:cNvGrpSpPr/>
+        <p:nvPr/>
+      </p:nvGrpSpPr>
+      <p:grpSpPr>
+        <a:xfrm>
+          <a:off x="0" y="0"/>
+          <a:ext cx="0" cy="0"/>
+          <a:chOff x="0" y="0"/>
+          <a:chExt cx="0" cy="0"/>
+        </a:xfrm>
+      </p:grpSpPr>
+      <mc:AlternateContent xmlns:mc="http://schemas.openxmlformats.org/markup-compatibility/2006" xmlns:a14="http://schemas.microsoft.com/office/drawing/2010/main">
+        <mc:Choice Requires="a14">
+          <p:sp>
+            <p:nvSpPr>
+              <p:cNvPr id="4" name="文本框 3">
+                <a:extLst>
+                  <a:ext uri="{FF2B5EF4-FFF2-40B4-BE49-F238E27FC236}">
+                    <a16:creationId xmlns:a16="http://schemas.microsoft.com/office/drawing/2014/main" id="{F367E803-6B03-4A4D-AC1A-C63DD65D4191}"/>
+                  </a:ext>
+                </a:extLst>
+              </p:cNvPr>
+              <p:cNvSpPr txBox="1"/>
+              <p:nvPr/>
+            </p:nvSpPr>
+            <p:spPr>
+              <a:xfrm>
+                <a:off x="576420" y="450376"/>
+                <a:ext cx="7947904" cy="3635932"/>
+              </a:xfrm>
+              <a:prstGeom prst="rect">
+                <a:avLst/>
+              </a:prstGeom>
+              <a:noFill/>
+            </p:spPr>
+            <p:txBody>
+              <a:bodyPr wrap="square" rtlCol="0">
+                <a:spAutoFit/>
+              </a:bodyPr>
+              <a:lstStyle/>
+              <a:p>
+                <a:r>
+                  <a:rPr lang="zh-CN" altLang="en-US" sz="3000" dirty="0">
+                    <a:latin typeface="微软雅黑" panose="020B0503020204020204" pitchFamily="34" charset="-122"/>
+                    <a:ea typeface="微软雅黑" panose="020B0503020204020204" pitchFamily="34" charset="-122"/>
+                  </a:rPr>
+                  <a:t>任务一：布丰投针实验</a:t>
+                </a:r>
+                <a:endParaRPr lang="en-US" altLang="zh-CN" sz="3000" dirty="0">
+                  <a:latin typeface="微软雅黑" panose="020B0503020204020204" pitchFamily="34" charset="-122"/>
+                  <a:ea typeface="微软雅黑" panose="020B0503020204020204" pitchFamily="34" charset="-122"/>
+                </a:endParaRPr>
+              </a:p>
+              <a:p>
+                <a:endParaRPr lang="en-US" altLang="zh-CN" sz="3000" dirty="0">
+                  <a:latin typeface="微软雅黑" panose="020B0503020204020204" pitchFamily="34" charset="-122"/>
+                  <a:ea typeface="微软雅黑" panose="020B0503020204020204" pitchFamily="34" charset="-122"/>
+                </a:endParaRPr>
+              </a:p>
+              <a:p>
+                <a:pPr marL="457200" indent="-457200" algn="just">
+                  <a:spcAft>
+                    <a:spcPts val="1000"/>
+                  </a:spcAft>
+                  <a:buAutoNum type="arabicPeriod"/>
+                </a:pPr>
+                <a:r>
+                  <a:rPr lang="zh-CN" altLang="en-US" sz="2400" dirty="0">
+                    <a:latin typeface="微软雅黑 Light" panose="020B0502040204020203" pitchFamily="34" charset="-122"/>
+                    <a:ea typeface="微软雅黑 Light" panose="020B0502040204020203" pitchFamily="34" charset="-122"/>
+                  </a:rPr>
+                  <a:t>取一张白纸，在上面画上许多条间距为</a:t>
+                </a:r>
+                <a14:m>
+                  <m:oMath xmlns:m="http://schemas.openxmlformats.org/officeDocument/2006/math">
+                    <m:r>
+                      <a:rPr lang="en-US" altLang="zh-CN" sz="2400" b="0" i="0" smtClean="0">
+                        <a:latin typeface="Cambria Math" panose="02040503050406030204" pitchFamily="18" charset="0"/>
+                        <a:ea typeface="微软雅黑 Light" panose="020B0502040204020203" pitchFamily="34" charset="-122"/>
+                      </a:rPr>
+                      <m:t> </m:t>
+                    </m:r>
+                    <m:r>
+                      <a:rPr lang="en-US" altLang="zh-CN" sz="2400" b="0" i="1" smtClean="0">
+                        <a:latin typeface="Cambria Math" panose="02040503050406030204" pitchFamily="18" charset="0"/>
+                        <a:ea typeface="微软雅黑 Light" panose="020B0502040204020203" pitchFamily="34" charset="-122"/>
+                      </a:rPr>
+                      <m:t>𝑎</m:t>
+                    </m:r>
+                    <m:r>
+                      <a:rPr lang="en-US" altLang="zh-CN" sz="2400" b="0" i="1" smtClean="0">
+                        <a:latin typeface="Cambria Math" panose="02040503050406030204" pitchFamily="18" charset="0"/>
+                        <a:ea typeface="微软雅黑 Light" panose="020B0502040204020203" pitchFamily="34" charset="-122"/>
+                      </a:rPr>
+                      <m:t> </m:t>
+                    </m:r>
+                  </m:oMath>
+                </a14:m>
+                <a:r>
+                  <a:rPr lang="zh-CN" altLang="en-US" sz="2400" dirty="0">
+                    <a:latin typeface="微软雅黑 Light" panose="020B0502040204020203" pitchFamily="34" charset="-122"/>
+                    <a:ea typeface="微软雅黑 Light" panose="020B0502040204020203" pitchFamily="34" charset="-122"/>
+                  </a:rPr>
+                  <a:t>的平行线</a:t>
+                </a:r>
+                <a:endParaRPr lang="en-US" altLang="zh-CN" sz="2400" dirty="0">
+                  <a:latin typeface="微软雅黑 Light" panose="020B0502040204020203" pitchFamily="34" charset="-122"/>
+                  <a:ea typeface="微软雅黑 Light" panose="020B0502040204020203" pitchFamily="34" charset="-122"/>
+                </a:endParaRPr>
+              </a:p>
+              <a:p>
+                <a:pPr marL="457200" indent="-457200" algn="just">
+                  <a:spcAft>
+                    <a:spcPts val="1000"/>
+                  </a:spcAft>
+                  <a:buAutoNum type="arabicPeriod"/>
+                </a:pPr>
+                <a:r>
+                  <a:rPr lang="zh-CN" altLang="en-US" sz="2400" dirty="0">
+                    <a:latin typeface="微软雅黑 Light" panose="020B0502040204020203" pitchFamily="34" charset="-122"/>
+                    <a:ea typeface="微软雅黑 Light" panose="020B0502040204020203" pitchFamily="34" charset="-122"/>
+                  </a:rPr>
+                  <a:t>取一根长度为</a:t>
+                </a:r>
+                <a14:m>
+                  <m:oMath xmlns:m="http://schemas.openxmlformats.org/officeDocument/2006/math">
+                    <m:r>
+                      <a:rPr lang="en-US" altLang="zh-CN" sz="2400" b="0" i="0" smtClean="0">
+                        <a:latin typeface="Cambria Math" panose="02040503050406030204" pitchFamily="18" charset="0"/>
+                        <a:ea typeface="微软雅黑 Light" panose="020B0502040204020203" pitchFamily="34" charset="-122"/>
+                      </a:rPr>
+                      <m:t> </m:t>
+                    </m:r>
+                    <m:r>
+                      <a:rPr lang="en-US" altLang="zh-CN" sz="2400" b="0" i="1" smtClean="0">
+                        <a:latin typeface="Cambria Math" panose="02040503050406030204" pitchFamily="18" charset="0"/>
+                        <a:ea typeface="微软雅黑 Light" panose="020B0502040204020203" pitchFamily="34" charset="-122"/>
+                      </a:rPr>
+                      <m:t>𝑙</m:t>
+                    </m:r>
+                    <m:r>
+                      <a:rPr lang="en-US" altLang="zh-CN" sz="2400" b="0" i="1" smtClean="0">
+                        <a:latin typeface="Cambria Math" panose="02040503050406030204" pitchFamily="18" charset="0"/>
+                        <a:ea typeface="微软雅黑 Light" panose="020B0502040204020203" pitchFamily="34" charset="-122"/>
+                      </a:rPr>
+                      <m:t> </m:t>
+                    </m:r>
+                    <m:d>
+                      <m:dPr>
+                        <m:ctrlPr>
+                          <a:rPr lang="en-US" altLang="zh-CN" sz="2400" b="0" i="1" smtClean="0">
+                            <a:latin typeface="Cambria Math" panose="02040503050406030204" pitchFamily="18" charset="0"/>
+                            <a:ea typeface="微软雅黑 Light" panose="020B0502040204020203" pitchFamily="34" charset="-122"/>
+                          </a:rPr>
+                        </m:ctrlPr>
+                      </m:dPr>
+                      <m:e>
+                        <m:r>
+                          <a:rPr lang="en-US" altLang="zh-CN" sz="2400" b="0" i="1" smtClean="0">
+                            <a:latin typeface="Cambria Math" panose="02040503050406030204" pitchFamily="18" charset="0"/>
+                            <a:ea typeface="微软雅黑 Light" panose="020B0502040204020203" pitchFamily="34" charset="-122"/>
+                          </a:rPr>
+                          <m:t>𝑙</m:t>
+                        </m:r>
+                        <m:r>
+                          <a:rPr lang="en-US" altLang="zh-CN" sz="2400" b="0" i="1" smtClean="0">
+                            <a:latin typeface="Cambria Math" panose="02040503050406030204" pitchFamily="18" charset="0"/>
+                            <a:ea typeface="微软雅黑 Light" panose="020B0502040204020203" pitchFamily="34" charset="-122"/>
+                          </a:rPr>
+                          <m:t>&lt;</m:t>
+                        </m:r>
+                        <m:r>
+                          <a:rPr lang="en-US" altLang="zh-CN" sz="2400" b="0" i="1" smtClean="0">
+                            <a:latin typeface="Cambria Math" panose="02040503050406030204" pitchFamily="18" charset="0"/>
+                            <a:ea typeface="微软雅黑 Light" panose="020B0502040204020203" pitchFamily="34" charset="-122"/>
+                          </a:rPr>
+                          <m:t>𝑎</m:t>
+                        </m:r>
+                      </m:e>
+                    </m:d>
+                    <m:r>
+                      <a:rPr lang="en-US" altLang="zh-CN" sz="2400" b="0" i="1" smtClean="0">
+                        <a:latin typeface="Cambria Math" panose="02040503050406030204" pitchFamily="18" charset="0"/>
+                        <a:ea typeface="微软雅黑 Light" panose="020B0502040204020203" pitchFamily="34" charset="-122"/>
+                      </a:rPr>
+                      <m:t> </m:t>
+                    </m:r>
+                  </m:oMath>
+                </a14:m>
+                <a:r>
+                  <a:rPr lang="zh-CN" altLang="en-US" sz="2400" dirty="0">
+                    <a:latin typeface="微软雅黑 Light" panose="020B0502040204020203" pitchFamily="34" charset="-122"/>
+                    <a:ea typeface="微软雅黑 Light" panose="020B0502040204020203" pitchFamily="34" charset="-122"/>
+                  </a:rPr>
+                  <a:t>的针，随机地向画有平行直线的纸上掷</a:t>
+                </a:r>
+                <a14:m>
+                  <m:oMath xmlns:m="http://schemas.openxmlformats.org/officeDocument/2006/math">
+                    <m:r>
+                      <a:rPr lang="en-US" altLang="zh-CN" sz="2400" b="0" i="0" smtClean="0">
+                        <a:highlight>
+                          <a:srgbClr val="FFFF00"/>
+                        </a:highlight>
+                        <a:latin typeface="Cambria Math" panose="02040503050406030204" pitchFamily="18" charset="0"/>
+                        <a:ea typeface="微软雅黑 Light" panose="020B0502040204020203" pitchFamily="34" charset="-122"/>
+                      </a:rPr>
+                      <m:t> </m:t>
+                    </m:r>
+                    <m:r>
+                      <a:rPr lang="en-US" altLang="zh-CN" sz="2400" b="0" i="1" smtClean="0">
+                        <a:latin typeface="Cambria Math" panose="02040503050406030204" pitchFamily="18" charset="0"/>
+                        <a:ea typeface="微软雅黑 Light" panose="020B0502040204020203" pitchFamily="34" charset="-122"/>
+                      </a:rPr>
+                      <m:t>𝑛</m:t>
+                    </m:r>
+                    <m:r>
+                      <a:rPr lang="en-US" altLang="zh-CN" sz="2400" b="0" i="1" smtClean="0">
+                        <a:latin typeface="Cambria Math" panose="02040503050406030204" pitchFamily="18" charset="0"/>
+                        <a:ea typeface="微软雅黑 Light" panose="020B0502040204020203" pitchFamily="34" charset="-122"/>
+                      </a:rPr>
+                      <m:t> </m:t>
+                    </m:r>
+                  </m:oMath>
+                </a14:m>
+                <a:r>
+                  <a:rPr lang="zh-CN" altLang="en-US" sz="2400" dirty="0">
+                    <a:latin typeface="微软雅黑 Light" panose="020B0502040204020203" pitchFamily="34" charset="-122"/>
+                    <a:ea typeface="微软雅黑 Light" panose="020B0502040204020203" pitchFamily="34" charset="-122"/>
+                  </a:rPr>
+                  <a:t>次，观察针与直线相交的次数，记为</a:t>
+                </a:r>
+                <a14:m>
+                  <m:oMath xmlns:m="http://schemas.openxmlformats.org/officeDocument/2006/math">
+                    <m:r>
+                      <a:rPr lang="en-US" altLang="zh-CN" sz="2400" b="0" i="0" smtClean="0">
+                        <a:latin typeface="Cambria Math" panose="02040503050406030204" pitchFamily="18" charset="0"/>
+                        <a:ea typeface="微软雅黑 Light" panose="020B0502040204020203" pitchFamily="34" charset="-122"/>
+                      </a:rPr>
+                      <m:t> </m:t>
+                    </m:r>
+                    <m:r>
+                      <a:rPr lang="en-US" altLang="zh-CN" sz="2400" b="0" i="1" smtClean="0">
+                        <a:latin typeface="Cambria Math" panose="02040503050406030204" pitchFamily="18" charset="0"/>
+                        <a:ea typeface="微软雅黑 Light" panose="020B0502040204020203" pitchFamily="34" charset="-122"/>
+                      </a:rPr>
+                      <m:t>𝑚</m:t>
+                    </m:r>
+                  </m:oMath>
+                </a14:m>
+                <a:endParaRPr lang="en-US" altLang="zh-CN" sz="2400" dirty="0">
+                  <a:latin typeface="微软雅黑 Light" panose="020B0502040204020203" pitchFamily="34" charset="-122"/>
+                  <a:ea typeface="微软雅黑 Light" panose="020B0502040204020203" pitchFamily="34" charset="-122"/>
+                </a:endParaRPr>
+              </a:p>
+              <a:p>
+                <a:pPr marL="457200" indent="-457200" algn="just">
+                  <a:spcAft>
+                    <a:spcPts val="1000"/>
+                  </a:spcAft>
+                  <a:buAutoNum type="arabicPeriod"/>
+                </a:pPr>
+                <a:r>
+                  <a:rPr lang="zh-CN" altLang="en-US" sz="2400" dirty="0">
+                    <a:latin typeface="微软雅黑 Light" panose="020B0502040204020203" pitchFamily="34" charset="-122"/>
+                    <a:ea typeface="微软雅黑 Light" panose="020B0502040204020203" pitchFamily="34" charset="-122"/>
+                  </a:rPr>
+                  <a:t>计算针与直线相交的概率</a:t>
+                </a:r>
+                <a14:m>
+                  <m:oMath xmlns:m="http://schemas.openxmlformats.org/officeDocument/2006/math">
+                    <m:r>
+                      <a:rPr lang="en-US" altLang="zh-CN" sz="2400" b="0" i="0" smtClean="0">
+                        <a:latin typeface="Cambria Math" panose="02040503050406030204" pitchFamily="18" charset="0"/>
+                        <a:ea typeface="微软雅黑 Light" panose="020B0502040204020203" pitchFamily="34" charset="-122"/>
+                      </a:rPr>
+                      <m:t> </m:t>
+                    </m:r>
+                    <m:r>
+                      <a:rPr lang="en-US" altLang="zh-CN" sz="2400" b="0" i="1" smtClean="0">
+                        <a:latin typeface="Cambria Math" panose="02040503050406030204" pitchFamily="18" charset="0"/>
+                        <a:ea typeface="微软雅黑 Light" panose="020B0502040204020203" pitchFamily="34" charset="-122"/>
+                      </a:rPr>
+                      <m:t>𝑝</m:t>
+                    </m:r>
+                    <m:r>
+                      <a:rPr lang="en-US" altLang="zh-CN" sz="2400" i="1">
+                        <a:latin typeface="Cambria Math" panose="02040503050406030204" pitchFamily="18" charset="0"/>
+                        <a:ea typeface="微软雅黑 Light" panose="020B0502040204020203" pitchFamily="34" charset="-122"/>
+                      </a:rPr>
+                      <m:t>=</m:t>
+                    </m:r>
+                    <m:f>
+                      <m:fPr>
+                        <m:ctrlPr>
+                          <a:rPr lang="en-US" altLang="zh-CN" sz="2400" b="0" i="1" smtClean="0">
+                            <a:latin typeface="Cambria Math" panose="02040503050406030204" pitchFamily="18" charset="0"/>
+                            <a:ea typeface="微软雅黑 Light" panose="020B0502040204020203" pitchFamily="34" charset="-122"/>
+                          </a:rPr>
+                        </m:ctrlPr>
+                      </m:fPr>
+                      <m:num>
+                        <m:r>
+                          <a:rPr lang="en-US" altLang="zh-CN" sz="2400" b="0" i="1" smtClean="0">
+                            <a:latin typeface="Cambria Math" panose="02040503050406030204" pitchFamily="18" charset="0"/>
+                            <a:ea typeface="微软雅黑 Light" panose="020B0502040204020203" pitchFamily="34" charset="-122"/>
+                          </a:rPr>
+                          <m:t>𝑚</m:t>
+                        </m:r>
+                      </m:num>
+                      <m:den>
+                        <m:r>
+                          <a:rPr lang="en-US" altLang="zh-CN" sz="2400" b="0" i="1" smtClean="0">
+                            <a:latin typeface="Cambria Math" panose="02040503050406030204" pitchFamily="18" charset="0"/>
+                            <a:ea typeface="微软雅黑 Light" panose="020B0502040204020203" pitchFamily="34" charset="-122"/>
+                          </a:rPr>
+                          <m:t>𝑛</m:t>
+                        </m:r>
+                      </m:den>
+                    </m:f>
+                  </m:oMath>
+                </a14:m>
+                <a:endParaRPr lang="en-US" altLang="zh-CN" sz="2400" dirty="0">
+                  <a:latin typeface="微软雅黑 Light" panose="020B0502040204020203" pitchFamily="34" charset="-122"/>
+                  <a:ea typeface="微软雅黑 Light" panose="020B0502040204020203" pitchFamily="34" charset="-122"/>
+                </a:endParaRPr>
+              </a:p>
+              <a:p>
+                <a:pPr marL="457200" indent="-457200" algn="just">
+                  <a:spcAft>
+                    <a:spcPts val="1000"/>
+                  </a:spcAft>
+                  <a:buAutoNum type="arabicPeriod"/>
+                </a:pPr>
+                <a:r>
+                  <a:rPr lang="zh-CN" altLang="en-US" sz="2400" dirty="0">
+                    <a:latin typeface="微软雅黑 Light" panose="020B0502040204020203" pitchFamily="34" charset="-122"/>
+                    <a:ea typeface="微软雅黑 Light" panose="020B0502040204020203" pitchFamily="34" charset="-122"/>
+                  </a:rPr>
+                  <a:t>计算圆周率</a:t>
+                </a:r>
+                <a14:m>
+                  <m:oMath xmlns:m="http://schemas.openxmlformats.org/officeDocument/2006/math">
+                    <m:r>
+                      <a:rPr lang="en-US" altLang="zh-CN" sz="2400" b="0" i="0" smtClean="0">
+                        <a:latin typeface="Cambria Math" panose="02040503050406030204" pitchFamily="18" charset="0"/>
+                        <a:ea typeface="微软雅黑 Light" panose="020B0502040204020203" pitchFamily="34" charset="-122"/>
+                      </a:rPr>
+                      <m:t> </m:t>
+                    </m:r>
+                    <m:r>
+                      <a:rPr lang="zh-CN" altLang="en-US" sz="2400" i="1" smtClean="0">
+                        <a:latin typeface="Cambria Math" panose="02040503050406030204" pitchFamily="18" charset="0"/>
+                        <a:ea typeface="微软雅黑 Light" panose="020B0502040204020203" pitchFamily="34" charset="-122"/>
+                      </a:rPr>
+                      <m:t>𝜋</m:t>
+                    </m:r>
+                    <m:r>
+                      <a:rPr lang="en-US" altLang="zh-CN" sz="2400" b="0" i="1" smtClean="0">
+                        <a:latin typeface="Cambria Math" panose="02040503050406030204" pitchFamily="18" charset="0"/>
+                        <a:ea typeface="微软雅黑 Light" panose="020B0502040204020203" pitchFamily="34" charset="-122"/>
+                      </a:rPr>
+                      <m:t>=</m:t>
+                    </m:r>
+                    <m:f>
+                      <m:fPr>
+                        <m:ctrlPr>
+                          <a:rPr lang="en-US" altLang="zh-CN" sz="2400" b="0" i="1" smtClean="0">
+                            <a:latin typeface="Cambria Math" panose="02040503050406030204" pitchFamily="18" charset="0"/>
+                            <a:ea typeface="微软雅黑 Light" panose="020B0502040204020203" pitchFamily="34" charset="-122"/>
+                          </a:rPr>
+                        </m:ctrlPr>
+                      </m:fPr>
+                      <m:num>
+                        <m:r>
+                          <a:rPr lang="en-US" altLang="zh-CN" sz="2400" b="0" i="1" smtClean="0">
+                            <a:latin typeface="Cambria Math" panose="02040503050406030204" pitchFamily="18" charset="0"/>
+                            <a:ea typeface="微软雅黑 Light" panose="020B0502040204020203" pitchFamily="34" charset="-122"/>
+                          </a:rPr>
+                          <m:t>2</m:t>
+                        </m:r>
+                        <m:r>
+                          <a:rPr lang="en-US" altLang="zh-CN" sz="2400" b="0" i="1" smtClean="0">
+                            <a:latin typeface="Cambria Math" panose="02040503050406030204" pitchFamily="18" charset="0"/>
+                            <a:ea typeface="微软雅黑 Light" panose="020B0502040204020203" pitchFamily="34" charset="-122"/>
+                          </a:rPr>
+                          <m:t>𝑙</m:t>
+                        </m:r>
+                      </m:num>
+                      <m:den>
+                        <m:r>
+                          <a:rPr lang="en-US" altLang="zh-CN" sz="2400" b="0" i="1" smtClean="0">
+                            <a:latin typeface="Cambria Math" panose="02040503050406030204" pitchFamily="18" charset="0"/>
+                            <a:ea typeface="微软雅黑 Light" panose="020B0502040204020203" pitchFamily="34" charset="-122"/>
+                          </a:rPr>
+                          <m:t>𝑝𝑎</m:t>
+                        </m:r>
+                      </m:den>
+                    </m:f>
+                  </m:oMath>
+                </a14:m>
+                <a:endParaRPr lang="en-US" altLang="zh-CN" sz="2400" dirty="0">
+                  <a:latin typeface="微软雅黑 Light" panose="020B0502040204020203" pitchFamily="34" charset="-122"/>
+                  <a:ea typeface="微软雅黑 Light" panose="020B0502040204020203" pitchFamily="34" charset="-122"/>
+                </a:endParaRPr>
+              </a:p>
+            </p:txBody>
+          </p:sp>
+        </mc:Choice>
+        <mc:Fallback xmlns="">
+          <p:sp>
+            <p:nvSpPr>
+              <p:cNvPr id="4" name="文本框 3">
+                <a:extLst>
+                  <a:ext uri="{FF2B5EF4-FFF2-40B4-BE49-F238E27FC236}">
+                    <a16:creationId xmlns:a16="http://schemas.microsoft.com/office/drawing/2014/main" id="{F367E803-6B03-4A4D-AC1A-C63DD65D4191}"/>
+                  </a:ext>
+                </a:extLst>
+              </p:cNvPr>
+              <p:cNvSpPr txBox="1">
+                <a:spLocks noRot="1" noChangeAspect="1" noMove="1" noResize="1" noEditPoints="1" noAdjustHandles="1" noChangeArrowheads="1" noChangeShapeType="1" noTextEdit="1"/>
+              </p:cNvSpPr>
+              <p:nvPr/>
+            </p:nvSpPr>
+            <p:spPr>
+              <a:xfrm>
+                <a:off x="576420" y="450376"/>
+                <a:ext cx="7947904" cy="3635932"/>
+              </a:xfrm>
+              <a:prstGeom prst="rect">
+                <a:avLst/>
+              </a:prstGeom>
+              <a:blipFill>
+                <a:blip r:embed="rId2"/>
+                <a:stretch>
+                  <a:fillRect l="-1842" t="-2181" r="-1228"/>
+                </a:stretch>
+              </a:blipFill>
+            </p:spPr>
+            <p:txBody>
+              <a:bodyPr/>
+              <a:lstStyle/>
+              <a:p>
+                <a:r>
+                  <a:rPr lang="zh-CN" altLang="en-US">
+                    <a:noFill/>
+                  </a:rPr>
+                  <a:t> </a:t>
+                </a:r>
+              </a:p>
+            </p:txBody>
+          </p:sp>
+        </mc:Fallback>
+      </mc:AlternateContent>
+      <p:pic>
+        <p:nvPicPr>
+          <p:cNvPr id="3" name="图片 2">
+            <a:extLst>
+              <a:ext uri="{FF2B5EF4-FFF2-40B4-BE49-F238E27FC236}">
+                <a16:creationId xmlns:a16="http://schemas.microsoft.com/office/drawing/2014/main" id="{B23EF819-F4D6-4B7C-B4A1-ED1C50A2FCDE}"/>
+              </a:ext>
+            </a:extLst>
+          </p:cNvPr>
+          <p:cNvPicPr>
+            <a:picLocks noChangeAspect="1"/>
+          </p:cNvPicPr>
+          <p:nvPr/>
+        </p:nvPicPr>
+        <p:blipFill>
+          <a:blip r:embed="rId3"/>
+          <a:stretch>
+            <a:fillRect/>
+          </a:stretch>
+        </p:blipFill>
+        <p:spPr>
+          <a:xfrm>
+            <a:off x="1391398" y="4965902"/>
+            <a:ext cx="3397425" cy="1238314"/>
+          </a:xfrm>
+          <a:prstGeom prst="rect">
+            <a:avLst/>
+          </a:prstGeom>
+          <a:ln>
+            <a:solidFill>
+              <a:schemeClr val="tx1"/>
+            </a:solidFill>
+          </a:ln>
+        </p:spPr>
+      </p:pic>
+      <p:pic>
+        <p:nvPicPr>
+          <p:cNvPr id="5" name="图片 4">
+            <a:extLst>
+              <a:ext uri="{FF2B5EF4-FFF2-40B4-BE49-F238E27FC236}">
+                <a16:creationId xmlns:a16="http://schemas.microsoft.com/office/drawing/2014/main" id="{3EADC639-A75A-4698-9157-2626474EA072}"/>
+              </a:ext>
+            </a:extLst>
+          </p:cNvPr>
+          <p:cNvPicPr>
+            <a:picLocks noChangeAspect="1"/>
+          </p:cNvPicPr>
+          <p:nvPr/>
+        </p:nvPicPr>
+        <p:blipFill>
+          <a:blip r:embed="rId4"/>
+          <a:stretch>
+            <a:fillRect/>
+          </a:stretch>
+        </p:blipFill>
+        <p:spPr>
+          <a:xfrm>
+            <a:off x="6169321" y="4965902"/>
+            <a:ext cx="1143059" cy="908097"/>
+          </a:xfrm>
+          <a:prstGeom prst="rect">
+            <a:avLst/>
+          </a:prstGeom>
+          <a:ln>
+            <a:solidFill>
+              <a:schemeClr val="tx1"/>
+            </a:solidFill>
+          </a:ln>
+        </p:spPr>
+      </p:pic>
+      <p:sp>
+        <p:nvSpPr>
+          <p:cNvPr id="7" name="文本框 6">
+            <a:extLst>
+              <a:ext uri="{FF2B5EF4-FFF2-40B4-BE49-F238E27FC236}">
+                <a16:creationId xmlns:a16="http://schemas.microsoft.com/office/drawing/2014/main" id="{B80EB562-AEE3-40EE-8409-86A7B82931BA}"/>
+              </a:ext>
+            </a:extLst>
+          </p:cNvPr>
+          <p:cNvSpPr txBox="1"/>
+          <p:nvPr/>
+        </p:nvSpPr>
+        <p:spPr>
+          <a:xfrm>
+            <a:off x="1256960" y="4464192"/>
+            <a:ext cx="1717916" cy="400110"/>
+          </a:xfrm>
+          <a:prstGeom prst="rect">
+            <a:avLst/>
+          </a:prstGeom>
+          <a:noFill/>
+        </p:spPr>
+        <p:txBody>
+          <a:bodyPr wrap="square" rtlCol="0" anchor="ctr">
+            <a:spAutoFit/>
+          </a:bodyPr>
+          <a:lstStyle/>
+          <a:p>
+            <a:pPr algn="ctr"/>
+            <a:r>
+              <a:rPr lang="zh-CN" altLang="en-US" sz="2000" dirty="0">
+                <a:solidFill>
+                  <a:schemeClr val="accent5">
+                    <a:lumMod val="75000"/>
+                  </a:schemeClr>
+                </a:solidFill>
+                <a:latin typeface="幼圆" panose="02010509060101010101" pitchFamily="49" charset="-122"/>
+                <a:ea typeface="幼圆" panose="02010509060101010101" pitchFamily="49" charset="-122"/>
+              </a:rPr>
+              <a:t>仅需三行代码</a:t>
+            </a:r>
+          </a:p>
+        </p:txBody>
+      </p:sp>
+      <p:sp>
+        <p:nvSpPr>
+          <p:cNvPr id="8" name="文本框 7">
+            <a:extLst>
+              <a:ext uri="{FF2B5EF4-FFF2-40B4-BE49-F238E27FC236}">
+                <a16:creationId xmlns:a16="http://schemas.microsoft.com/office/drawing/2014/main" id="{C5199DA6-51C1-4238-8822-CC4D46FA380C}"/>
+              </a:ext>
+            </a:extLst>
+          </p:cNvPr>
+          <p:cNvSpPr txBox="1"/>
+          <p:nvPr/>
+        </p:nvSpPr>
+        <p:spPr>
+          <a:xfrm>
+            <a:off x="6012715" y="4464192"/>
+            <a:ext cx="762000" cy="400110"/>
+          </a:xfrm>
+          <a:prstGeom prst="rect">
+            <a:avLst/>
+          </a:prstGeom>
+          <a:noFill/>
+        </p:spPr>
+        <p:txBody>
+          <a:bodyPr wrap="square" rtlCol="0" anchor="ctr">
+            <a:spAutoFit/>
+          </a:bodyPr>
+          <a:lstStyle/>
+          <a:p>
+            <a:pPr algn="ctr"/>
+            <a:r>
+              <a:rPr lang="zh-CN" altLang="en-US" sz="2000" dirty="0">
+                <a:solidFill>
+                  <a:schemeClr val="accent5">
+                    <a:lumMod val="75000"/>
+                  </a:schemeClr>
+                </a:solidFill>
+                <a:latin typeface="幼圆" panose="02010509060101010101" pitchFamily="49" charset="-122"/>
+                <a:ea typeface="幼圆" panose="02010509060101010101" pitchFamily="49" charset="-122"/>
+              </a:rPr>
+              <a:t>输出</a:t>
+            </a:r>
+          </a:p>
+        </p:txBody>
+      </p:sp>
+    </p:spTree>
+    <p:extLst>
+      <p:ext uri="{BB962C8B-B14F-4D97-AF65-F5344CB8AC3E}">
+        <p14:creationId xmlns:p14="http://schemas.microsoft.com/office/powerpoint/2010/main" val="1286424026"/>
+      </p:ext>
+    </p:extLst>
+  </p:cSld>
+  <p:clrMapOvr>
+    <a:masterClrMapping/>
+  </p:clrMapOvr>
+</p:sld>
+</file>
+
+<file path=ppt/slides/slide33.xml><?xml version="1.0" encoding="utf-8"?>
+<p:sld xmlns:a="http://schemas.openxmlformats.org/drawingml/2006/main" xmlns:r="http://schemas.openxmlformats.org/officeDocument/2006/relationships" xmlns:p="http://schemas.openxmlformats.org/presentationml/2006/main">
+  <p:cSld>
+    <p:spTree>
+      <p:nvGrpSpPr>
+        <p:cNvPr id="1" name=""/>
+        <p:cNvGrpSpPr/>
+        <p:nvPr/>
+      </p:nvGrpSpPr>
+      <p:grpSpPr>
+        <a:xfrm>
+          <a:off x="0" y="0"/>
+          <a:ext cx="0" cy="0"/>
+          <a:chOff x="0" y="0"/>
+          <a:chExt cx="0" cy="0"/>
+        </a:xfrm>
+      </p:grpSpPr>
+      <p:sp>
+        <p:nvSpPr>
+          <p:cNvPr id="2" name="文本框 1">
+            <a:extLst>
+              <a:ext uri="{FF2B5EF4-FFF2-40B4-BE49-F238E27FC236}">
+                <a16:creationId xmlns:a16="http://schemas.microsoft.com/office/drawing/2014/main" id="{59F84EC9-C297-463A-958A-F44511179FD5}"/>
+              </a:ext>
+            </a:extLst>
+          </p:cNvPr>
+          <p:cNvSpPr txBox="1"/>
+          <p:nvPr/>
+        </p:nvSpPr>
+        <p:spPr>
+          <a:xfrm>
+            <a:off x="576420" y="450376"/>
+            <a:ext cx="7947904" cy="553998"/>
+          </a:xfrm>
+          <a:prstGeom prst="rect">
+            <a:avLst/>
+          </a:prstGeom>
+          <a:noFill/>
+        </p:spPr>
+        <p:txBody>
+          <a:bodyPr wrap="square" rtlCol="0">
+            <a:spAutoFit/>
+          </a:bodyPr>
+          <a:lstStyle/>
+          <a:p>
+            <a:r>
+              <a:rPr lang="zh-CN" altLang="en-US" sz="3000" dirty="0">
+                <a:latin typeface="微软雅黑" panose="020B0503020204020204" pitchFamily="34" charset="-122"/>
+                <a:ea typeface="微软雅黑" panose="020B0503020204020204" pitchFamily="34" charset="-122"/>
+              </a:rPr>
+              <a:t>任务一：布丰投针实验</a:t>
+            </a:r>
+            <a:endParaRPr lang="en-US" altLang="zh-CN" sz="3000" dirty="0">
+              <a:latin typeface="微软雅黑" panose="020B0503020204020204" pitchFamily="34" charset="-122"/>
+              <a:ea typeface="微软雅黑" panose="020B0503020204020204" pitchFamily="34" charset="-122"/>
+            </a:endParaRPr>
+          </a:p>
+        </p:txBody>
+      </p:sp>
+      <p:pic>
+        <p:nvPicPr>
+          <p:cNvPr id="4" name="图片 3">
+            <a:extLst>
+              <a:ext uri="{FF2B5EF4-FFF2-40B4-BE49-F238E27FC236}">
+                <a16:creationId xmlns:a16="http://schemas.microsoft.com/office/drawing/2014/main" id="{A30652EE-E4EC-4E63-8DB3-B894949A930D}"/>
+              </a:ext>
+            </a:extLst>
+          </p:cNvPr>
+          <p:cNvPicPr>
+            <a:picLocks noChangeAspect="1"/>
+          </p:cNvPicPr>
+          <p:nvPr/>
+        </p:nvPicPr>
+        <p:blipFill>
+          <a:blip r:embed="rId2"/>
+          <a:stretch>
+            <a:fillRect/>
+          </a:stretch>
+        </p:blipFill>
+        <p:spPr>
+          <a:xfrm>
+            <a:off x="2508144" y="3130534"/>
+            <a:ext cx="4127712" cy="596931"/>
+          </a:xfrm>
+          <a:prstGeom prst="rect">
+            <a:avLst/>
+          </a:prstGeom>
+          <a:ln>
+            <a:solidFill>
+              <a:schemeClr val="tx1"/>
+            </a:solidFill>
+          </a:ln>
+        </p:spPr>
+      </p:pic>
+      <p:sp>
+        <p:nvSpPr>
+          <p:cNvPr id="6" name="文本框 5">
+            <a:extLst>
+              <a:ext uri="{FF2B5EF4-FFF2-40B4-BE49-F238E27FC236}">
+                <a16:creationId xmlns:a16="http://schemas.microsoft.com/office/drawing/2014/main" id="{262E30E0-66AC-4063-84D5-34879F1629D3}"/>
+              </a:ext>
+            </a:extLst>
+          </p:cNvPr>
+          <p:cNvSpPr txBox="1"/>
+          <p:nvPr/>
+        </p:nvSpPr>
+        <p:spPr>
+          <a:xfrm>
+            <a:off x="2388105" y="2615072"/>
+            <a:ext cx="1717916" cy="400110"/>
+          </a:xfrm>
+          <a:prstGeom prst="rect">
+            <a:avLst/>
+          </a:prstGeom>
+          <a:noFill/>
+        </p:spPr>
+        <p:txBody>
+          <a:bodyPr wrap="square" rtlCol="0" anchor="ctr">
+            <a:spAutoFit/>
+          </a:bodyPr>
+          <a:lstStyle/>
+          <a:p>
+            <a:pPr algn="ctr"/>
+            <a:r>
+              <a:rPr lang="zh-CN" altLang="en-US" sz="2000" dirty="0">
+                <a:solidFill>
+                  <a:schemeClr val="accent5">
+                    <a:lumMod val="75000"/>
+                  </a:schemeClr>
+                </a:solidFill>
+                <a:latin typeface="幼圆" panose="02010509060101010101" pitchFamily="49" charset="-122"/>
+                <a:ea typeface="幼圆" panose="02010509060101010101" pitchFamily="49" charset="-122"/>
+              </a:rPr>
+              <a:t>一行代码足够</a:t>
+            </a:r>
+          </a:p>
+        </p:txBody>
+      </p:sp>
+    </p:spTree>
+    <p:extLst>
+      <p:ext uri="{BB962C8B-B14F-4D97-AF65-F5344CB8AC3E}">
+        <p14:creationId xmlns:p14="http://schemas.microsoft.com/office/powerpoint/2010/main" val="3829406665"/>
+      </p:ext>
+    </p:extLst>
+  </p:cSld>
+  <p:clrMapOvr>
+    <a:masterClrMapping/>
+  </p:clrMapOvr>
 </p:sld>
 </file>
 
@@ -10374,17 +11528,16 @@
           <a:lstStyle/>
           <a:p>
             <a:r>
-              <a:rPr lang="zh-CN" altLang="en-US" dirty="0" smtClean="0"/>
+              <a:rPr lang="zh-CN" altLang="en-US" dirty="0"/>
               <a:t>直观的</a:t>
             </a:r>
-            <a:endParaRPr lang="en-US" altLang="zh-CN" dirty="0" smtClean="0"/>
-          </a:p>
-          <a:p>
-            <a:r>
-              <a:rPr lang="zh-CN" altLang="en-US" dirty="0" smtClean="0"/>
+            <a:endParaRPr lang="en-US" altLang="zh-CN" dirty="0"/>
+          </a:p>
+          <a:p>
+            <a:r>
+              <a:rPr lang="zh-CN" altLang="en-US" dirty="0"/>
               <a:t>变量命名</a:t>
             </a:r>
-            <a:endParaRPr lang="zh-CN" altLang="en-US" dirty="0"/>
           </a:p>
         </p:txBody>
       </p:sp>
@@ -10404,10 +11557,9 @@
           <a:lstStyle/>
           <a:p>
             <a:r>
-              <a:rPr lang="zh-CN" altLang="en-US" dirty="0" smtClean="0"/>
+              <a:rPr lang="zh-CN" altLang="en-US" dirty="0"/>
               <a:t>变量名应能反映该变量的含义，以小写字母开头，单词间用大小写或下划线分隔</a:t>
             </a:r>
-            <a:endParaRPr lang="zh-CN" altLang="en-US" dirty="0"/>
           </a:p>
         </p:txBody>
       </p:sp>
@@ -10493,16 +11645,12 @@
           <a:p>
             <a:pPr algn="ctr"/>
             <a:r>
-              <a:rPr lang="zh-CN" altLang="en-US" dirty="0" smtClean="0">
+              <a:rPr lang="zh-CN" altLang="en-US" dirty="0">
                 <a:latin typeface="幼圆" panose="02010509060101010101" pitchFamily="49" charset="-122"/>
                 <a:ea typeface="幼圆" panose="02010509060101010101" pitchFamily="49" charset="-122"/>
               </a:rPr>
               <a:t>推荐的命名</a:t>
             </a:r>
-            <a:endParaRPr lang="zh-CN" altLang="en-US" dirty="0">
-              <a:latin typeface="幼圆" panose="02010509060101010101" pitchFamily="49" charset="-122"/>
-              <a:ea typeface="幼圆" panose="02010509060101010101" pitchFamily="49" charset="-122"/>
-            </a:endParaRPr>
           </a:p>
         </p:txBody>
       </p:sp>
@@ -10530,16 +11678,12 @@
           <a:p>
             <a:pPr algn="ctr"/>
             <a:r>
-              <a:rPr lang="zh-CN" altLang="en-US" dirty="0" smtClean="0">
+              <a:rPr lang="zh-CN" altLang="en-US" dirty="0">
                 <a:latin typeface="幼圆" panose="02010509060101010101" pitchFamily="49" charset="-122"/>
                 <a:ea typeface="幼圆" panose="02010509060101010101" pitchFamily="49" charset="-122"/>
               </a:rPr>
               <a:t>不推荐的命名</a:t>
             </a:r>
-            <a:endParaRPr lang="zh-CN" altLang="en-US" dirty="0">
-              <a:latin typeface="幼圆" panose="02010509060101010101" pitchFamily="49" charset="-122"/>
-              <a:ea typeface="幼圆" panose="02010509060101010101" pitchFamily="49" charset="-122"/>
-            </a:endParaRPr>
           </a:p>
         </p:txBody>
       </p:sp>
@@ -10553,13 +11697,6 @@
   <p:clrMapOvr>
     <a:masterClrMapping/>
   </p:clrMapOvr>
-  <p:timing>
-    <p:tnLst>
-      <p:par>
-        <p:cTn id="1" dur="indefinite" restart="never" nodeType="tmRoot"/>
-      </p:par>
-    </p:tnLst>
-  </p:timing>
 </p:sld>
 </file>
 
@@ -10596,17 +11733,16 @@
           <a:lstStyle/>
           <a:p>
             <a:r>
-              <a:rPr lang="zh-CN" altLang="en-US" dirty="0" smtClean="0"/>
+              <a:rPr lang="zh-CN" altLang="en-US" dirty="0"/>
               <a:t>完整的</a:t>
             </a:r>
-            <a:endParaRPr lang="en-US" altLang="zh-CN" dirty="0" smtClean="0"/>
-          </a:p>
-          <a:p>
-            <a:r>
-              <a:rPr lang="zh-CN" altLang="en-US" dirty="0" smtClean="0"/>
+            <a:endParaRPr lang="en-US" altLang="zh-CN" dirty="0"/>
+          </a:p>
+          <a:p>
+            <a:r>
+              <a:rPr lang="zh-CN" altLang="en-US" dirty="0"/>
               <a:t>注释</a:t>
             </a:r>
-            <a:endParaRPr lang="zh-CN" altLang="en-US" dirty="0"/>
           </a:p>
         </p:txBody>
       </p:sp>
@@ -10626,10 +11762,9 @@
           <a:lstStyle/>
           <a:p>
             <a:r>
-              <a:rPr lang="zh-CN" altLang="en-US" dirty="0" smtClean="0"/>
+              <a:rPr lang="zh-CN" altLang="en-US" dirty="0"/>
               <a:t>每个函数文件开头加上注释以详细地说明函数的功能，并加上版权声明（建议英文）</a:t>
             </a:r>
-            <a:endParaRPr lang="zh-CN" altLang="en-US" dirty="0"/>
           </a:p>
         </p:txBody>
       </p:sp>
@@ -10672,13 +11807,6 @@
   <p:clrMapOvr>
     <a:masterClrMapping/>
   </p:clrMapOvr>
-  <p:timing>
-    <p:tnLst>
-      <p:par>
-        <p:cTn id="1" dur="indefinite" restart="never" nodeType="tmRoot"/>
-      </p:par>
-    </p:tnLst>
-  </p:timing>
 </p:sld>
 </file>
 
@@ -10715,17 +11843,16 @@
           <a:lstStyle/>
           <a:p>
             <a:r>
-              <a:rPr lang="zh-CN" altLang="en-US" dirty="0" smtClean="0"/>
+              <a:rPr lang="zh-CN" altLang="en-US" dirty="0"/>
               <a:t>完整的</a:t>
             </a:r>
-            <a:endParaRPr lang="en-US" altLang="zh-CN" dirty="0" smtClean="0"/>
-          </a:p>
-          <a:p>
-            <a:r>
-              <a:rPr lang="zh-CN" altLang="en-US" dirty="0" smtClean="0"/>
+            <a:endParaRPr lang="en-US" altLang="zh-CN" dirty="0"/>
+          </a:p>
+          <a:p>
+            <a:r>
+              <a:rPr lang="zh-CN" altLang="en-US" dirty="0"/>
               <a:t>注释</a:t>
             </a:r>
-            <a:endParaRPr lang="zh-CN" altLang="en-US" dirty="0"/>
           </a:p>
         </p:txBody>
       </p:sp>
@@ -10745,26 +11872,25 @@
           <a:lstStyle/>
           <a:p>
             <a:r>
-              <a:rPr lang="zh-CN" altLang="en-US" dirty="0" smtClean="0"/>
+              <a:rPr lang="zh-CN" altLang="en-US" dirty="0"/>
               <a:t>用</a:t>
             </a:r>
             <a:r>
-              <a:rPr lang="en-US" altLang="zh-CN" dirty="0" smtClean="0"/>
+              <a:rPr lang="en-US" altLang="zh-CN" dirty="0"/>
               <a:t>%%</a:t>
             </a:r>
             <a:r>
-              <a:rPr lang="zh-CN" altLang="en-US" dirty="0" smtClean="0"/>
+              <a:rPr lang="zh-CN" altLang="en-US" dirty="0"/>
               <a:t>注释分隔每段代码，</a:t>
             </a:r>
             <a:r>
-              <a:rPr lang="en-US" altLang="zh-CN" dirty="0" smtClean="0"/>
+              <a:rPr lang="en-US" altLang="zh-CN" dirty="0"/>
               <a:t>%</a:t>
             </a:r>
             <a:r>
-              <a:rPr lang="zh-CN" altLang="en-US" dirty="0" smtClean="0"/>
+              <a:rPr lang="zh-CN" altLang="en-US" dirty="0"/>
               <a:t>注释说明每行代码的功能</a:t>
             </a:r>
-            <a:endParaRPr lang="zh-CN" altLang="en-US" dirty="0"/>
           </a:p>
         </p:txBody>
       </p:sp>
@@ -10807,13 +11933,6 @@
   <p:clrMapOvr>
     <a:masterClrMapping/>
   </p:clrMapOvr>
-  <p:timing>
-    <p:tnLst>
-      <p:par>
-        <p:cTn id="1" dur="indefinite" restart="never" nodeType="tmRoot"/>
-      </p:par>
-    </p:tnLst>
-  </p:timing>
 </p:sld>
 </file>
 
@@ -10850,17 +11969,16 @@
           <a:lstStyle/>
           <a:p>
             <a:r>
-              <a:rPr lang="zh-CN" altLang="en-US" dirty="0" smtClean="0"/>
+              <a:rPr lang="zh-CN" altLang="en-US" dirty="0"/>
               <a:t>美观的</a:t>
             </a:r>
-            <a:endParaRPr lang="en-US" altLang="zh-CN" dirty="0" smtClean="0"/>
-          </a:p>
-          <a:p>
-            <a:r>
-              <a:rPr lang="zh-CN" altLang="en-US" dirty="0" smtClean="0"/>
+            <a:endParaRPr lang="en-US" altLang="zh-CN" dirty="0"/>
+          </a:p>
+          <a:p>
+            <a:r>
+              <a:rPr lang="zh-CN" altLang="en-US" dirty="0"/>
               <a:t>排版</a:t>
             </a:r>
-            <a:endParaRPr lang="zh-CN" altLang="en-US" dirty="0"/>
           </a:p>
         </p:txBody>
       </p:sp>
@@ -10880,10 +11998,9 @@
           <a:lstStyle/>
           <a:p>
             <a:r>
-              <a:rPr lang="zh-CN" altLang="en-US" dirty="0" smtClean="0"/>
+              <a:rPr lang="zh-CN" altLang="en-US" dirty="0"/>
               <a:t>每层结构内采用正确的缩进</a:t>
             </a:r>
-            <a:endParaRPr lang="zh-CN" altLang="en-US" dirty="0"/>
           </a:p>
         </p:txBody>
       </p:sp>
@@ -10940,7 +12057,7 @@
           <a:p>
             <a:pPr algn="just"/>
             <a:r>
-              <a:rPr lang="zh-CN" altLang="en-US" sz="1600" dirty="0" smtClean="0">
+              <a:rPr lang="zh-CN" altLang="en-US" sz="1600" dirty="0">
                 <a:solidFill>
                   <a:srgbClr val="FF0000"/>
                 </a:solidFill>
@@ -10950,7 +12067,7 @@
               <a:t>选中多行代码，用</a:t>
             </a:r>
             <a:r>
-              <a:rPr lang="en-US" altLang="zh-CN" sz="1600" dirty="0" smtClean="0">
+              <a:rPr lang="en-US" altLang="zh-CN" sz="1600" dirty="0">
                 <a:solidFill>
                   <a:srgbClr val="FF0000"/>
                 </a:solidFill>
@@ -10960,7 +12077,7 @@
               <a:t>Tab</a:t>
             </a:r>
             <a:r>
-              <a:rPr lang="zh-CN" altLang="en-US" sz="1600" dirty="0" smtClean="0">
+              <a:rPr lang="zh-CN" altLang="en-US" sz="1600" dirty="0">
                 <a:solidFill>
                   <a:srgbClr val="FF0000"/>
                 </a:solidFill>
@@ -10970,7 +12087,7 @@
               <a:t>键进行缩进，用</a:t>
             </a:r>
             <a:r>
-              <a:rPr lang="en-US" altLang="zh-CN" sz="1600" dirty="0" smtClean="0">
+              <a:rPr lang="en-US" altLang="zh-CN" sz="1600" dirty="0">
                 <a:solidFill>
                   <a:srgbClr val="FF0000"/>
                 </a:solidFill>
@@ -10980,7 +12097,7 @@
               <a:t>Tab+Shift</a:t>
             </a:r>
             <a:r>
-              <a:rPr lang="zh-CN" altLang="en-US" sz="1600" dirty="0" smtClean="0">
+              <a:rPr lang="zh-CN" altLang="en-US" sz="1600" dirty="0">
                 <a:solidFill>
                   <a:srgbClr val="FF0000"/>
                 </a:solidFill>
@@ -10989,13 +12106,6 @@
               </a:rPr>
               <a:t>键进行反缩进</a:t>
             </a:r>
-            <a:endParaRPr lang="zh-CN" altLang="en-US" sz="1600" dirty="0">
-              <a:solidFill>
-                <a:srgbClr val="FF0000"/>
-              </a:solidFill>
-              <a:latin typeface="幼圆" panose="02010509060101010101" pitchFamily="49" charset="-122"/>
-              <a:ea typeface="幼圆" panose="02010509060101010101" pitchFamily="49" charset="-122"/>
-            </a:endParaRPr>
           </a:p>
         </p:txBody>
       </p:sp>
@@ -11009,13 +12119,6 @@
   <p:clrMapOvr>
     <a:masterClrMapping/>
   </p:clrMapOvr>
-  <p:timing>
-    <p:tnLst>
-      <p:par>
-        <p:cTn id="1" dur="indefinite" restart="never" nodeType="tmRoot"/>
-      </p:par>
-    </p:tnLst>
-  </p:timing>
 </p:sld>
 </file>
 
@@ -11052,17 +12155,17 @@
           <a:lstStyle/>
           <a:p>
             <a:r>
-              <a:rPr lang="zh-CN" altLang="en-US" dirty="0" smtClean="0"/>
+              <a:rPr lang="zh-CN" altLang="en-US" dirty="0"/>
               <a:t>美观的</a:t>
             </a:r>
-            <a:endParaRPr lang="en-US" altLang="zh-CN" dirty="0" smtClean="0"/>
-          </a:p>
-          <a:p>
-            <a:r>
-              <a:rPr lang="zh-CN" altLang="en-US" dirty="0" smtClean="0"/>
+            <a:endParaRPr lang="en-US" altLang="zh-CN" dirty="0"/>
+          </a:p>
+          <a:p>
+            <a:r>
+              <a:rPr lang="zh-CN" altLang="en-US" dirty="0"/>
               <a:t>排版</a:t>
             </a:r>
-            <a:endParaRPr lang="en-US" altLang="zh-CN" dirty="0" smtClean="0"/>
+            <a:endParaRPr lang="en-US" altLang="zh-CN" dirty="0"/>
           </a:p>
         </p:txBody>
       </p:sp>
@@ -11082,25 +12185,24 @@
           <a:lstStyle/>
           <a:p>
             <a:r>
-              <a:rPr lang="zh-CN" altLang="en-US" dirty="0" smtClean="0"/>
+              <a:rPr lang="zh-CN" altLang="en-US" dirty="0"/>
               <a:t>多行变量进行赋值时，对齐等号以提升可读性</a:t>
             </a:r>
-            <a:endParaRPr lang="en-US" altLang="zh-CN" dirty="0" smtClean="0"/>
-          </a:p>
-          <a:p>
-            <a:r>
-              <a:rPr lang="zh-CN" altLang="en-US" dirty="0" smtClean="0"/>
+            <a:endParaRPr lang="en-US" altLang="zh-CN" dirty="0"/>
+          </a:p>
+          <a:p>
+            <a:r>
+              <a:rPr lang="zh-CN" altLang="en-US" dirty="0"/>
               <a:t>行尾注释利用</a:t>
             </a:r>
             <a:r>
-              <a:rPr lang="en-US" altLang="zh-CN" dirty="0" smtClean="0"/>
+              <a:rPr lang="en-US" altLang="zh-CN" dirty="0"/>
               <a:t>Tab</a:t>
             </a:r>
             <a:r>
-              <a:rPr lang="zh-CN" altLang="en-US" dirty="0" smtClean="0"/>
+              <a:rPr lang="zh-CN" altLang="en-US" dirty="0"/>
               <a:t>键进行缩进对齐</a:t>
             </a:r>
-            <a:endParaRPr lang="zh-CN" altLang="en-US" dirty="0"/>
           </a:p>
         </p:txBody>
       </p:sp>
@@ -11185,16 +12287,12 @@
           <a:lstStyle/>
           <a:p>
             <a:r>
-              <a:rPr lang="zh-CN" altLang="en-US" dirty="0" smtClean="0">
+              <a:rPr lang="zh-CN" altLang="en-US" dirty="0">
                 <a:latin typeface="幼圆" panose="02010509060101010101" pitchFamily="49" charset="-122"/>
                 <a:ea typeface="幼圆" panose="02010509060101010101" pitchFamily="49" charset="-122"/>
               </a:rPr>
               <a:t>对齐</a:t>
             </a:r>
-            <a:endParaRPr lang="zh-CN" altLang="en-US" dirty="0">
-              <a:latin typeface="幼圆" panose="02010509060101010101" pitchFamily="49" charset="-122"/>
-              <a:ea typeface="幼圆" panose="02010509060101010101" pitchFamily="49" charset="-122"/>
-            </a:endParaRPr>
           </a:p>
         </p:txBody>
       </p:sp>
@@ -11221,16 +12319,12 @@
           <a:lstStyle/>
           <a:p>
             <a:r>
-              <a:rPr lang="zh-CN" altLang="en-US" dirty="0" smtClean="0">
+              <a:rPr lang="zh-CN" altLang="en-US" dirty="0">
                 <a:latin typeface="幼圆" panose="02010509060101010101" pitchFamily="49" charset="-122"/>
                 <a:ea typeface="幼圆" panose="02010509060101010101" pitchFamily="49" charset="-122"/>
               </a:rPr>
               <a:t>未对齐</a:t>
             </a:r>
-            <a:endParaRPr lang="zh-CN" altLang="en-US" dirty="0">
-              <a:latin typeface="幼圆" panose="02010509060101010101" pitchFamily="49" charset="-122"/>
-              <a:ea typeface="幼圆" panose="02010509060101010101" pitchFamily="49" charset="-122"/>
-            </a:endParaRPr>
           </a:p>
         </p:txBody>
       </p:sp>
@@ -11244,13 +12338,6 @@
   <p:clrMapOvr>
     <a:masterClrMapping/>
   </p:clrMapOvr>
-  <p:timing>
-    <p:tnLst>
-      <p:par>
-        <p:cTn id="1" dur="indefinite" restart="never" nodeType="tmRoot"/>
-      </p:par>
-    </p:tnLst>
-  </p:timing>
 </p:sld>
 </file>
 
@@ -11287,17 +12374,16 @@
           <a:lstStyle/>
           <a:p>
             <a:r>
-              <a:rPr lang="zh-CN" altLang="en-US" dirty="0" smtClean="0"/>
+              <a:rPr lang="zh-CN" altLang="en-US" dirty="0"/>
               <a:t>美观的</a:t>
             </a:r>
-            <a:endParaRPr lang="en-US" altLang="zh-CN" dirty="0" smtClean="0"/>
-          </a:p>
-          <a:p>
-            <a:r>
-              <a:rPr lang="zh-CN" altLang="en-US" dirty="0" smtClean="0"/>
+            <a:endParaRPr lang="en-US" altLang="zh-CN" dirty="0"/>
+          </a:p>
+          <a:p>
+            <a:r>
+              <a:rPr lang="zh-CN" altLang="en-US" dirty="0"/>
               <a:t>排版</a:t>
             </a:r>
-            <a:endParaRPr lang="zh-CN" altLang="en-US" dirty="0"/>
           </a:p>
         </p:txBody>
       </p:sp>
@@ -11317,10 +12403,9 @@
           <a:lstStyle/>
           <a:p>
             <a:r>
-              <a:rPr lang="zh-CN" altLang="en-US" dirty="0" smtClean="0"/>
+              <a:rPr lang="zh-CN" altLang="en-US" dirty="0"/>
               <a:t>代码过长时利用省略号进行跨行编写</a:t>
             </a:r>
-            <a:endParaRPr lang="zh-CN" altLang="en-US" dirty="0"/>
           </a:p>
         </p:txBody>
       </p:sp>
